--- a/Chapter 02/Python Programming I.pptx
+++ b/Chapter 02/Python Programming I.pptx
@@ -6,10 +6,10 @@
     <p:sldMasterId id="2147483655" r:id="rId2"/>
   </p:sldMasterIdLst>
   <p:notesMasterIdLst>
-    <p:notesMasterId r:id="rId26"/>
+    <p:notesMasterId r:id="rId43"/>
   </p:notesMasterIdLst>
   <p:handoutMasterIdLst>
-    <p:handoutMasterId r:id="rId27"/>
+    <p:handoutMasterId r:id="rId44"/>
   </p:handoutMasterIdLst>
   <p:sldIdLst>
     <p:sldId id="399" r:id="rId3"/>
@@ -34,12 +34,29 @@
     <p:sldId id="1033" r:id="rId22"/>
     <p:sldId id="1041" r:id="rId23"/>
     <p:sldId id="1042" r:id="rId24"/>
-    <p:sldId id="883" r:id="rId25"/>
+    <p:sldId id="1044" r:id="rId25"/>
+    <p:sldId id="1043" r:id="rId26"/>
+    <p:sldId id="1045" r:id="rId27"/>
+    <p:sldId id="1046" r:id="rId28"/>
+    <p:sldId id="1047" r:id="rId29"/>
+    <p:sldId id="1048" r:id="rId30"/>
+    <p:sldId id="1050" r:id="rId31"/>
+    <p:sldId id="1049" r:id="rId32"/>
+    <p:sldId id="1051" r:id="rId33"/>
+    <p:sldId id="1052" r:id="rId34"/>
+    <p:sldId id="1053" r:id="rId35"/>
+    <p:sldId id="1054" r:id="rId36"/>
+    <p:sldId id="1055" r:id="rId37"/>
+    <p:sldId id="1056" r:id="rId38"/>
+    <p:sldId id="1057" r:id="rId39"/>
+    <p:sldId id="1058" r:id="rId40"/>
+    <p:sldId id="1059" r:id="rId41"/>
+    <p:sldId id="883" r:id="rId42"/>
   </p:sldIdLst>
   <p:sldSz cx="9144000" cy="5143500" type="screen16x9"/>
   <p:notesSz cx="9942513" cy="6761163"/>
   <p:custDataLst>
-    <p:tags r:id="rId28"/>
+    <p:tags r:id="rId45"/>
   </p:custDataLst>
   <p:defaultTextStyle>
     <a:defPPr>
@@ -275,7 +292,7 @@
           <a:p>
             <a:fld id="{3AB69CFA-11C7-4DA9-ACBF-C33CD51B1BB2}" type="datetimeFigureOut">
               <a:rPr lang="zh-CN" altLang="en-US" smtClean="0"/>
-              <a:t>2023/2/25</a:t>
+              <a:t>2023/3/5</a:t>
             </a:fld>
             <a:endParaRPr lang="zh-CN" altLang="en-US"/>
           </a:p>
@@ -440,7 +457,7 @@
           <a:p>
             <a:fld id="{E4677119-95BD-4228-9886-B2ACBAF66FB6}" type="datetimeFigureOut">
               <a:rPr lang="zh-CN" altLang="en-US" smtClean="0"/>
-              <a:t>2023/2/25</a:t>
+              <a:t>2023/3/5</a:t>
             </a:fld>
             <a:endParaRPr lang="zh-CN" altLang="en-US"/>
           </a:p>
@@ -1111,7 +1128,10 @@
           <a:bodyPr/>
           <a:lstStyle/>
           <a:p>
-            <a:endParaRPr lang="zh-CN" altLang="en-US" dirty="0"/>
+            <a:r>
+              <a:rPr lang="zh-CN" altLang="en-US" sz="900" dirty="0"/>
+              <a:t>按目录修改</a:t>
+            </a:r>
           </a:p>
         </p:txBody>
       </p:sp>
@@ -1133,6 +1153,187 @@
             <a:fld id="{9DAB666E-3B84-4CB4-9B7B-D2C16F9D2445}" type="slidenum">
               <a:rPr lang="zh-CN" altLang="en-US" smtClean="0"/>
               <a:t>23</a:t>
+            </a:fld>
+            <a:endParaRPr lang="zh-CN" altLang="en-US"/>
+          </a:p>
+        </p:txBody>
+      </p:sp>
+    </p:spTree>
+    <p:extLst>
+      <p:ext uri="{BB962C8B-B14F-4D97-AF65-F5344CB8AC3E}">
+        <p14:creationId xmlns:p14="http://schemas.microsoft.com/office/powerpoint/2010/main" val="1543981411"/>
+      </p:ext>
+    </p:extLst>
+  </p:cSld>
+  <p:clrMapOvr>
+    <a:masterClrMapping/>
+  </p:clrMapOvr>
+</p:notes>
+</file>
+
+<file path=ppt/notesSlides/notesSlide6.xml><?xml version="1.0" encoding="utf-8"?>
+<p:notes xmlns:a="http://schemas.openxmlformats.org/drawingml/2006/main" xmlns:r="http://schemas.openxmlformats.org/officeDocument/2006/relationships" xmlns:p="http://schemas.openxmlformats.org/presentationml/2006/main">
+  <p:cSld>
+    <p:spTree>
+      <p:nvGrpSpPr>
+        <p:cNvPr id="1" name=""/>
+        <p:cNvGrpSpPr/>
+        <p:nvPr/>
+      </p:nvGrpSpPr>
+      <p:grpSpPr>
+        <a:xfrm>
+          <a:off x="0" y="0"/>
+          <a:ext cx="0" cy="0"/>
+          <a:chOff x="0" y="0"/>
+          <a:chExt cx="0" cy="0"/>
+        </a:xfrm>
+      </p:grpSpPr>
+      <p:sp>
+        <p:nvSpPr>
+          <p:cNvPr id="2" name="幻灯片图像占位符 1"/>
+          <p:cNvSpPr>
+            <a:spLocks noGrp="1" noRot="1" noChangeAspect="1"/>
+          </p:cNvSpPr>
+          <p:nvPr>
+            <p:ph type="sldImg"/>
+          </p:nvPr>
+        </p:nvSpPr>
+        <p:spPr>
+          <a:xfrm>
+            <a:off x="2716213" y="506413"/>
+            <a:ext cx="4510087" cy="2536825"/>
+          </a:xfrm>
+        </p:spPr>
+      </p:sp>
+      <p:sp>
+        <p:nvSpPr>
+          <p:cNvPr id="3" name="备注占位符 2"/>
+          <p:cNvSpPr>
+            <a:spLocks noGrp="1"/>
+          </p:cNvSpPr>
+          <p:nvPr>
+            <p:ph type="body" idx="1"/>
+          </p:nvPr>
+        </p:nvSpPr>
+        <p:spPr/>
+        <p:txBody>
+          <a:bodyPr/>
+          <a:lstStyle/>
+          <a:p>
+            <a:r>
+              <a:rPr lang="zh-CN" altLang="en-US" sz="900" dirty="0"/>
+              <a:t>按目录修改</a:t>
+            </a:r>
+          </a:p>
+        </p:txBody>
+      </p:sp>
+      <p:sp>
+        <p:nvSpPr>
+          <p:cNvPr id="4" name="灯片编号占位符 3"/>
+          <p:cNvSpPr>
+            <a:spLocks noGrp="1"/>
+          </p:cNvSpPr>
+          <p:nvPr>
+            <p:ph type="sldNum" sz="quarter" idx="10"/>
+          </p:nvPr>
+        </p:nvSpPr>
+        <p:spPr/>
+        <p:txBody>
+          <a:bodyPr/>
+          <a:lstStyle/>
+          <a:p>
+            <a:fld id="{9DAB666E-3B84-4CB4-9B7B-D2C16F9D2445}" type="slidenum">
+              <a:rPr lang="zh-CN" altLang="en-US" smtClean="0"/>
+              <a:t>29</a:t>
+            </a:fld>
+            <a:endParaRPr lang="zh-CN" altLang="en-US"/>
+          </a:p>
+        </p:txBody>
+      </p:sp>
+    </p:spTree>
+    <p:extLst>
+      <p:ext uri="{BB962C8B-B14F-4D97-AF65-F5344CB8AC3E}">
+        <p14:creationId xmlns:p14="http://schemas.microsoft.com/office/powerpoint/2010/main" val="609111807"/>
+      </p:ext>
+    </p:extLst>
+  </p:cSld>
+  <p:clrMapOvr>
+    <a:masterClrMapping/>
+  </p:clrMapOvr>
+</p:notes>
+</file>
+
+<file path=ppt/notesSlides/notesSlide7.xml><?xml version="1.0" encoding="utf-8"?>
+<p:notes xmlns:a="http://schemas.openxmlformats.org/drawingml/2006/main" xmlns:r="http://schemas.openxmlformats.org/officeDocument/2006/relationships" xmlns:p="http://schemas.openxmlformats.org/presentationml/2006/main">
+  <p:cSld>
+    <p:spTree>
+      <p:nvGrpSpPr>
+        <p:cNvPr id="1" name=""/>
+        <p:cNvGrpSpPr/>
+        <p:nvPr/>
+      </p:nvGrpSpPr>
+      <p:grpSpPr>
+        <a:xfrm>
+          <a:off x="0" y="0"/>
+          <a:ext cx="0" cy="0"/>
+          <a:chOff x="0" y="0"/>
+          <a:chExt cx="0" cy="0"/>
+        </a:xfrm>
+      </p:grpSpPr>
+      <p:sp>
+        <p:nvSpPr>
+          <p:cNvPr id="2" name="幻灯片图像占位符 1"/>
+          <p:cNvSpPr>
+            <a:spLocks noGrp="1" noRot="1" noChangeAspect="1"/>
+          </p:cNvSpPr>
+          <p:nvPr>
+            <p:ph type="sldImg"/>
+          </p:nvPr>
+        </p:nvSpPr>
+        <p:spPr>
+          <a:xfrm>
+            <a:off x="2716213" y="506413"/>
+            <a:ext cx="4510087" cy="2536825"/>
+          </a:xfrm>
+        </p:spPr>
+      </p:sp>
+      <p:sp>
+        <p:nvSpPr>
+          <p:cNvPr id="3" name="备注占位符 2"/>
+          <p:cNvSpPr>
+            <a:spLocks noGrp="1"/>
+          </p:cNvSpPr>
+          <p:nvPr>
+            <p:ph type="body" idx="1"/>
+          </p:nvPr>
+        </p:nvSpPr>
+        <p:spPr/>
+        <p:txBody>
+          <a:bodyPr/>
+          <a:lstStyle/>
+          <a:p>
+            <a:endParaRPr lang="zh-CN" altLang="en-US" dirty="0"/>
+          </a:p>
+        </p:txBody>
+      </p:sp>
+      <p:sp>
+        <p:nvSpPr>
+          <p:cNvPr id="4" name="灯片编号占位符 3"/>
+          <p:cNvSpPr>
+            <a:spLocks noGrp="1"/>
+          </p:cNvSpPr>
+          <p:nvPr>
+            <p:ph type="sldNum" sz="quarter" idx="10"/>
+          </p:nvPr>
+        </p:nvSpPr>
+        <p:spPr/>
+        <p:txBody>
+          <a:bodyPr/>
+          <a:lstStyle/>
+          <a:p>
+            <a:fld id="{9DAB666E-3B84-4CB4-9B7B-D2C16F9D2445}" type="slidenum">
+              <a:rPr lang="zh-CN" altLang="en-US" smtClean="0"/>
+              <a:t>40</a:t>
             </a:fld>
             <a:endParaRPr lang="zh-CN" altLang="en-US"/>
           </a:p>
@@ -5448,7 +5649,7 @@
                   </a:schemeClr>
                 </a:solidFill>
               </a:rPr>
-              <a:t>10:50</a:t>
+              <a:t>17:28</a:t>
             </a:fld>
             <a:r>
               <a:rPr lang="zh-CN" altLang="en-US" sz="900" dirty="0">
@@ -6085,7 +6286,7 @@
                   </a:schemeClr>
                 </a:solidFill>
               </a:rPr>
-              <a:t>10:50</a:t>
+              <a:t>17:28</a:t>
             </a:fld>
             <a:r>
               <a:rPr lang="zh-CN" altLang="en-US" sz="900" dirty="0">
@@ -13344,113 +13545,1626 @@
       </p:grpSpPr>
       <p:sp>
         <p:nvSpPr>
-          <p:cNvPr id="11" name="文本框 10"/>
-          <p:cNvSpPr txBox="1"/>
+          <p:cNvPr id="4" name="KSO_Shape"/>
+          <p:cNvSpPr/>
           <p:nvPr/>
         </p:nvSpPr>
-        <p:spPr>
+        <p:spPr bwMode="auto">
           <a:xfrm>
-            <a:off x="1457960" y="1991996"/>
-            <a:ext cx="6059805" cy="1661993"/>
+            <a:off x="303885" y="2111945"/>
+            <a:ext cx="928015" cy="1097753"/>
+          </a:xfrm>
+          <a:custGeom>
+            <a:avLst/>
+            <a:gdLst>
+              <a:gd name="T0" fmla="*/ 248428 w 2033587"/>
+              <a:gd name="T1" fmla="*/ 944529 h 2276475"/>
+              <a:gd name="T2" fmla="*/ 1175716 w 2033587"/>
+              <a:gd name="T3" fmla="*/ 709393 h 2276475"/>
+              <a:gd name="T4" fmla="*/ 1178374 w 2033587"/>
+              <a:gd name="T5" fmla="*/ 591162 h 2276475"/>
+              <a:gd name="T6" fmla="*/ 1585424 w 2033587"/>
+              <a:gd name="T7" fmla="*/ 232745 h 2276475"/>
+              <a:gd name="T8" fmla="*/ 1623685 w 2033587"/>
+              <a:gd name="T9" fmla="*/ 244701 h 2276475"/>
+              <a:gd name="T10" fmla="*/ 1656631 w 2033587"/>
+              <a:gd name="T11" fmla="*/ 266753 h 2276475"/>
+              <a:gd name="T12" fmla="*/ 1682138 w 2033587"/>
+              <a:gd name="T13" fmla="*/ 297308 h 2276475"/>
+              <a:gd name="T14" fmla="*/ 1697549 w 2033587"/>
+              <a:gd name="T15" fmla="*/ 334505 h 2276475"/>
+              <a:gd name="T16" fmla="*/ 1701800 w 2033587"/>
+              <a:gd name="T17" fmla="*/ 1767638 h 2276475"/>
+              <a:gd name="T18" fmla="*/ 1695689 w 2033587"/>
+              <a:gd name="T19" fmla="*/ 1808289 h 2276475"/>
+              <a:gd name="T20" fmla="*/ 1678419 w 2033587"/>
+              <a:gd name="T21" fmla="*/ 1844423 h 2276475"/>
+              <a:gd name="T22" fmla="*/ 1651849 w 2033587"/>
+              <a:gd name="T23" fmla="*/ 1873649 h 2276475"/>
+              <a:gd name="T24" fmla="*/ 1617839 w 2033587"/>
+              <a:gd name="T25" fmla="*/ 1894372 h 2276475"/>
+              <a:gd name="T26" fmla="*/ 1578251 w 2033587"/>
+              <a:gd name="T27" fmla="*/ 1904469 h 2276475"/>
+              <a:gd name="T28" fmla="*/ 381012 w 2033587"/>
+              <a:gd name="T29" fmla="*/ 1903672 h 2276475"/>
+              <a:gd name="T30" fmla="*/ 342220 w 2033587"/>
+              <a:gd name="T31" fmla="*/ 1891715 h 2276475"/>
+              <a:gd name="T32" fmla="*/ 309539 w 2033587"/>
+              <a:gd name="T33" fmla="*/ 1869397 h 2276475"/>
+              <a:gd name="T34" fmla="*/ 284298 w 2033587"/>
+              <a:gd name="T35" fmla="*/ 1838844 h 2276475"/>
+              <a:gd name="T36" fmla="*/ 268621 w 2033587"/>
+              <a:gd name="T37" fmla="*/ 1801912 h 2276475"/>
+              <a:gd name="T38" fmla="*/ 382075 w 2033587"/>
+              <a:gd name="T39" fmla="*/ 1767638 h 2276475"/>
+              <a:gd name="T40" fmla="*/ 385528 w 2033587"/>
+              <a:gd name="T41" fmla="*/ 1778531 h 2276475"/>
+              <a:gd name="T42" fmla="*/ 398017 w 2033587"/>
+              <a:gd name="T43" fmla="*/ 1786768 h 2276475"/>
+              <a:gd name="T44" fmla="*/ 1570013 w 2033587"/>
+              <a:gd name="T45" fmla="*/ 1786502 h 2276475"/>
+              <a:gd name="T46" fmla="*/ 1581704 w 2033587"/>
+              <a:gd name="T47" fmla="*/ 1776937 h 2276475"/>
+              <a:gd name="T48" fmla="*/ 1583830 w 2033587"/>
+              <a:gd name="T49" fmla="*/ 368513 h 2276475"/>
+              <a:gd name="T50" fmla="*/ 1580376 w 2033587"/>
+              <a:gd name="T51" fmla="*/ 357619 h 2276475"/>
+              <a:gd name="T52" fmla="*/ 1568419 w 2033587"/>
+              <a:gd name="T53" fmla="*/ 349383 h 2276475"/>
+              <a:gd name="T54" fmla="*/ 492697 w 2033587"/>
+              <a:gd name="T55" fmla="*/ 362402 h 2276475"/>
+              <a:gd name="T56" fmla="*/ 484724 w 2033587"/>
+              <a:gd name="T57" fmla="*/ 402787 h 2276475"/>
+              <a:gd name="T58" fmla="*/ 465590 w 2033587"/>
+              <a:gd name="T59" fmla="*/ 437592 h 2276475"/>
+              <a:gd name="T60" fmla="*/ 437421 w 2033587"/>
+              <a:gd name="T61" fmla="*/ 465490 h 2276475"/>
+              <a:gd name="T62" fmla="*/ 402608 w 2033587"/>
+              <a:gd name="T63" fmla="*/ 484619 h 2276475"/>
+              <a:gd name="T64" fmla="*/ 362480 w 2033587"/>
+              <a:gd name="T65" fmla="*/ 492856 h 2276475"/>
+              <a:gd name="T66" fmla="*/ 118789 w 2033587"/>
+              <a:gd name="T67" fmla="*/ 1542067 h 2276475"/>
+              <a:gd name="T68" fmla="*/ 128090 w 2033587"/>
+              <a:gd name="T69" fmla="*/ 1553757 h 2276475"/>
+              <a:gd name="T70" fmla="*/ 1299773 w 2033587"/>
+              <a:gd name="T71" fmla="*/ 1556149 h 2276475"/>
+              <a:gd name="T72" fmla="*/ 1310934 w 2033587"/>
+              <a:gd name="T73" fmla="*/ 1552695 h 2276475"/>
+              <a:gd name="T74" fmla="*/ 1319438 w 2033587"/>
+              <a:gd name="T75" fmla="*/ 1540208 h 2276475"/>
+              <a:gd name="T76" fmla="*/ 1318907 w 2033587"/>
+              <a:gd name="T77" fmla="*/ 131782 h 2276475"/>
+              <a:gd name="T78" fmla="*/ 1309340 w 2033587"/>
+              <a:gd name="T79" fmla="*/ 120357 h 2276475"/>
+              <a:gd name="T80" fmla="*/ 492963 w 2033587"/>
+              <a:gd name="T81" fmla="*/ 117967 h 2276475"/>
+              <a:gd name="T82" fmla="*/ 1327676 w 2033587"/>
+              <a:gd name="T83" fmla="*/ 2922 h 2276475"/>
+              <a:gd name="T84" fmla="*/ 1365413 w 2033587"/>
+              <a:gd name="T85" fmla="*/ 16738 h 2276475"/>
+              <a:gd name="T86" fmla="*/ 1397303 w 2033587"/>
+              <a:gd name="T87" fmla="*/ 40385 h 2276475"/>
+              <a:gd name="T88" fmla="*/ 1420954 w 2033587"/>
+              <a:gd name="T89" fmla="*/ 72268 h 2276475"/>
+              <a:gd name="T90" fmla="*/ 1434773 w 2033587"/>
+              <a:gd name="T91" fmla="*/ 109996 h 2276475"/>
+              <a:gd name="T92" fmla="*/ 1437430 w 2033587"/>
+              <a:gd name="T93" fmla="*/ 1543396 h 2276475"/>
+              <a:gd name="T94" fmla="*/ 1429192 w 2033587"/>
+              <a:gd name="T95" fmla="*/ 1583515 h 2276475"/>
+              <a:gd name="T96" fmla="*/ 1410324 w 2033587"/>
+              <a:gd name="T97" fmla="*/ 1618586 h 2276475"/>
+              <a:gd name="T98" fmla="*/ 1382155 w 2033587"/>
+              <a:gd name="T99" fmla="*/ 1646749 h 2276475"/>
+              <a:gd name="T100" fmla="*/ 1347076 w 2033587"/>
+              <a:gd name="T101" fmla="*/ 1665613 h 2276475"/>
+              <a:gd name="T102" fmla="*/ 1307214 w 2033587"/>
+              <a:gd name="T103" fmla="*/ 1673849 h 2276475"/>
+              <a:gd name="T104" fmla="*/ 109754 w 2033587"/>
+              <a:gd name="T105" fmla="*/ 1671192 h 2276475"/>
+              <a:gd name="T106" fmla="*/ 72017 w 2033587"/>
+              <a:gd name="T107" fmla="*/ 1657377 h 2276475"/>
+              <a:gd name="T108" fmla="*/ 40394 w 2033587"/>
+              <a:gd name="T109" fmla="*/ 1633731 h 2276475"/>
+              <a:gd name="T110" fmla="*/ 16476 w 2033587"/>
+              <a:gd name="T111" fmla="*/ 1601848 h 2276475"/>
+              <a:gd name="T112" fmla="*/ 2657 w 2033587"/>
+              <a:gd name="T113" fmla="*/ 1564120 h 2276475"/>
+              <a:gd name="T114" fmla="*/ 409517 w 2033587"/>
+              <a:gd name="T115" fmla="*/ 0 h 2276475"/>
+              <a:gd name="T116" fmla="*/ 0 60000 65536"/>
+              <a:gd name="T117" fmla="*/ 0 60000 65536"/>
+              <a:gd name="T118" fmla="*/ 0 60000 65536"/>
+              <a:gd name="T119" fmla="*/ 0 60000 65536"/>
+              <a:gd name="T120" fmla="*/ 0 60000 65536"/>
+              <a:gd name="T121" fmla="*/ 0 60000 65536"/>
+              <a:gd name="T122" fmla="*/ 0 60000 65536"/>
+              <a:gd name="T123" fmla="*/ 0 60000 65536"/>
+              <a:gd name="T124" fmla="*/ 0 60000 65536"/>
+              <a:gd name="T125" fmla="*/ 0 60000 65536"/>
+              <a:gd name="T126" fmla="*/ 0 60000 65536"/>
+              <a:gd name="T127" fmla="*/ 0 60000 65536"/>
+              <a:gd name="T128" fmla="*/ 0 60000 65536"/>
+              <a:gd name="T129" fmla="*/ 0 60000 65536"/>
+              <a:gd name="T130" fmla="*/ 0 60000 65536"/>
+              <a:gd name="T131" fmla="*/ 0 60000 65536"/>
+              <a:gd name="T132" fmla="*/ 0 60000 65536"/>
+              <a:gd name="T133" fmla="*/ 0 60000 65536"/>
+              <a:gd name="T134" fmla="*/ 0 60000 65536"/>
+              <a:gd name="T135" fmla="*/ 0 60000 65536"/>
+              <a:gd name="T136" fmla="*/ 0 60000 65536"/>
+              <a:gd name="T137" fmla="*/ 0 60000 65536"/>
+              <a:gd name="T138" fmla="*/ 0 60000 65536"/>
+              <a:gd name="T139" fmla="*/ 0 60000 65536"/>
+              <a:gd name="T140" fmla="*/ 0 60000 65536"/>
+              <a:gd name="T141" fmla="*/ 0 60000 65536"/>
+              <a:gd name="T142" fmla="*/ 0 60000 65536"/>
+              <a:gd name="T143" fmla="*/ 0 60000 65536"/>
+              <a:gd name="T144" fmla="*/ 0 60000 65536"/>
+              <a:gd name="T145" fmla="*/ 0 60000 65536"/>
+              <a:gd name="T146" fmla="*/ 0 60000 65536"/>
+              <a:gd name="T147" fmla="*/ 0 60000 65536"/>
+              <a:gd name="T148" fmla="*/ 0 60000 65536"/>
+              <a:gd name="T149" fmla="*/ 0 60000 65536"/>
+              <a:gd name="T150" fmla="*/ 0 60000 65536"/>
+              <a:gd name="T151" fmla="*/ 0 60000 65536"/>
+              <a:gd name="T152" fmla="*/ 0 60000 65536"/>
+              <a:gd name="T153" fmla="*/ 0 60000 65536"/>
+              <a:gd name="T154" fmla="*/ 0 60000 65536"/>
+              <a:gd name="T155" fmla="*/ 0 60000 65536"/>
+              <a:gd name="T156" fmla="*/ 0 60000 65536"/>
+              <a:gd name="T157" fmla="*/ 0 60000 65536"/>
+              <a:gd name="T158" fmla="*/ 0 60000 65536"/>
+              <a:gd name="T159" fmla="*/ 0 60000 65536"/>
+              <a:gd name="T160" fmla="*/ 0 60000 65536"/>
+              <a:gd name="T161" fmla="*/ 0 60000 65536"/>
+              <a:gd name="T162" fmla="*/ 0 60000 65536"/>
+              <a:gd name="T163" fmla="*/ 0 60000 65536"/>
+              <a:gd name="T164" fmla="*/ 0 60000 65536"/>
+              <a:gd name="T165" fmla="*/ 0 60000 65536"/>
+              <a:gd name="T166" fmla="*/ 0 60000 65536"/>
+              <a:gd name="T167" fmla="*/ 0 60000 65536"/>
+              <a:gd name="T168" fmla="*/ 0 60000 65536"/>
+              <a:gd name="T169" fmla="*/ 0 60000 65536"/>
+              <a:gd name="T170" fmla="*/ 0 60000 65536"/>
+              <a:gd name="T171" fmla="*/ 0 60000 65536"/>
+              <a:gd name="T172" fmla="*/ 0 60000 65536"/>
+              <a:gd name="T173" fmla="*/ 0 60000 65536"/>
+            </a:gdLst>
+            <a:ahLst/>
+            <a:cxnLst>
+              <a:cxn ang="T116">
+                <a:pos x="T0" y="T1"/>
+              </a:cxn>
+              <a:cxn ang="T117">
+                <a:pos x="T2" y="T3"/>
+              </a:cxn>
+              <a:cxn ang="T118">
+                <a:pos x="T4" y="T5"/>
+              </a:cxn>
+              <a:cxn ang="T119">
+                <a:pos x="T6" y="T7"/>
+              </a:cxn>
+              <a:cxn ang="T120">
+                <a:pos x="T8" y="T9"/>
+              </a:cxn>
+              <a:cxn ang="T121">
+                <a:pos x="T10" y="T11"/>
+              </a:cxn>
+              <a:cxn ang="T122">
+                <a:pos x="T12" y="T13"/>
+              </a:cxn>
+              <a:cxn ang="T123">
+                <a:pos x="T14" y="T15"/>
+              </a:cxn>
+              <a:cxn ang="T124">
+                <a:pos x="T16" y="T17"/>
+              </a:cxn>
+              <a:cxn ang="T125">
+                <a:pos x="T18" y="T19"/>
+              </a:cxn>
+              <a:cxn ang="T126">
+                <a:pos x="T20" y="T21"/>
+              </a:cxn>
+              <a:cxn ang="T127">
+                <a:pos x="T22" y="T23"/>
+              </a:cxn>
+              <a:cxn ang="T128">
+                <a:pos x="T24" y="T25"/>
+              </a:cxn>
+              <a:cxn ang="T129">
+                <a:pos x="T26" y="T27"/>
+              </a:cxn>
+              <a:cxn ang="T130">
+                <a:pos x="T28" y="T29"/>
+              </a:cxn>
+              <a:cxn ang="T131">
+                <a:pos x="T30" y="T31"/>
+              </a:cxn>
+              <a:cxn ang="T132">
+                <a:pos x="T32" y="T33"/>
+              </a:cxn>
+              <a:cxn ang="T133">
+                <a:pos x="T34" y="T35"/>
+              </a:cxn>
+              <a:cxn ang="T134">
+                <a:pos x="T36" y="T37"/>
+              </a:cxn>
+              <a:cxn ang="T135">
+                <a:pos x="T38" y="T39"/>
+              </a:cxn>
+              <a:cxn ang="T136">
+                <a:pos x="T40" y="T41"/>
+              </a:cxn>
+              <a:cxn ang="T137">
+                <a:pos x="T42" y="T43"/>
+              </a:cxn>
+              <a:cxn ang="T138">
+                <a:pos x="T44" y="T45"/>
+              </a:cxn>
+              <a:cxn ang="T139">
+                <a:pos x="T46" y="T47"/>
+              </a:cxn>
+              <a:cxn ang="T140">
+                <a:pos x="T48" y="T49"/>
+              </a:cxn>
+              <a:cxn ang="T141">
+                <a:pos x="T50" y="T51"/>
+              </a:cxn>
+              <a:cxn ang="T142">
+                <a:pos x="T52" y="T53"/>
+              </a:cxn>
+              <a:cxn ang="T143">
+                <a:pos x="T54" y="T55"/>
+              </a:cxn>
+              <a:cxn ang="T144">
+                <a:pos x="T56" y="T57"/>
+              </a:cxn>
+              <a:cxn ang="T145">
+                <a:pos x="T58" y="T59"/>
+              </a:cxn>
+              <a:cxn ang="T146">
+                <a:pos x="T60" y="T61"/>
+              </a:cxn>
+              <a:cxn ang="T147">
+                <a:pos x="T62" y="T63"/>
+              </a:cxn>
+              <a:cxn ang="T148">
+                <a:pos x="T64" y="T65"/>
+              </a:cxn>
+              <a:cxn ang="T149">
+                <a:pos x="T66" y="T67"/>
+              </a:cxn>
+              <a:cxn ang="T150">
+                <a:pos x="T68" y="T69"/>
+              </a:cxn>
+              <a:cxn ang="T151">
+                <a:pos x="T70" y="T71"/>
+              </a:cxn>
+              <a:cxn ang="T152">
+                <a:pos x="T72" y="T73"/>
+              </a:cxn>
+              <a:cxn ang="T153">
+                <a:pos x="T74" y="T75"/>
+              </a:cxn>
+              <a:cxn ang="T154">
+                <a:pos x="T76" y="T77"/>
+              </a:cxn>
+              <a:cxn ang="T155">
+                <a:pos x="T78" y="T79"/>
+              </a:cxn>
+              <a:cxn ang="T156">
+                <a:pos x="T80" y="T81"/>
+              </a:cxn>
+              <a:cxn ang="T157">
+                <a:pos x="T82" y="T83"/>
+              </a:cxn>
+              <a:cxn ang="T158">
+                <a:pos x="T84" y="T85"/>
+              </a:cxn>
+              <a:cxn ang="T159">
+                <a:pos x="T86" y="T87"/>
+              </a:cxn>
+              <a:cxn ang="T160">
+                <a:pos x="T88" y="T89"/>
+              </a:cxn>
+              <a:cxn ang="T161">
+                <a:pos x="T90" y="T91"/>
+              </a:cxn>
+              <a:cxn ang="T162">
+                <a:pos x="T92" y="T93"/>
+              </a:cxn>
+              <a:cxn ang="T163">
+                <a:pos x="T94" y="T95"/>
+              </a:cxn>
+              <a:cxn ang="T164">
+                <a:pos x="T96" y="T97"/>
+              </a:cxn>
+              <a:cxn ang="T165">
+                <a:pos x="T98" y="T99"/>
+              </a:cxn>
+              <a:cxn ang="T166">
+                <a:pos x="T100" y="T101"/>
+              </a:cxn>
+              <a:cxn ang="T167">
+                <a:pos x="T102" y="T103"/>
+              </a:cxn>
+              <a:cxn ang="T168">
+                <a:pos x="T104" y="T105"/>
+              </a:cxn>
+              <a:cxn ang="T169">
+                <a:pos x="T106" y="T107"/>
+              </a:cxn>
+              <a:cxn ang="T170">
+                <a:pos x="T108" y="T109"/>
+              </a:cxn>
+              <a:cxn ang="T171">
+                <a:pos x="T110" y="T111"/>
+              </a:cxn>
+              <a:cxn ang="T172">
+                <a:pos x="T112" y="T113"/>
+              </a:cxn>
+              <a:cxn ang="T173">
+                <a:pos x="T114" y="T115"/>
+              </a:cxn>
+            </a:cxnLst>
+            <a:rect l="0" t="0" r="r" b="b"/>
+            <a:pathLst>
+              <a:path w="2033587" h="2276475">
+                <a:moveTo>
+                  <a:pt x="312737" y="1411287"/>
+                </a:moveTo>
+                <a:lnTo>
+                  <a:pt x="1422400" y="1411287"/>
+                </a:lnTo>
+                <a:lnTo>
+                  <a:pt x="1422400" y="1552575"/>
+                </a:lnTo>
+                <a:lnTo>
+                  <a:pt x="312737" y="1552575"/>
+                </a:lnTo>
+                <a:lnTo>
+                  <a:pt x="312737" y="1411287"/>
+                </a:lnTo>
+                <a:close/>
+                <a:moveTo>
+                  <a:pt x="296862" y="1128712"/>
+                </a:moveTo>
+                <a:lnTo>
+                  <a:pt x="1404937" y="1128712"/>
+                </a:lnTo>
+                <a:lnTo>
+                  <a:pt x="1404937" y="1270000"/>
+                </a:lnTo>
+                <a:lnTo>
+                  <a:pt x="296862" y="1270000"/>
+                </a:lnTo>
+                <a:lnTo>
+                  <a:pt x="296862" y="1128712"/>
+                </a:lnTo>
+                <a:close/>
+                <a:moveTo>
+                  <a:pt x="296862" y="847725"/>
+                </a:moveTo>
+                <a:lnTo>
+                  <a:pt x="1404937" y="847725"/>
+                </a:lnTo>
+                <a:lnTo>
+                  <a:pt x="1404937" y="987425"/>
+                </a:lnTo>
+                <a:lnTo>
+                  <a:pt x="296862" y="987425"/>
+                </a:lnTo>
+                <a:lnTo>
+                  <a:pt x="296862" y="847725"/>
+                </a:lnTo>
+                <a:close/>
+                <a:moveTo>
+                  <a:pt x="869950" y="565150"/>
+                </a:moveTo>
+                <a:lnTo>
+                  <a:pt x="1408113" y="565150"/>
+                </a:lnTo>
+                <a:lnTo>
+                  <a:pt x="1408113" y="706438"/>
+                </a:lnTo>
+                <a:lnTo>
+                  <a:pt x="869950" y="706438"/>
+                </a:lnTo>
+                <a:lnTo>
+                  <a:pt x="869950" y="565150"/>
+                </a:lnTo>
+                <a:close/>
+                <a:moveTo>
+                  <a:pt x="1869440" y="276225"/>
+                </a:moveTo>
+                <a:lnTo>
+                  <a:pt x="1877695" y="276543"/>
+                </a:lnTo>
+                <a:lnTo>
+                  <a:pt x="1885950" y="276860"/>
+                </a:lnTo>
+                <a:lnTo>
+                  <a:pt x="1894522" y="278130"/>
+                </a:lnTo>
+                <a:lnTo>
+                  <a:pt x="1902460" y="279400"/>
+                </a:lnTo>
+                <a:lnTo>
+                  <a:pt x="1910080" y="281305"/>
+                </a:lnTo>
+                <a:lnTo>
+                  <a:pt x="1918017" y="283528"/>
+                </a:lnTo>
+                <a:lnTo>
+                  <a:pt x="1925955" y="286068"/>
+                </a:lnTo>
+                <a:lnTo>
+                  <a:pt x="1933257" y="288925"/>
+                </a:lnTo>
+                <a:lnTo>
+                  <a:pt x="1940242" y="292418"/>
+                </a:lnTo>
+                <a:lnTo>
+                  <a:pt x="1947545" y="296228"/>
+                </a:lnTo>
+                <a:lnTo>
+                  <a:pt x="1954530" y="299720"/>
+                </a:lnTo>
+                <a:lnTo>
+                  <a:pt x="1961197" y="304165"/>
+                </a:lnTo>
+                <a:lnTo>
+                  <a:pt x="1967865" y="308928"/>
+                </a:lnTo>
+                <a:lnTo>
+                  <a:pt x="1973897" y="313690"/>
+                </a:lnTo>
+                <a:lnTo>
+                  <a:pt x="1979612" y="318770"/>
+                </a:lnTo>
+                <a:lnTo>
+                  <a:pt x="1985645" y="324168"/>
+                </a:lnTo>
+                <a:lnTo>
+                  <a:pt x="1991042" y="330200"/>
+                </a:lnTo>
+                <a:lnTo>
+                  <a:pt x="1996122" y="335915"/>
+                </a:lnTo>
+                <a:lnTo>
+                  <a:pt x="2000885" y="342265"/>
+                </a:lnTo>
+                <a:lnTo>
+                  <a:pt x="2005647" y="348615"/>
+                </a:lnTo>
+                <a:lnTo>
+                  <a:pt x="2010092" y="355283"/>
+                </a:lnTo>
+                <a:lnTo>
+                  <a:pt x="2013585" y="362268"/>
+                </a:lnTo>
+                <a:lnTo>
+                  <a:pt x="2017395" y="369570"/>
+                </a:lnTo>
+                <a:lnTo>
+                  <a:pt x="2020570" y="376873"/>
+                </a:lnTo>
+                <a:lnTo>
+                  <a:pt x="2023745" y="384175"/>
+                </a:lnTo>
+                <a:lnTo>
+                  <a:pt x="2026285" y="391795"/>
+                </a:lnTo>
+                <a:lnTo>
+                  <a:pt x="2028507" y="399733"/>
+                </a:lnTo>
+                <a:lnTo>
+                  <a:pt x="2030412" y="407670"/>
+                </a:lnTo>
+                <a:lnTo>
+                  <a:pt x="2032000" y="415608"/>
+                </a:lnTo>
+                <a:lnTo>
+                  <a:pt x="2032952" y="423863"/>
+                </a:lnTo>
+                <a:lnTo>
+                  <a:pt x="2033270" y="432118"/>
+                </a:lnTo>
+                <a:lnTo>
+                  <a:pt x="2033587" y="440373"/>
+                </a:lnTo>
+                <a:lnTo>
+                  <a:pt x="2033587" y="2112328"/>
+                </a:lnTo>
+                <a:lnTo>
+                  <a:pt x="2033270" y="2120583"/>
+                </a:lnTo>
+                <a:lnTo>
+                  <a:pt x="2032952" y="2128838"/>
+                </a:lnTo>
+                <a:lnTo>
+                  <a:pt x="2032000" y="2137410"/>
+                </a:lnTo>
+                <a:lnTo>
+                  <a:pt x="2030412" y="2145348"/>
+                </a:lnTo>
+                <a:lnTo>
+                  <a:pt x="2028507" y="2153285"/>
+                </a:lnTo>
+                <a:lnTo>
+                  <a:pt x="2026285" y="2160905"/>
+                </a:lnTo>
+                <a:lnTo>
+                  <a:pt x="2023745" y="2168525"/>
+                </a:lnTo>
+                <a:lnTo>
+                  <a:pt x="2020570" y="2175828"/>
+                </a:lnTo>
+                <a:lnTo>
+                  <a:pt x="2017395" y="2183130"/>
+                </a:lnTo>
+                <a:lnTo>
+                  <a:pt x="2013585" y="2190433"/>
+                </a:lnTo>
+                <a:lnTo>
+                  <a:pt x="2010092" y="2197418"/>
+                </a:lnTo>
+                <a:lnTo>
+                  <a:pt x="2005647" y="2204085"/>
+                </a:lnTo>
+                <a:lnTo>
+                  <a:pt x="2000885" y="2210435"/>
+                </a:lnTo>
+                <a:lnTo>
+                  <a:pt x="1996122" y="2216785"/>
+                </a:lnTo>
+                <a:lnTo>
+                  <a:pt x="1991042" y="2222500"/>
+                </a:lnTo>
+                <a:lnTo>
+                  <a:pt x="1985645" y="2228533"/>
+                </a:lnTo>
+                <a:lnTo>
+                  <a:pt x="1979612" y="2233930"/>
+                </a:lnTo>
+                <a:lnTo>
+                  <a:pt x="1973897" y="2239010"/>
+                </a:lnTo>
+                <a:lnTo>
+                  <a:pt x="1967865" y="2243773"/>
+                </a:lnTo>
+                <a:lnTo>
+                  <a:pt x="1961197" y="2248535"/>
+                </a:lnTo>
+                <a:lnTo>
+                  <a:pt x="1954530" y="2252980"/>
+                </a:lnTo>
+                <a:lnTo>
+                  <a:pt x="1947545" y="2256790"/>
+                </a:lnTo>
+                <a:lnTo>
+                  <a:pt x="1940242" y="2260600"/>
+                </a:lnTo>
+                <a:lnTo>
+                  <a:pt x="1933257" y="2263775"/>
+                </a:lnTo>
+                <a:lnTo>
+                  <a:pt x="1925955" y="2266633"/>
+                </a:lnTo>
+                <a:lnTo>
+                  <a:pt x="1918017" y="2269173"/>
+                </a:lnTo>
+                <a:lnTo>
+                  <a:pt x="1910080" y="2271395"/>
+                </a:lnTo>
+                <a:lnTo>
+                  <a:pt x="1902460" y="2273300"/>
+                </a:lnTo>
+                <a:lnTo>
+                  <a:pt x="1894522" y="2274888"/>
+                </a:lnTo>
+                <a:lnTo>
+                  <a:pt x="1885950" y="2275840"/>
+                </a:lnTo>
+                <a:lnTo>
+                  <a:pt x="1877695" y="2276475"/>
+                </a:lnTo>
+                <a:lnTo>
+                  <a:pt x="1869440" y="2276475"/>
+                </a:lnTo>
+                <a:lnTo>
+                  <a:pt x="480377" y="2276475"/>
+                </a:lnTo>
+                <a:lnTo>
+                  <a:pt x="471805" y="2276475"/>
+                </a:lnTo>
+                <a:lnTo>
+                  <a:pt x="463550" y="2275840"/>
+                </a:lnTo>
+                <a:lnTo>
+                  <a:pt x="455295" y="2274888"/>
+                </a:lnTo>
+                <a:lnTo>
+                  <a:pt x="447040" y="2273300"/>
+                </a:lnTo>
+                <a:lnTo>
+                  <a:pt x="439102" y="2271395"/>
+                </a:lnTo>
+                <a:lnTo>
+                  <a:pt x="431482" y="2269173"/>
+                </a:lnTo>
+                <a:lnTo>
+                  <a:pt x="423862" y="2266633"/>
+                </a:lnTo>
+                <a:lnTo>
+                  <a:pt x="416242" y="2263775"/>
+                </a:lnTo>
+                <a:lnTo>
+                  <a:pt x="408940" y="2260600"/>
+                </a:lnTo>
+                <a:lnTo>
+                  <a:pt x="401955" y="2256790"/>
+                </a:lnTo>
+                <a:lnTo>
+                  <a:pt x="394970" y="2252980"/>
+                </a:lnTo>
+                <a:lnTo>
+                  <a:pt x="388620" y="2248535"/>
+                </a:lnTo>
+                <a:lnTo>
+                  <a:pt x="381952" y="2243773"/>
+                </a:lnTo>
+                <a:lnTo>
+                  <a:pt x="375602" y="2239010"/>
+                </a:lnTo>
+                <a:lnTo>
+                  <a:pt x="369887" y="2233930"/>
+                </a:lnTo>
+                <a:lnTo>
+                  <a:pt x="364172" y="2228533"/>
+                </a:lnTo>
+                <a:lnTo>
+                  <a:pt x="358457" y="2222500"/>
+                </a:lnTo>
+                <a:lnTo>
+                  <a:pt x="353377" y="2216785"/>
+                </a:lnTo>
+                <a:lnTo>
+                  <a:pt x="348297" y="2210435"/>
+                </a:lnTo>
+                <a:lnTo>
+                  <a:pt x="343852" y="2204085"/>
+                </a:lnTo>
+                <a:lnTo>
+                  <a:pt x="339725" y="2197418"/>
+                </a:lnTo>
+                <a:lnTo>
+                  <a:pt x="335597" y="2190433"/>
+                </a:lnTo>
+                <a:lnTo>
+                  <a:pt x="332105" y="2183130"/>
+                </a:lnTo>
+                <a:lnTo>
+                  <a:pt x="328612" y="2175828"/>
+                </a:lnTo>
+                <a:lnTo>
+                  <a:pt x="325755" y="2168525"/>
+                </a:lnTo>
+                <a:lnTo>
+                  <a:pt x="323215" y="2160905"/>
+                </a:lnTo>
+                <a:lnTo>
+                  <a:pt x="320992" y="2153285"/>
+                </a:lnTo>
+                <a:lnTo>
+                  <a:pt x="319087" y="2145348"/>
+                </a:lnTo>
+                <a:lnTo>
+                  <a:pt x="317817" y="2137410"/>
+                </a:lnTo>
+                <a:lnTo>
+                  <a:pt x="316547" y="2128838"/>
+                </a:lnTo>
+                <a:lnTo>
+                  <a:pt x="315912" y="2120583"/>
+                </a:lnTo>
+                <a:lnTo>
+                  <a:pt x="315912" y="2112328"/>
+                </a:lnTo>
+                <a:lnTo>
+                  <a:pt x="456565" y="2112328"/>
+                </a:lnTo>
+                <a:lnTo>
+                  <a:pt x="456882" y="2114868"/>
+                </a:lnTo>
+                <a:lnTo>
+                  <a:pt x="457200" y="2116773"/>
+                </a:lnTo>
+                <a:lnTo>
+                  <a:pt x="457835" y="2118995"/>
+                </a:lnTo>
+                <a:lnTo>
+                  <a:pt x="458470" y="2121218"/>
+                </a:lnTo>
+                <a:lnTo>
+                  <a:pt x="459422" y="2123440"/>
+                </a:lnTo>
+                <a:lnTo>
+                  <a:pt x="460692" y="2125345"/>
+                </a:lnTo>
+                <a:lnTo>
+                  <a:pt x="463550" y="2128838"/>
+                </a:lnTo>
+                <a:lnTo>
+                  <a:pt x="467042" y="2132013"/>
+                </a:lnTo>
+                <a:lnTo>
+                  <a:pt x="468947" y="2132965"/>
+                </a:lnTo>
+                <a:lnTo>
+                  <a:pt x="471170" y="2133918"/>
+                </a:lnTo>
+                <a:lnTo>
+                  <a:pt x="473392" y="2134870"/>
+                </a:lnTo>
+                <a:lnTo>
+                  <a:pt x="475615" y="2135188"/>
+                </a:lnTo>
+                <a:lnTo>
+                  <a:pt x="477837" y="2135505"/>
+                </a:lnTo>
+                <a:lnTo>
+                  <a:pt x="480377" y="2135823"/>
+                </a:lnTo>
+                <a:lnTo>
+                  <a:pt x="1869440" y="2135823"/>
+                </a:lnTo>
+                <a:lnTo>
+                  <a:pt x="1871980" y="2135505"/>
+                </a:lnTo>
+                <a:lnTo>
+                  <a:pt x="1874202" y="2135188"/>
+                </a:lnTo>
+                <a:lnTo>
+                  <a:pt x="1876107" y="2134870"/>
+                </a:lnTo>
+                <a:lnTo>
+                  <a:pt x="1878330" y="2133918"/>
+                </a:lnTo>
+                <a:lnTo>
+                  <a:pt x="1880552" y="2132965"/>
+                </a:lnTo>
+                <a:lnTo>
+                  <a:pt x="1882457" y="2132013"/>
+                </a:lnTo>
+                <a:lnTo>
+                  <a:pt x="1885950" y="2128838"/>
+                </a:lnTo>
+                <a:lnTo>
+                  <a:pt x="1888490" y="2125345"/>
+                </a:lnTo>
+                <a:lnTo>
+                  <a:pt x="1890077" y="2123440"/>
+                </a:lnTo>
+                <a:lnTo>
+                  <a:pt x="1890712" y="2121218"/>
+                </a:lnTo>
+                <a:lnTo>
+                  <a:pt x="1891982" y="2118995"/>
+                </a:lnTo>
+                <a:lnTo>
+                  <a:pt x="1892300" y="2116773"/>
+                </a:lnTo>
+                <a:lnTo>
+                  <a:pt x="1892617" y="2114868"/>
+                </a:lnTo>
+                <a:lnTo>
+                  <a:pt x="1892617" y="2112328"/>
+                </a:lnTo>
+                <a:lnTo>
+                  <a:pt x="1892617" y="440373"/>
+                </a:lnTo>
+                <a:lnTo>
+                  <a:pt x="1892617" y="438468"/>
+                </a:lnTo>
+                <a:lnTo>
+                  <a:pt x="1892300" y="435928"/>
+                </a:lnTo>
+                <a:lnTo>
+                  <a:pt x="1891982" y="433705"/>
+                </a:lnTo>
+                <a:lnTo>
+                  <a:pt x="1890712" y="431483"/>
+                </a:lnTo>
+                <a:lnTo>
+                  <a:pt x="1890077" y="429578"/>
+                </a:lnTo>
+                <a:lnTo>
+                  <a:pt x="1888490" y="427355"/>
+                </a:lnTo>
+                <a:lnTo>
+                  <a:pt x="1885950" y="424180"/>
+                </a:lnTo>
+                <a:lnTo>
+                  <a:pt x="1882457" y="421323"/>
+                </a:lnTo>
+                <a:lnTo>
+                  <a:pt x="1880552" y="420053"/>
+                </a:lnTo>
+                <a:lnTo>
+                  <a:pt x="1878330" y="419100"/>
+                </a:lnTo>
+                <a:lnTo>
+                  <a:pt x="1876107" y="418148"/>
+                </a:lnTo>
+                <a:lnTo>
+                  <a:pt x="1874202" y="417513"/>
+                </a:lnTo>
+                <a:lnTo>
+                  <a:pt x="1871980" y="417195"/>
+                </a:lnTo>
+                <a:lnTo>
+                  <a:pt x="1869440" y="417195"/>
+                </a:lnTo>
+                <a:lnTo>
+                  <a:pt x="1869440" y="276225"/>
+                </a:lnTo>
+                <a:close/>
+                <a:moveTo>
+                  <a:pt x="589072" y="140970"/>
+                </a:moveTo>
+                <a:lnTo>
+                  <a:pt x="589072" y="424815"/>
+                </a:lnTo>
+                <a:lnTo>
+                  <a:pt x="588754" y="433070"/>
+                </a:lnTo>
+                <a:lnTo>
+                  <a:pt x="588436" y="441643"/>
+                </a:lnTo>
+                <a:lnTo>
+                  <a:pt x="587166" y="449580"/>
+                </a:lnTo>
+                <a:lnTo>
+                  <a:pt x="585896" y="458153"/>
+                </a:lnTo>
+                <a:lnTo>
+                  <a:pt x="583991" y="465773"/>
+                </a:lnTo>
+                <a:lnTo>
+                  <a:pt x="581768" y="473710"/>
+                </a:lnTo>
+                <a:lnTo>
+                  <a:pt x="579227" y="481330"/>
+                </a:lnTo>
+                <a:lnTo>
+                  <a:pt x="576052" y="488633"/>
+                </a:lnTo>
+                <a:lnTo>
+                  <a:pt x="572876" y="495935"/>
+                </a:lnTo>
+                <a:lnTo>
+                  <a:pt x="569065" y="503238"/>
+                </a:lnTo>
+                <a:lnTo>
+                  <a:pt x="565572" y="509905"/>
+                </a:lnTo>
+                <a:lnTo>
+                  <a:pt x="561126" y="516573"/>
+                </a:lnTo>
+                <a:lnTo>
+                  <a:pt x="556363" y="522923"/>
+                </a:lnTo>
+                <a:lnTo>
+                  <a:pt x="551600" y="528955"/>
+                </a:lnTo>
+                <a:lnTo>
+                  <a:pt x="546519" y="535305"/>
+                </a:lnTo>
+                <a:lnTo>
+                  <a:pt x="541120" y="541020"/>
+                </a:lnTo>
+                <a:lnTo>
+                  <a:pt x="535087" y="546100"/>
+                </a:lnTo>
+                <a:lnTo>
+                  <a:pt x="529371" y="551815"/>
+                </a:lnTo>
+                <a:lnTo>
+                  <a:pt x="522702" y="556260"/>
+                </a:lnTo>
+                <a:lnTo>
+                  <a:pt x="516668" y="561023"/>
+                </a:lnTo>
+                <a:lnTo>
+                  <a:pt x="509682" y="565150"/>
+                </a:lnTo>
+                <a:lnTo>
+                  <a:pt x="503013" y="569278"/>
+                </a:lnTo>
+                <a:lnTo>
+                  <a:pt x="495709" y="572770"/>
+                </a:lnTo>
+                <a:lnTo>
+                  <a:pt x="488406" y="575945"/>
+                </a:lnTo>
+                <a:lnTo>
+                  <a:pt x="481102" y="579120"/>
+                </a:lnTo>
+                <a:lnTo>
+                  <a:pt x="473480" y="581978"/>
+                </a:lnTo>
+                <a:lnTo>
+                  <a:pt x="465541" y="584200"/>
+                </a:lnTo>
+                <a:lnTo>
+                  <a:pt x="457602" y="585788"/>
+                </a:lnTo>
+                <a:lnTo>
+                  <a:pt x="449663" y="587375"/>
+                </a:lnTo>
+                <a:lnTo>
+                  <a:pt x="441407" y="588328"/>
+                </a:lnTo>
+                <a:lnTo>
+                  <a:pt x="433150" y="588963"/>
+                </a:lnTo>
+                <a:lnTo>
+                  <a:pt x="424576" y="589280"/>
+                </a:lnTo>
+                <a:lnTo>
+                  <a:pt x="140678" y="589280"/>
+                </a:lnTo>
+                <a:lnTo>
+                  <a:pt x="140678" y="1836103"/>
+                </a:lnTo>
+                <a:lnTo>
+                  <a:pt x="140678" y="1838643"/>
+                </a:lnTo>
+                <a:lnTo>
+                  <a:pt x="140996" y="1840548"/>
+                </a:lnTo>
+                <a:lnTo>
+                  <a:pt x="141948" y="1842770"/>
+                </a:lnTo>
+                <a:lnTo>
+                  <a:pt x="142584" y="1844993"/>
+                </a:lnTo>
+                <a:lnTo>
+                  <a:pt x="143536" y="1847215"/>
+                </a:lnTo>
+                <a:lnTo>
+                  <a:pt x="144807" y="1849120"/>
+                </a:lnTo>
+                <a:lnTo>
+                  <a:pt x="147665" y="1852613"/>
+                </a:lnTo>
+                <a:lnTo>
+                  <a:pt x="151475" y="1855470"/>
+                </a:lnTo>
+                <a:lnTo>
+                  <a:pt x="153063" y="1856740"/>
+                </a:lnTo>
+                <a:lnTo>
+                  <a:pt x="155286" y="1857693"/>
+                </a:lnTo>
+                <a:lnTo>
+                  <a:pt x="157191" y="1858645"/>
+                </a:lnTo>
+                <a:lnTo>
+                  <a:pt x="159732" y="1858963"/>
+                </a:lnTo>
+                <a:lnTo>
+                  <a:pt x="161955" y="1859280"/>
+                </a:lnTo>
+                <a:lnTo>
+                  <a:pt x="164495" y="1859598"/>
+                </a:lnTo>
+                <a:lnTo>
+                  <a:pt x="1553180" y="1859598"/>
+                </a:lnTo>
+                <a:lnTo>
+                  <a:pt x="1556038" y="1859280"/>
+                </a:lnTo>
+                <a:lnTo>
+                  <a:pt x="1557943" y="1858963"/>
+                </a:lnTo>
+                <a:lnTo>
+                  <a:pt x="1560484" y="1858645"/>
+                </a:lnTo>
+                <a:lnTo>
+                  <a:pt x="1562389" y="1857693"/>
+                </a:lnTo>
+                <a:lnTo>
+                  <a:pt x="1564612" y="1856740"/>
+                </a:lnTo>
+                <a:lnTo>
+                  <a:pt x="1566517" y="1855470"/>
+                </a:lnTo>
+                <a:lnTo>
+                  <a:pt x="1570010" y="1852613"/>
+                </a:lnTo>
+                <a:lnTo>
+                  <a:pt x="1572868" y="1849120"/>
+                </a:lnTo>
+                <a:lnTo>
+                  <a:pt x="1574139" y="1847215"/>
+                </a:lnTo>
+                <a:lnTo>
+                  <a:pt x="1575091" y="1844993"/>
+                </a:lnTo>
+                <a:lnTo>
+                  <a:pt x="1576044" y="1842770"/>
+                </a:lnTo>
+                <a:lnTo>
+                  <a:pt x="1576679" y="1840548"/>
+                </a:lnTo>
+                <a:lnTo>
+                  <a:pt x="1576997" y="1838643"/>
+                </a:lnTo>
+                <a:lnTo>
+                  <a:pt x="1576997" y="1836103"/>
+                </a:lnTo>
+                <a:lnTo>
+                  <a:pt x="1576997" y="164782"/>
+                </a:lnTo>
+                <a:lnTo>
+                  <a:pt x="1576997" y="161925"/>
+                </a:lnTo>
+                <a:lnTo>
+                  <a:pt x="1576679" y="160020"/>
+                </a:lnTo>
+                <a:lnTo>
+                  <a:pt x="1576044" y="157480"/>
+                </a:lnTo>
+                <a:lnTo>
+                  <a:pt x="1575091" y="155257"/>
+                </a:lnTo>
+                <a:lnTo>
+                  <a:pt x="1574139" y="153352"/>
+                </a:lnTo>
+                <a:lnTo>
+                  <a:pt x="1572868" y="151447"/>
+                </a:lnTo>
+                <a:lnTo>
+                  <a:pt x="1570010" y="147955"/>
+                </a:lnTo>
+                <a:lnTo>
+                  <a:pt x="1566517" y="145097"/>
+                </a:lnTo>
+                <a:lnTo>
+                  <a:pt x="1564612" y="143827"/>
+                </a:lnTo>
+                <a:lnTo>
+                  <a:pt x="1562389" y="142875"/>
+                </a:lnTo>
+                <a:lnTo>
+                  <a:pt x="1560484" y="141922"/>
+                </a:lnTo>
+                <a:lnTo>
+                  <a:pt x="1557943" y="141287"/>
+                </a:lnTo>
+                <a:lnTo>
+                  <a:pt x="1556038" y="140970"/>
+                </a:lnTo>
+                <a:lnTo>
+                  <a:pt x="1553180" y="140970"/>
+                </a:lnTo>
+                <a:lnTo>
+                  <a:pt x="589072" y="140970"/>
+                </a:lnTo>
+                <a:close/>
+                <a:moveTo>
+                  <a:pt x="489358" y="0"/>
+                </a:moveTo>
+                <a:lnTo>
+                  <a:pt x="1553180" y="0"/>
+                </a:lnTo>
+                <a:lnTo>
+                  <a:pt x="1562071" y="317"/>
+                </a:lnTo>
+                <a:lnTo>
+                  <a:pt x="1570010" y="952"/>
+                </a:lnTo>
+                <a:lnTo>
+                  <a:pt x="1578584" y="2222"/>
+                </a:lnTo>
+                <a:lnTo>
+                  <a:pt x="1586523" y="3492"/>
+                </a:lnTo>
+                <a:lnTo>
+                  <a:pt x="1594462" y="5397"/>
+                </a:lnTo>
+                <a:lnTo>
+                  <a:pt x="1602084" y="7620"/>
+                </a:lnTo>
+                <a:lnTo>
+                  <a:pt x="1609705" y="10160"/>
+                </a:lnTo>
+                <a:lnTo>
+                  <a:pt x="1617644" y="13017"/>
+                </a:lnTo>
+                <a:lnTo>
+                  <a:pt x="1624630" y="16192"/>
+                </a:lnTo>
+                <a:lnTo>
+                  <a:pt x="1631617" y="20002"/>
+                </a:lnTo>
+                <a:lnTo>
+                  <a:pt x="1638603" y="23812"/>
+                </a:lnTo>
+                <a:lnTo>
+                  <a:pt x="1645589" y="28257"/>
+                </a:lnTo>
+                <a:lnTo>
+                  <a:pt x="1651623" y="32702"/>
+                </a:lnTo>
+                <a:lnTo>
+                  <a:pt x="1657974" y="37782"/>
+                </a:lnTo>
+                <a:lnTo>
+                  <a:pt x="1664008" y="42862"/>
+                </a:lnTo>
+                <a:lnTo>
+                  <a:pt x="1669724" y="48260"/>
+                </a:lnTo>
+                <a:lnTo>
+                  <a:pt x="1675122" y="53975"/>
+                </a:lnTo>
+                <a:lnTo>
+                  <a:pt x="1680203" y="60007"/>
+                </a:lnTo>
+                <a:lnTo>
+                  <a:pt x="1685284" y="66357"/>
+                </a:lnTo>
+                <a:lnTo>
+                  <a:pt x="1689730" y="72390"/>
+                </a:lnTo>
+                <a:lnTo>
+                  <a:pt x="1694176" y="79375"/>
+                </a:lnTo>
+                <a:lnTo>
+                  <a:pt x="1697987" y="86360"/>
+                </a:lnTo>
+                <a:lnTo>
+                  <a:pt x="1701797" y="93345"/>
+                </a:lnTo>
+                <a:lnTo>
+                  <a:pt x="1704973" y="100647"/>
+                </a:lnTo>
+                <a:lnTo>
+                  <a:pt x="1707831" y="108267"/>
+                </a:lnTo>
+                <a:lnTo>
+                  <a:pt x="1710371" y="115570"/>
+                </a:lnTo>
+                <a:lnTo>
+                  <a:pt x="1712594" y="123507"/>
+                </a:lnTo>
+                <a:lnTo>
+                  <a:pt x="1714500" y="131445"/>
+                </a:lnTo>
+                <a:lnTo>
+                  <a:pt x="1715770" y="139382"/>
+                </a:lnTo>
+                <a:lnTo>
+                  <a:pt x="1717040" y="147637"/>
+                </a:lnTo>
+                <a:lnTo>
+                  <a:pt x="1717675" y="155892"/>
+                </a:lnTo>
+                <a:lnTo>
+                  <a:pt x="1717675" y="164782"/>
+                </a:lnTo>
+                <a:lnTo>
+                  <a:pt x="1717675" y="1836103"/>
+                </a:lnTo>
+                <a:lnTo>
+                  <a:pt x="1717675" y="1844358"/>
+                </a:lnTo>
+                <a:lnTo>
+                  <a:pt x="1717040" y="1852613"/>
+                </a:lnTo>
+                <a:lnTo>
+                  <a:pt x="1715770" y="1861185"/>
+                </a:lnTo>
+                <a:lnTo>
+                  <a:pt x="1714500" y="1869123"/>
+                </a:lnTo>
+                <a:lnTo>
+                  <a:pt x="1712594" y="1877060"/>
+                </a:lnTo>
+                <a:lnTo>
+                  <a:pt x="1710371" y="1884680"/>
+                </a:lnTo>
+                <a:lnTo>
+                  <a:pt x="1707831" y="1892300"/>
+                </a:lnTo>
+                <a:lnTo>
+                  <a:pt x="1704973" y="1900238"/>
+                </a:lnTo>
+                <a:lnTo>
+                  <a:pt x="1701797" y="1907223"/>
+                </a:lnTo>
+                <a:lnTo>
+                  <a:pt x="1697987" y="1914208"/>
+                </a:lnTo>
+                <a:lnTo>
+                  <a:pt x="1694176" y="1921193"/>
+                </a:lnTo>
+                <a:lnTo>
+                  <a:pt x="1689730" y="1927860"/>
+                </a:lnTo>
+                <a:lnTo>
+                  <a:pt x="1685284" y="1934210"/>
+                </a:lnTo>
+                <a:lnTo>
+                  <a:pt x="1680203" y="1940560"/>
+                </a:lnTo>
+                <a:lnTo>
+                  <a:pt x="1675122" y="1946275"/>
+                </a:lnTo>
+                <a:lnTo>
+                  <a:pt x="1669724" y="1952308"/>
+                </a:lnTo>
+                <a:lnTo>
+                  <a:pt x="1664008" y="1957705"/>
+                </a:lnTo>
+                <a:lnTo>
+                  <a:pt x="1657974" y="1962785"/>
+                </a:lnTo>
+                <a:lnTo>
+                  <a:pt x="1651623" y="1967865"/>
+                </a:lnTo>
+                <a:lnTo>
+                  <a:pt x="1645589" y="1972310"/>
+                </a:lnTo>
+                <a:lnTo>
+                  <a:pt x="1638603" y="1976755"/>
+                </a:lnTo>
+                <a:lnTo>
+                  <a:pt x="1631617" y="1980565"/>
+                </a:lnTo>
+                <a:lnTo>
+                  <a:pt x="1624630" y="1984375"/>
+                </a:lnTo>
+                <a:lnTo>
+                  <a:pt x="1617644" y="1987550"/>
+                </a:lnTo>
+                <a:lnTo>
+                  <a:pt x="1609705" y="1990408"/>
+                </a:lnTo>
+                <a:lnTo>
+                  <a:pt x="1602084" y="1992948"/>
+                </a:lnTo>
+                <a:lnTo>
+                  <a:pt x="1594462" y="1995170"/>
+                </a:lnTo>
+                <a:lnTo>
+                  <a:pt x="1586523" y="1997075"/>
+                </a:lnTo>
+                <a:lnTo>
+                  <a:pt x="1578584" y="1998345"/>
+                </a:lnTo>
+                <a:lnTo>
+                  <a:pt x="1570010" y="1999615"/>
+                </a:lnTo>
+                <a:lnTo>
+                  <a:pt x="1562071" y="2000250"/>
+                </a:lnTo>
+                <a:lnTo>
+                  <a:pt x="1553180" y="2000250"/>
+                </a:lnTo>
+                <a:lnTo>
+                  <a:pt x="164495" y="2000250"/>
+                </a:lnTo>
+                <a:lnTo>
+                  <a:pt x="155604" y="2000250"/>
+                </a:lnTo>
+                <a:lnTo>
+                  <a:pt x="147665" y="1999615"/>
+                </a:lnTo>
+                <a:lnTo>
+                  <a:pt x="139408" y="1998345"/>
+                </a:lnTo>
+                <a:lnTo>
+                  <a:pt x="131152" y="1997075"/>
+                </a:lnTo>
+                <a:lnTo>
+                  <a:pt x="123213" y="1995170"/>
+                </a:lnTo>
+                <a:lnTo>
+                  <a:pt x="115591" y="1992948"/>
+                </a:lnTo>
+                <a:lnTo>
+                  <a:pt x="107970" y="1990408"/>
+                </a:lnTo>
+                <a:lnTo>
+                  <a:pt x="100348" y="1987550"/>
+                </a:lnTo>
+                <a:lnTo>
+                  <a:pt x="93044" y="1984375"/>
+                </a:lnTo>
+                <a:lnTo>
+                  <a:pt x="86058" y="1980565"/>
+                </a:lnTo>
+                <a:lnTo>
+                  <a:pt x="79072" y="1976755"/>
+                </a:lnTo>
+                <a:lnTo>
+                  <a:pt x="72721" y="1972310"/>
+                </a:lnTo>
+                <a:lnTo>
+                  <a:pt x="66052" y="1967865"/>
+                </a:lnTo>
+                <a:lnTo>
+                  <a:pt x="59701" y="1962785"/>
+                </a:lnTo>
+                <a:lnTo>
+                  <a:pt x="53667" y="1957705"/>
+                </a:lnTo>
+                <a:lnTo>
+                  <a:pt x="48269" y="1952308"/>
+                </a:lnTo>
+                <a:lnTo>
+                  <a:pt x="42553" y="1946275"/>
+                </a:lnTo>
+                <a:lnTo>
+                  <a:pt x="37472" y="1940560"/>
+                </a:lnTo>
+                <a:lnTo>
+                  <a:pt x="32391" y="1934210"/>
+                </a:lnTo>
+                <a:lnTo>
+                  <a:pt x="27945" y="1927860"/>
+                </a:lnTo>
+                <a:lnTo>
+                  <a:pt x="23817" y="1921193"/>
+                </a:lnTo>
+                <a:lnTo>
+                  <a:pt x="19688" y="1914208"/>
+                </a:lnTo>
+                <a:lnTo>
+                  <a:pt x="16195" y="1907223"/>
+                </a:lnTo>
+                <a:lnTo>
+                  <a:pt x="12702" y="1900238"/>
+                </a:lnTo>
+                <a:lnTo>
+                  <a:pt x="9844" y="1892300"/>
+                </a:lnTo>
+                <a:lnTo>
+                  <a:pt x="7304" y="1884680"/>
+                </a:lnTo>
+                <a:lnTo>
+                  <a:pt x="5081" y="1877060"/>
+                </a:lnTo>
+                <a:lnTo>
+                  <a:pt x="3175" y="1869123"/>
+                </a:lnTo>
+                <a:lnTo>
+                  <a:pt x="1905" y="1861185"/>
+                </a:lnTo>
+                <a:lnTo>
+                  <a:pt x="635" y="1852613"/>
+                </a:lnTo>
+                <a:lnTo>
+                  <a:pt x="0" y="1844358"/>
+                </a:lnTo>
+                <a:lnTo>
+                  <a:pt x="0" y="1836103"/>
+                </a:lnTo>
+                <a:lnTo>
+                  <a:pt x="0" y="489585"/>
+                </a:lnTo>
+                <a:lnTo>
+                  <a:pt x="489358" y="0"/>
+                </a:lnTo>
+                <a:close/>
+              </a:path>
+            </a:pathLst>
+          </a:custGeom>
+          <a:solidFill>
+            <a:srgbClr val="8FAADC"/>
+          </a:solidFill>
+          <a:ln>
+            <a:noFill/>
+          </a:ln>
+          <a:effectLst/>
+        </p:spPr>
+        <p:style>
+          <a:lnRef idx="2">
+            <a:schemeClr val="accent1">
+              <a:shade val="50000"/>
+            </a:schemeClr>
+          </a:lnRef>
+          <a:fillRef idx="1">
+            <a:schemeClr val="accent1"/>
+          </a:fillRef>
+          <a:effectRef idx="0">
+            <a:schemeClr val="accent1"/>
+          </a:effectRef>
+          <a:fontRef idx="minor">
+            <a:schemeClr val="lt1"/>
+          </a:fontRef>
+        </p:style>
+        <p:txBody>
+          <a:bodyPr anchor="ctr"/>
+          <a:lstStyle/>
+          <a:p>
+            <a:pPr algn="ctr">
+              <a:defRPr/>
+            </a:pPr>
+            <a:endParaRPr lang="zh-CN" altLang="en-US">
+              <a:solidFill>
+                <a:schemeClr val="tx2"/>
+              </a:solidFill>
+            </a:endParaRPr>
+          </a:p>
+        </p:txBody>
+      </p:sp>
+      <p:sp>
+        <p:nvSpPr>
+          <p:cNvPr id="7" name="文本框 1"/>
+          <p:cNvSpPr>
+            <a:spLocks noChangeArrowheads="1"/>
+          </p:cNvSpPr>
+          <p:nvPr/>
+        </p:nvSpPr>
+        <p:spPr bwMode="auto">
+          <a:xfrm>
+            <a:off x="2660737" y="2780418"/>
+            <a:ext cx="2608407" cy="461665"/>
           </a:xfrm>
           <a:prstGeom prst="rect">
             <a:avLst/>
           </a:prstGeom>
           <a:noFill/>
+          <a:ln>
+            <a:noFill/>
+          </a:ln>
         </p:spPr>
         <p:txBody>
-          <a:bodyPr wrap="square" lIns="0" tIns="0" rIns="0" bIns="0" rtlCol="0">
+          <a:bodyPr wrap="none">
             <a:spAutoFit/>
-            <a:scene3d>
-              <a:camera prst="orthographicFront"/>
-              <a:lightRig rig="threePt" dir="t"/>
-            </a:scene3d>
-            <a:sp3d extrusionH="57150">
-              <a:bevelT w="0" h="0"/>
-            </a:sp3d>
           </a:bodyPr>
-          <a:lstStyle>
-            <a:defPPr>
-              <a:defRPr lang="zh-CN"/>
-            </a:defPPr>
-            <a:lvl1pPr marR="0" lvl="0" indent="0" algn="ctr" fontAlgn="auto">
-              <a:lnSpc>
-                <a:spcPct val="100000"/>
-              </a:lnSpc>
-              <a:spcBef>
-                <a:spcPts val="0"/>
-              </a:spcBef>
-              <a:spcAft>
-                <a:spcPts val="0"/>
-              </a:spcAft>
-              <a:buClrTx/>
-              <a:buSzTx/>
-              <a:buFontTx/>
-              <a:buNone/>
-              <a:defRPr kumimoji="0" sz="7200" b="0" i="0" u="none" strike="noStrike" cap="none" spc="0" normalizeH="0" baseline="0">
-                <a:ln>
-                  <a:noFill/>
-                </a:ln>
-                <a:gradFill>
-                  <a:gsLst>
-                    <a:gs pos="0">
-                      <a:prstClr val="white"/>
-                    </a:gs>
-                    <a:gs pos="55000">
-                      <a:srgbClr val="FCE291"/>
-                    </a:gs>
-                  </a:gsLst>
-                  <a:lin ang="5400000" scaled="1"/>
-                </a:gradFill>
-                <a:effectLst>
-                  <a:outerShdw blurRad="317500" sx="103000" sy="103000" algn="ctr" rotWithShape="0">
-                    <a:srgbClr val="FCE291">
-                      <a:alpha val="60000"/>
-                    </a:srgbClr>
-                  </a:outerShdw>
-                </a:effectLst>
-                <a:uLnTx/>
-                <a:uFillTx/>
-                <a:latin typeface="方正清刻本悦宋简体"/>
-                <a:ea typeface="方正清刻本悦宋简体"/>
-                <a:cs typeface="+mj-cs"/>
-              </a:defRPr>
-            </a:lvl1pPr>
-          </a:lstStyle>
-          <a:p>
-            <a:r>
-              <a:rPr lang="zh-CN" altLang="en-US" sz="5400" dirty="0">
+          <a:lstStyle/>
+          <a:p>
+            <a:pPr algn="ctr">
+              <a:defRPr/>
+            </a:pPr>
+            <a:r>
+              <a:rPr lang="zh-CN" altLang="en-US" sz="2400" b="1" spc="300" dirty="0">
                 <a:solidFill>
-                  <a:schemeClr val="bg1"/>
+                  <a:srgbClr val="8FAADC"/>
                 </a:solidFill>
-                <a:latin typeface="+mj-ea"/>
-                <a:ea typeface="+mj-ea"/>
+                <a:latin typeface="微软雅黑" panose="020B0503020204020204" pitchFamily="34" charset="-122"/>
+                <a:ea typeface="微软雅黑" panose="020B0503020204020204" pitchFamily="34" charset="-122"/>
+                <a:sym typeface="微软雅黑" panose="020B0503020204020204" pitchFamily="34" charset="-122"/>
               </a:rPr>
-              <a:t>谢谢聆听</a:t>
-            </a:r>
-            <a:endParaRPr lang="en-US" altLang="zh-CN" sz="5400" dirty="0">
-              <a:solidFill>
-                <a:schemeClr val="bg1"/>
-              </a:solidFill>
-              <a:latin typeface="+mj-ea"/>
-              <a:ea typeface="+mj-ea"/>
-            </a:endParaRPr>
-          </a:p>
-          <a:p>
-            <a:r>
-              <a:rPr lang="zh-CN" altLang="en-US" sz="5400" dirty="0">
-                <a:solidFill>
-                  <a:schemeClr val="bg1"/>
-                </a:solidFill>
-                <a:latin typeface="+mj-ea"/>
-                <a:ea typeface="+mj-ea"/>
-              </a:rPr>
-              <a:t>欢迎提问</a:t>
+              <a:t>运算符与表达式</a:t>
             </a:r>
           </a:p>
         </p:txBody>
       </p:sp>
+      <p:sp>
+        <p:nvSpPr>
+          <p:cNvPr id="8" name="文本框 17"/>
+          <p:cNvSpPr txBox="1">
+            <a:spLocks noChangeArrowheads="1"/>
+          </p:cNvSpPr>
+          <p:nvPr/>
+        </p:nvSpPr>
+        <p:spPr bwMode="auto">
+          <a:xfrm>
+            <a:off x="3594320" y="1986976"/>
+            <a:ext cx="742511" cy="584775"/>
+          </a:xfrm>
+          <a:prstGeom prst="rect">
+            <a:avLst/>
+          </a:prstGeom>
+          <a:noFill/>
+          <a:ln>
+            <a:noFill/>
+          </a:ln>
+        </p:spPr>
+        <p:txBody>
+          <a:bodyPr wrap="none">
+            <a:spAutoFit/>
+          </a:bodyPr>
+          <a:lstStyle/>
+          <a:p>
+            <a:pPr algn="ctr">
+              <a:defRPr/>
+            </a:pPr>
+            <a:r>
+              <a:rPr lang="en-US" altLang="zh-CN" sz="3200" spc="300" dirty="0">
+                <a:solidFill>
+                  <a:srgbClr val="8FAADC"/>
+                </a:solidFill>
+                <a:latin typeface="微软雅黑" panose="020B0503020204020204" pitchFamily="34" charset="-122"/>
+                <a:ea typeface="微软雅黑" panose="020B0503020204020204" pitchFamily="34" charset="-122"/>
+              </a:rPr>
+              <a:t>03</a:t>
+            </a:r>
+            <a:endParaRPr lang="zh-CN" altLang="en-US" sz="3200" spc="300" dirty="0">
+              <a:solidFill>
+                <a:srgbClr val="8FAADC"/>
+              </a:solidFill>
+              <a:latin typeface="微软雅黑" panose="020B0503020204020204" pitchFamily="34" charset="-122"/>
+              <a:ea typeface="微软雅黑" panose="020B0503020204020204" pitchFamily="34" charset="-122"/>
+            </a:endParaRPr>
+          </a:p>
+        </p:txBody>
+      </p:sp>
+      <p:cxnSp>
+        <p:nvCxnSpPr>
+          <p:cNvPr id="9" name="直接连接符 8"/>
+          <p:cNvCxnSpPr/>
+          <p:nvPr/>
+        </p:nvCxnSpPr>
+        <p:spPr>
+          <a:xfrm flipH="1">
+            <a:off x="1549401" y="2660821"/>
+            <a:ext cx="4832351" cy="0"/>
+          </a:xfrm>
+          <a:prstGeom prst="line">
+            <a:avLst/>
+          </a:prstGeom>
+        </p:spPr>
+        <p:style>
+          <a:lnRef idx="2">
+            <a:schemeClr val="accent1"/>
+          </a:lnRef>
+          <a:fillRef idx="0">
+            <a:schemeClr val="accent1"/>
+          </a:fillRef>
+          <a:effectRef idx="1">
+            <a:schemeClr val="accent1"/>
+          </a:effectRef>
+          <a:fontRef idx="minor">
+            <a:schemeClr val="tx1"/>
+          </a:fontRef>
+        </p:style>
+      </p:cxnSp>
+      <p:pic>
+        <p:nvPicPr>
+          <p:cNvPr id="11" name="图片 10"/>
+          <p:cNvPicPr>
+            <a:picLocks noChangeAspect="1"/>
+          </p:cNvPicPr>
+          <p:nvPr/>
+        </p:nvPicPr>
+        <p:blipFill>
+          <a:blip r:embed="rId3"/>
+          <a:stretch>
+            <a:fillRect/>
+          </a:stretch>
+        </p:blipFill>
+        <p:spPr>
+          <a:xfrm>
+            <a:off x="7357372" y="69850"/>
+            <a:ext cx="1545328" cy="1494586"/>
+          </a:xfrm>
+          <a:prstGeom prst="rect">
+            <a:avLst/>
+          </a:prstGeom>
+          <a:ln>
+            <a:noFill/>
+          </a:ln>
+          <a:effectLst>
+            <a:softEdge rad="112500"/>
+          </a:effectLst>
+        </p:spPr>
+      </p:pic>
     </p:spTree>
+    <p:extLst>
+      <p:ext uri="{BB962C8B-B14F-4D97-AF65-F5344CB8AC3E}">
+        <p14:creationId xmlns:p14="http://schemas.microsoft.com/office/powerpoint/2010/main" val="4067044489"/>
+      </p:ext>
+    </p:extLst>
   </p:cSld>
   <p:clrMapOvr>
     <a:masterClrMapping/>
@@ -13458,6 +15172,2984 @@
   <p:transition spd="slow">
     <p:pull/>
   </p:transition>
+  <p:timing>
+    <p:tnLst>
+      <p:par>
+        <p:cTn id="1" dur="indefinite" restart="never" nodeType="tmRoot">
+          <p:childTnLst>
+            <p:seq concurrent="1" nextAc="seek">
+              <p:cTn id="2" dur="indefinite" nodeType="mainSeq">
+                <p:childTnLst>
+                  <p:par>
+                    <p:cTn id="3" fill="hold">
+                      <p:stCondLst>
+                        <p:cond delay="indefinite"/>
+                        <p:cond evt="onBegin" delay="0">
+                          <p:tn val="2"/>
+                        </p:cond>
+                      </p:stCondLst>
+                      <p:childTnLst>
+                        <p:par>
+                          <p:cTn id="4" fill="hold">
+                            <p:stCondLst>
+                              <p:cond delay="0"/>
+                            </p:stCondLst>
+                            <p:childTnLst>
+                              <p:par>
+                                <p:cTn id="5" presetID="53" presetClass="entr" presetSubtype="16" fill="hold" nodeType="afterEffect">
+                                  <p:stCondLst>
+                                    <p:cond delay="0"/>
+                                  </p:stCondLst>
+                                  <p:childTnLst>
+                                    <p:set>
+                                      <p:cBhvr>
+                                        <p:cTn id="6" dur="1" fill="hold">
+                                          <p:stCondLst>
+                                            <p:cond delay="0"/>
+                                          </p:stCondLst>
+                                        </p:cTn>
+                                        <p:tgtEl>
+                                          <p:spTgt spid="4"/>
+                                        </p:tgtEl>
+                                        <p:attrNameLst>
+                                          <p:attrName>style.visibility</p:attrName>
+                                        </p:attrNameLst>
+                                      </p:cBhvr>
+                                      <p:to>
+                                        <p:strVal val="visible"/>
+                                      </p:to>
+                                    </p:set>
+                                    <p:anim calcmode="lin" valueType="num">
+                                      <p:cBhvr>
+                                        <p:cTn id="7" dur="750" fill="hold"/>
+                                        <p:tgtEl>
+                                          <p:spTgt spid="4"/>
+                                        </p:tgtEl>
+                                        <p:attrNameLst>
+                                          <p:attrName>ppt_w</p:attrName>
+                                        </p:attrNameLst>
+                                      </p:cBhvr>
+                                      <p:tavLst>
+                                        <p:tav tm="0">
+                                          <p:val>
+                                            <p:fltVal val="0"/>
+                                          </p:val>
+                                        </p:tav>
+                                        <p:tav tm="100000">
+                                          <p:val>
+                                            <p:strVal val="#ppt_w"/>
+                                          </p:val>
+                                        </p:tav>
+                                      </p:tavLst>
+                                    </p:anim>
+                                    <p:anim calcmode="lin" valueType="num">
+                                      <p:cBhvr>
+                                        <p:cTn id="8" dur="750" fill="hold"/>
+                                        <p:tgtEl>
+                                          <p:spTgt spid="4"/>
+                                        </p:tgtEl>
+                                        <p:attrNameLst>
+                                          <p:attrName>ppt_h</p:attrName>
+                                        </p:attrNameLst>
+                                      </p:cBhvr>
+                                      <p:tavLst>
+                                        <p:tav tm="0">
+                                          <p:val>
+                                            <p:fltVal val="0"/>
+                                          </p:val>
+                                        </p:tav>
+                                        <p:tav tm="100000">
+                                          <p:val>
+                                            <p:strVal val="#ppt_h"/>
+                                          </p:val>
+                                        </p:tav>
+                                      </p:tavLst>
+                                    </p:anim>
+                                    <p:animEffect transition="in" filter="fade">
+                                      <p:cBhvr>
+                                        <p:cTn id="9" dur="750"/>
+                                        <p:tgtEl>
+                                          <p:spTgt spid="4"/>
+                                        </p:tgtEl>
+                                      </p:cBhvr>
+                                    </p:animEffect>
+                                  </p:childTnLst>
+                                </p:cTn>
+                              </p:par>
+                            </p:childTnLst>
+                          </p:cTn>
+                        </p:par>
+                        <p:par>
+                          <p:cTn id="10" fill="hold">
+                            <p:stCondLst>
+                              <p:cond delay="1000"/>
+                            </p:stCondLst>
+                            <p:childTnLst>
+                              <p:par>
+                                <p:cTn id="11" presetID="42" presetClass="entr" presetSubtype="0" fill="hold" grpId="0" nodeType="afterEffect">
+                                  <p:stCondLst>
+                                    <p:cond delay="0"/>
+                                  </p:stCondLst>
+                                  <p:childTnLst>
+                                    <p:set>
+                                      <p:cBhvr>
+                                        <p:cTn id="12" dur="1" fill="hold">
+                                          <p:stCondLst>
+                                            <p:cond delay="0"/>
+                                          </p:stCondLst>
+                                        </p:cTn>
+                                        <p:tgtEl>
+                                          <p:spTgt spid="8"/>
+                                        </p:tgtEl>
+                                        <p:attrNameLst>
+                                          <p:attrName>style.visibility</p:attrName>
+                                        </p:attrNameLst>
+                                      </p:cBhvr>
+                                      <p:to>
+                                        <p:strVal val="visible"/>
+                                      </p:to>
+                                    </p:set>
+                                    <p:animEffect transition="in" filter="fade">
+                                      <p:cBhvr>
+                                        <p:cTn id="13" dur="1000"/>
+                                        <p:tgtEl>
+                                          <p:spTgt spid="8"/>
+                                        </p:tgtEl>
+                                      </p:cBhvr>
+                                    </p:animEffect>
+                                    <p:anim calcmode="lin" valueType="num">
+                                      <p:cBhvr>
+                                        <p:cTn id="14" dur="1000" fill="hold"/>
+                                        <p:tgtEl>
+                                          <p:spTgt spid="8"/>
+                                        </p:tgtEl>
+                                        <p:attrNameLst>
+                                          <p:attrName>ppt_x</p:attrName>
+                                        </p:attrNameLst>
+                                      </p:cBhvr>
+                                      <p:tavLst>
+                                        <p:tav tm="0">
+                                          <p:val>
+                                            <p:strVal val="#ppt_x"/>
+                                          </p:val>
+                                        </p:tav>
+                                        <p:tav tm="100000">
+                                          <p:val>
+                                            <p:strVal val="#ppt_x"/>
+                                          </p:val>
+                                        </p:tav>
+                                      </p:tavLst>
+                                    </p:anim>
+                                    <p:anim calcmode="lin" valueType="num">
+                                      <p:cBhvr>
+                                        <p:cTn id="15" dur="1000" fill="hold"/>
+                                        <p:tgtEl>
+                                          <p:spTgt spid="8"/>
+                                        </p:tgtEl>
+                                        <p:attrNameLst>
+                                          <p:attrName>ppt_y</p:attrName>
+                                        </p:attrNameLst>
+                                      </p:cBhvr>
+                                      <p:tavLst>
+                                        <p:tav tm="0">
+                                          <p:val>
+                                            <p:strVal val="#ppt_y+.1"/>
+                                          </p:val>
+                                        </p:tav>
+                                        <p:tav tm="100000">
+                                          <p:val>
+                                            <p:strVal val="#ppt_y"/>
+                                          </p:val>
+                                        </p:tav>
+                                      </p:tavLst>
+                                    </p:anim>
+                                  </p:childTnLst>
+                                </p:cTn>
+                              </p:par>
+                            </p:childTnLst>
+                          </p:cTn>
+                        </p:par>
+                        <p:par>
+                          <p:cTn id="16" fill="hold">
+                            <p:stCondLst>
+                              <p:cond delay="2000"/>
+                            </p:stCondLst>
+                            <p:childTnLst>
+                              <p:par>
+                                <p:cTn id="17" presetID="16" presetClass="entr" presetSubtype="37" fill="hold" nodeType="afterEffect">
+                                  <p:stCondLst>
+                                    <p:cond delay="0"/>
+                                  </p:stCondLst>
+                                  <p:childTnLst>
+                                    <p:set>
+                                      <p:cBhvr>
+                                        <p:cTn id="18" dur="1" fill="hold">
+                                          <p:stCondLst>
+                                            <p:cond delay="0"/>
+                                          </p:stCondLst>
+                                        </p:cTn>
+                                        <p:tgtEl>
+                                          <p:spTgt spid="9"/>
+                                        </p:tgtEl>
+                                        <p:attrNameLst>
+                                          <p:attrName>style.visibility</p:attrName>
+                                        </p:attrNameLst>
+                                      </p:cBhvr>
+                                      <p:to>
+                                        <p:strVal val="visible"/>
+                                      </p:to>
+                                    </p:set>
+                                    <p:animEffect transition="in" filter="barn(outVertical)">
+                                      <p:cBhvr>
+                                        <p:cTn id="19" dur="500"/>
+                                        <p:tgtEl>
+                                          <p:spTgt spid="9"/>
+                                        </p:tgtEl>
+                                      </p:cBhvr>
+                                    </p:animEffect>
+                                  </p:childTnLst>
+                                </p:cTn>
+                              </p:par>
+                            </p:childTnLst>
+                          </p:cTn>
+                        </p:par>
+                        <p:par>
+                          <p:cTn id="20" fill="hold">
+                            <p:stCondLst>
+                              <p:cond delay="2500"/>
+                            </p:stCondLst>
+                            <p:childTnLst>
+                              <p:par>
+                                <p:cTn id="21" presetID="55" presetClass="entr" presetSubtype="0" fill="hold" grpId="0" nodeType="afterEffect">
+                                  <p:stCondLst>
+                                    <p:cond delay="0"/>
+                                  </p:stCondLst>
+                                  <p:childTnLst>
+                                    <p:set>
+                                      <p:cBhvr>
+                                        <p:cTn id="22" dur="1" fill="hold">
+                                          <p:stCondLst>
+                                            <p:cond delay="0"/>
+                                          </p:stCondLst>
+                                        </p:cTn>
+                                        <p:tgtEl>
+                                          <p:spTgt spid="7"/>
+                                        </p:tgtEl>
+                                        <p:attrNameLst>
+                                          <p:attrName>style.visibility</p:attrName>
+                                        </p:attrNameLst>
+                                      </p:cBhvr>
+                                      <p:to>
+                                        <p:strVal val="visible"/>
+                                      </p:to>
+                                    </p:set>
+                                    <p:anim calcmode="lin" valueType="num">
+                                      <p:cBhvr>
+                                        <p:cTn id="23" dur="1000" fill="hold"/>
+                                        <p:tgtEl>
+                                          <p:spTgt spid="7"/>
+                                        </p:tgtEl>
+                                        <p:attrNameLst>
+                                          <p:attrName>ppt_w</p:attrName>
+                                        </p:attrNameLst>
+                                      </p:cBhvr>
+                                      <p:tavLst>
+                                        <p:tav tm="0">
+                                          <p:val>
+                                            <p:strVal val="#ppt_w*0.70"/>
+                                          </p:val>
+                                        </p:tav>
+                                        <p:tav tm="100000">
+                                          <p:val>
+                                            <p:strVal val="#ppt_w"/>
+                                          </p:val>
+                                        </p:tav>
+                                      </p:tavLst>
+                                    </p:anim>
+                                    <p:anim calcmode="lin" valueType="num">
+                                      <p:cBhvr>
+                                        <p:cTn id="24" dur="1000" fill="hold"/>
+                                        <p:tgtEl>
+                                          <p:spTgt spid="7"/>
+                                        </p:tgtEl>
+                                        <p:attrNameLst>
+                                          <p:attrName>ppt_h</p:attrName>
+                                        </p:attrNameLst>
+                                      </p:cBhvr>
+                                      <p:tavLst>
+                                        <p:tav tm="0">
+                                          <p:val>
+                                            <p:strVal val="#ppt_h"/>
+                                          </p:val>
+                                        </p:tav>
+                                        <p:tav tm="100000">
+                                          <p:val>
+                                            <p:strVal val="#ppt_h"/>
+                                          </p:val>
+                                        </p:tav>
+                                      </p:tavLst>
+                                    </p:anim>
+                                    <p:animEffect transition="in" filter="fade">
+                                      <p:cBhvr>
+                                        <p:cTn id="25" dur="1000"/>
+                                        <p:tgtEl>
+                                          <p:spTgt spid="7"/>
+                                        </p:tgtEl>
+                                      </p:cBhvr>
+                                    </p:animEffect>
+                                  </p:childTnLst>
+                                </p:cTn>
+                              </p:par>
+                            </p:childTnLst>
+                          </p:cTn>
+                        </p:par>
+                      </p:childTnLst>
+                    </p:cTn>
+                  </p:par>
+                </p:childTnLst>
+              </p:cTn>
+              <p:prevCondLst>
+                <p:cond evt="onPrev" delay="0">
+                  <p:tgtEl>
+                    <p:sldTgt/>
+                  </p:tgtEl>
+                </p:cond>
+              </p:prevCondLst>
+              <p:nextCondLst>
+                <p:cond evt="onNext" delay="0">
+                  <p:tgtEl>
+                    <p:sldTgt/>
+                  </p:tgtEl>
+                </p:cond>
+              </p:nextCondLst>
+            </p:seq>
+          </p:childTnLst>
+        </p:cTn>
+      </p:par>
+    </p:tnLst>
+    <p:bldLst>
+      <p:bldP spid="7" grpId="0"/>
+      <p:bldP spid="8" grpId="0"/>
+    </p:bldLst>
+  </p:timing>
+</p:sld>
+</file>
+
+<file path=ppt/slides/slide24.xml><?xml version="1.0" encoding="utf-8"?>
+<p:sld xmlns:a="http://schemas.openxmlformats.org/drawingml/2006/main" xmlns:r="http://schemas.openxmlformats.org/officeDocument/2006/relationships" xmlns:p="http://schemas.openxmlformats.org/presentationml/2006/main">
+  <p:cSld>
+    <p:spTree>
+      <p:nvGrpSpPr>
+        <p:cNvPr id="1" name=""/>
+        <p:cNvGrpSpPr/>
+        <p:nvPr/>
+      </p:nvGrpSpPr>
+      <p:grpSpPr>
+        <a:xfrm>
+          <a:off x="0" y="0"/>
+          <a:ext cx="0" cy="0"/>
+          <a:chOff x="0" y="0"/>
+          <a:chExt cx="0" cy="0"/>
+        </a:xfrm>
+      </p:grpSpPr>
+      <p:sp>
+        <p:nvSpPr>
+          <p:cNvPr id="2" name="标题 1">
+            <a:extLst>
+              <a:ext uri="{FF2B5EF4-FFF2-40B4-BE49-F238E27FC236}">
+                <a16:creationId xmlns:a16="http://schemas.microsoft.com/office/drawing/2014/main" id="{7D5551A1-7389-4C4B-BB73-179162C6A558}"/>
+              </a:ext>
+            </a:extLst>
+          </p:cNvPr>
+          <p:cNvSpPr>
+            <a:spLocks noGrp="1"/>
+          </p:cNvSpPr>
+          <p:nvPr>
+            <p:ph type="title"/>
+          </p:nvPr>
+        </p:nvSpPr>
+        <p:spPr/>
+        <p:txBody>
+          <a:bodyPr/>
+          <a:lstStyle/>
+          <a:p>
+            <a:r>
+              <a:rPr lang="zh-CN" altLang="en-US" dirty="0"/>
+              <a:t>运算符与表达式</a:t>
+            </a:r>
+          </a:p>
+        </p:txBody>
+      </p:sp>
+      <p:sp>
+        <p:nvSpPr>
+          <p:cNvPr id="3" name="内容占位符 2">
+            <a:extLst>
+              <a:ext uri="{FF2B5EF4-FFF2-40B4-BE49-F238E27FC236}">
+                <a16:creationId xmlns:a16="http://schemas.microsoft.com/office/drawing/2014/main" id="{315FC503-555F-487F-8342-DC08F455E9A0}"/>
+              </a:ext>
+            </a:extLst>
+          </p:cNvPr>
+          <p:cNvSpPr>
+            <a:spLocks noGrp="1"/>
+          </p:cNvSpPr>
+          <p:nvPr>
+            <p:ph idx="1"/>
+          </p:nvPr>
+        </p:nvSpPr>
+        <p:spPr/>
+        <p:txBody>
+          <a:bodyPr/>
+          <a:lstStyle/>
+          <a:p>
+            <a:r>
+              <a:rPr lang="zh-CN" altLang="en-US" dirty="0"/>
+              <a:t>你可以交互地使用解释器来计算例子中给出的表达式。例如，为了测试表达式</a:t>
+            </a:r>
+            <a:r>
+              <a:rPr lang="en-US" altLang="zh-CN" dirty="0"/>
+              <a:t>2 + 3</a:t>
+            </a:r>
+            <a:r>
+              <a:rPr lang="zh-CN" altLang="en-US" dirty="0"/>
+              <a:t>，使用交互式的带提示符的</a:t>
+            </a:r>
+            <a:r>
+              <a:rPr lang="en-US" altLang="zh-CN" dirty="0"/>
+              <a:t>Python</a:t>
+            </a:r>
+            <a:r>
+              <a:rPr lang="zh-CN" altLang="en-US" dirty="0"/>
+              <a:t>解释器：</a:t>
+            </a:r>
+          </a:p>
+          <a:p>
+            <a:endParaRPr lang="en-US" altLang="zh-CN" dirty="0"/>
+          </a:p>
+          <a:p>
+            <a:r>
+              <a:rPr lang="en-US" altLang="zh-CN" dirty="0"/>
+              <a:t>&gt;&gt;&gt; 2 + 3</a:t>
+            </a:r>
+          </a:p>
+          <a:p>
+            <a:r>
+              <a:rPr lang="en-US" altLang="zh-CN" dirty="0"/>
+              <a:t>5</a:t>
+            </a:r>
+          </a:p>
+          <a:p>
+            <a:r>
+              <a:rPr lang="en-US" altLang="zh-CN" dirty="0"/>
+              <a:t>&gt;&gt;&gt; 3 * 5</a:t>
+            </a:r>
+          </a:p>
+          <a:p>
+            <a:r>
+              <a:rPr lang="en-US" altLang="zh-CN" dirty="0"/>
+              <a:t>15</a:t>
+            </a:r>
+          </a:p>
+          <a:p>
+            <a:r>
+              <a:rPr lang="en-US" altLang="zh-CN" dirty="0"/>
+              <a:t>&gt;&gt;&gt;</a:t>
+            </a:r>
+            <a:endParaRPr lang="zh-CN" altLang="en-US" dirty="0"/>
+          </a:p>
+          <a:p>
+            <a:endParaRPr lang="zh-CN" altLang="en-US" dirty="0"/>
+          </a:p>
+        </p:txBody>
+      </p:sp>
+    </p:spTree>
+    <p:extLst>
+      <p:ext uri="{BB962C8B-B14F-4D97-AF65-F5344CB8AC3E}">
+        <p14:creationId xmlns:p14="http://schemas.microsoft.com/office/powerpoint/2010/main" val="3932592834"/>
+      </p:ext>
+    </p:extLst>
+  </p:cSld>
+  <p:clrMapOvr>
+    <a:masterClrMapping/>
+  </p:clrMapOvr>
+  <p:transition spd="slow">
+    <p:pull/>
+  </p:transition>
+</p:sld>
+</file>
+
+<file path=ppt/slides/slide25.xml><?xml version="1.0" encoding="utf-8"?>
+<p:sld xmlns:a="http://schemas.openxmlformats.org/drawingml/2006/main" xmlns:r="http://schemas.openxmlformats.org/officeDocument/2006/relationships" xmlns:p="http://schemas.openxmlformats.org/presentationml/2006/main">
+  <p:cSld>
+    <p:spTree>
+      <p:nvGrpSpPr>
+        <p:cNvPr id="1" name=""/>
+        <p:cNvGrpSpPr/>
+        <p:nvPr/>
+      </p:nvGrpSpPr>
+      <p:grpSpPr>
+        <a:xfrm>
+          <a:off x="0" y="0"/>
+          <a:ext cx="0" cy="0"/>
+          <a:chOff x="0" y="0"/>
+          <a:chExt cx="0" cy="0"/>
+        </a:xfrm>
+      </p:grpSpPr>
+      <p:sp>
+        <p:nvSpPr>
+          <p:cNvPr id="2" name="标题 1">
+            <a:extLst>
+              <a:ext uri="{FF2B5EF4-FFF2-40B4-BE49-F238E27FC236}">
+                <a16:creationId xmlns:a16="http://schemas.microsoft.com/office/drawing/2014/main" id="{6BD60C6F-8E8B-4317-8DB1-68A647D3D3EC}"/>
+              </a:ext>
+            </a:extLst>
+          </p:cNvPr>
+          <p:cNvSpPr>
+            <a:spLocks noGrp="1"/>
+          </p:cNvSpPr>
+          <p:nvPr>
+            <p:ph type="title"/>
+          </p:nvPr>
+        </p:nvSpPr>
+        <p:spPr/>
+        <p:txBody>
+          <a:bodyPr/>
+          <a:lstStyle/>
+          <a:p>
+            <a:r>
+              <a:rPr lang="zh-CN" altLang="en-US" dirty="0"/>
+              <a:t>运算符与表达式</a:t>
+            </a:r>
+          </a:p>
+        </p:txBody>
+      </p:sp>
+      <p:pic>
+        <p:nvPicPr>
+          <p:cNvPr id="4" name="内容占位符 3">
+            <a:extLst>
+              <a:ext uri="{FF2B5EF4-FFF2-40B4-BE49-F238E27FC236}">
+                <a16:creationId xmlns:a16="http://schemas.microsoft.com/office/drawing/2014/main" id="{33CE8EFA-C139-41BB-AF53-C0D5DE57C4D5}"/>
+              </a:ext>
+            </a:extLst>
+          </p:cNvPr>
+          <p:cNvPicPr>
+            <a:picLocks noGrp="1" noChangeAspect="1"/>
+          </p:cNvPicPr>
+          <p:nvPr>
+            <p:ph idx="1"/>
+          </p:nvPr>
+        </p:nvPicPr>
+        <p:blipFill>
+          <a:blip r:embed="rId2">
+            <a:extLst>
+              <a:ext uri="{28A0092B-C50C-407E-A947-70E740481C1C}">
+                <a14:useLocalDpi xmlns:a14="http://schemas.microsoft.com/office/drawing/2010/main" val="0"/>
+              </a:ext>
+            </a:extLst>
+          </a:blip>
+          <a:stretch>
+            <a:fillRect/>
+          </a:stretch>
+        </p:blipFill>
+        <p:spPr>
+          <a:xfrm>
+            <a:off x="1482447" y="737941"/>
+            <a:ext cx="6179106" cy="4121150"/>
+          </a:xfrm>
+        </p:spPr>
+      </p:pic>
+    </p:spTree>
+    <p:extLst>
+      <p:ext uri="{BB962C8B-B14F-4D97-AF65-F5344CB8AC3E}">
+        <p14:creationId xmlns:p14="http://schemas.microsoft.com/office/powerpoint/2010/main" val="3849914745"/>
+      </p:ext>
+    </p:extLst>
+  </p:cSld>
+  <p:clrMapOvr>
+    <a:masterClrMapping/>
+  </p:clrMapOvr>
+  <p:transition spd="slow">
+    <p:pull/>
+  </p:transition>
+</p:sld>
+</file>
+
+<file path=ppt/slides/slide26.xml><?xml version="1.0" encoding="utf-8"?>
+<p:sld xmlns:a="http://schemas.openxmlformats.org/drawingml/2006/main" xmlns:r="http://schemas.openxmlformats.org/officeDocument/2006/relationships" xmlns:p="http://schemas.openxmlformats.org/presentationml/2006/main">
+  <p:cSld>
+    <p:spTree>
+      <p:nvGrpSpPr>
+        <p:cNvPr id="1" name=""/>
+        <p:cNvGrpSpPr/>
+        <p:nvPr/>
+      </p:nvGrpSpPr>
+      <p:grpSpPr>
+        <a:xfrm>
+          <a:off x="0" y="0"/>
+          <a:ext cx="0" cy="0"/>
+          <a:chOff x="0" y="0"/>
+          <a:chExt cx="0" cy="0"/>
+        </a:xfrm>
+      </p:grpSpPr>
+      <p:sp>
+        <p:nvSpPr>
+          <p:cNvPr id="2" name="标题 1">
+            <a:extLst>
+              <a:ext uri="{FF2B5EF4-FFF2-40B4-BE49-F238E27FC236}">
+                <a16:creationId xmlns:a16="http://schemas.microsoft.com/office/drawing/2014/main" id="{21D49B8C-02E4-4F2D-B3B0-BECC827075BD}"/>
+              </a:ext>
+            </a:extLst>
+          </p:cNvPr>
+          <p:cNvSpPr>
+            <a:spLocks noGrp="1"/>
+          </p:cNvSpPr>
+          <p:nvPr>
+            <p:ph type="title"/>
+          </p:nvPr>
+        </p:nvSpPr>
+        <p:spPr/>
+        <p:txBody>
+          <a:bodyPr/>
+          <a:lstStyle/>
+          <a:p>
+            <a:r>
+              <a:rPr lang="zh-CN" altLang="en-US" dirty="0"/>
+              <a:t>运算符与表达式</a:t>
+            </a:r>
+          </a:p>
+        </p:txBody>
+      </p:sp>
+      <p:pic>
+        <p:nvPicPr>
+          <p:cNvPr id="4" name="内容占位符 7">
+            <a:extLst>
+              <a:ext uri="{FF2B5EF4-FFF2-40B4-BE49-F238E27FC236}">
+                <a16:creationId xmlns:a16="http://schemas.microsoft.com/office/drawing/2014/main" id="{2B43F7A2-3938-48B4-A23F-FB69D1F98629}"/>
+              </a:ext>
+            </a:extLst>
+          </p:cNvPr>
+          <p:cNvPicPr>
+            <a:picLocks noGrp="1" noChangeAspect="1"/>
+          </p:cNvPicPr>
+          <p:nvPr>
+            <p:ph idx="1"/>
+          </p:nvPr>
+        </p:nvPicPr>
+        <p:blipFill>
+          <a:blip r:embed="rId2">
+            <a:extLst>
+              <a:ext uri="{28A0092B-C50C-407E-A947-70E740481C1C}">
+                <a14:useLocalDpi xmlns:a14="http://schemas.microsoft.com/office/drawing/2010/main" val="0"/>
+              </a:ext>
+            </a:extLst>
+          </a:blip>
+          <a:stretch>
+            <a:fillRect/>
+          </a:stretch>
+        </p:blipFill>
+        <p:spPr>
+          <a:xfrm>
+            <a:off x="1889490" y="625475"/>
+            <a:ext cx="5349144" cy="4121150"/>
+          </a:xfrm>
+        </p:spPr>
+      </p:pic>
+    </p:spTree>
+    <p:extLst>
+      <p:ext uri="{BB962C8B-B14F-4D97-AF65-F5344CB8AC3E}">
+        <p14:creationId xmlns:p14="http://schemas.microsoft.com/office/powerpoint/2010/main" val="1130450115"/>
+      </p:ext>
+    </p:extLst>
+  </p:cSld>
+  <p:clrMapOvr>
+    <a:masterClrMapping/>
+  </p:clrMapOvr>
+  <p:transition spd="slow">
+    <p:pull/>
+  </p:transition>
+</p:sld>
+</file>
+
+<file path=ppt/slides/slide27.xml><?xml version="1.0" encoding="utf-8"?>
+<p:sld xmlns:a="http://schemas.openxmlformats.org/drawingml/2006/main" xmlns:r="http://schemas.openxmlformats.org/officeDocument/2006/relationships" xmlns:p="http://schemas.openxmlformats.org/presentationml/2006/main">
+  <p:cSld>
+    <p:spTree>
+      <p:nvGrpSpPr>
+        <p:cNvPr id="1" name=""/>
+        <p:cNvGrpSpPr/>
+        <p:nvPr/>
+      </p:nvGrpSpPr>
+      <p:grpSpPr>
+        <a:xfrm>
+          <a:off x="0" y="0"/>
+          <a:ext cx="0" cy="0"/>
+          <a:chOff x="0" y="0"/>
+          <a:chExt cx="0" cy="0"/>
+        </a:xfrm>
+      </p:grpSpPr>
+      <p:sp>
+        <p:nvSpPr>
+          <p:cNvPr id="2" name="标题 1">
+            <a:extLst>
+              <a:ext uri="{FF2B5EF4-FFF2-40B4-BE49-F238E27FC236}">
+                <a16:creationId xmlns:a16="http://schemas.microsoft.com/office/drawing/2014/main" id="{518CA19B-5DA1-4002-8273-227D48AB8762}"/>
+              </a:ext>
+            </a:extLst>
+          </p:cNvPr>
+          <p:cNvSpPr>
+            <a:spLocks noGrp="1"/>
+          </p:cNvSpPr>
+          <p:nvPr>
+            <p:ph type="title"/>
+          </p:nvPr>
+        </p:nvSpPr>
+        <p:spPr/>
+        <p:txBody>
+          <a:bodyPr/>
+          <a:lstStyle/>
+          <a:p>
+            <a:r>
+              <a:rPr lang="zh-CN" altLang="en-US" dirty="0"/>
+              <a:t>运算符与表达式</a:t>
+            </a:r>
+          </a:p>
+        </p:txBody>
+      </p:sp>
+      <p:sp>
+        <p:nvSpPr>
+          <p:cNvPr id="3" name="内容占位符 2">
+            <a:extLst>
+              <a:ext uri="{FF2B5EF4-FFF2-40B4-BE49-F238E27FC236}">
+                <a16:creationId xmlns:a16="http://schemas.microsoft.com/office/drawing/2014/main" id="{A654851A-EB79-4C16-B46D-2932445FED50}"/>
+              </a:ext>
+            </a:extLst>
+          </p:cNvPr>
+          <p:cNvSpPr>
+            <a:spLocks noGrp="1"/>
+          </p:cNvSpPr>
+          <p:nvPr>
+            <p:ph idx="1"/>
+          </p:nvPr>
+        </p:nvSpPr>
+        <p:spPr/>
+        <p:txBody>
+          <a:bodyPr/>
+          <a:lstStyle/>
+          <a:p>
+            <a:pPr marL="342900" indent="-342900">
+              <a:buFont typeface="Wingdings" panose="05000000000000000000" pitchFamily="2" charset="2"/>
+              <a:buChar char="l"/>
+            </a:pPr>
+            <a:r>
+              <a:rPr lang="zh-CN" altLang="en-US" dirty="0"/>
+              <a:t>运算符优先级</a:t>
+            </a:r>
+            <a:endParaRPr lang="en-US" altLang="zh-CN" dirty="0"/>
+          </a:p>
+          <a:p>
+            <a:r>
+              <a:rPr lang="zh-CN" altLang="en-US" dirty="0"/>
+              <a:t>事实上，建议你使用圆括号来分组运算符和操作数，以便能够明确地指出运算的先后顺序，使程序尽可能地易读。例如，</a:t>
+            </a:r>
+            <a:r>
+              <a:rPr lang="en-US" altLang="zh-CN" dirty="0"/>
+              <a:t>2 + (3 * 4)</a:t>
+            </a:r>
+            <a:r>
+              <a:rPr lang="zh-CN" altLang="en-US" dirty="0"/>
+              <a:t>显然比</a:t>
+            </a:r>
+            <a:r>
+              <a:rPr lang="en-US" altLang="zh-CN" dirty="0"/>
+              <a:t>2 + 3 * 4</a:t>
+            </a:r>
+            <a:r>
+              <a:rPr lang="zh-CN" altLang="en-US" dirty="0"/>
+              <a:t>清晰。与此同时，圆括号也应该正确使用，而不应该用得过滥（比如</a:t>
+            </a:r>
+            <a:r>
+              <a:rPr lang="en-US" altLang="zh-CN" dirty="0"/>
+              <a:t>2 + (3 + 4)</a:t>
+            </a:r>
+            <a:r>
+              <a:rPr lang="zh-CN" altLang="en-US" dirty="0"/>
+              <a:t>）。</a:t>
+            </a:r>
+          </a:p>
+          <a:p>
+            <a:endParaRPr lang="zh-CN" altLang="en-US" dirty="0"/>
+          </a:p>
+        </p:txBody>
+      </p:sp>
+    </p:spTree>
+    <p:extLst>
+      <p:ext uri="{BB962C8B-B14F-4D97-AF65-F5344CB8AC3E}">
+        <p14:creationId xmlns:p14="http://schemas.microsoft.com/office/powerpoint/2010/main" val="1159828865"/>
+      </p:ext>
+    </p:extLst>
+  </p:cSld>
+  <p:clrMapOvr>
+    <a:masterClrMapping/>
+  </p:clrMapOvr>
+  <p:transition spd="slow">
+    <p:pull/>
+  </p:transition>
+</p:sld>
+</file>
+
+<file path=ppt/slides/slide28.xml><?xml version="1.0" encoding="utf-8"?>
+<p:sld xmlns:a="http://schemas.openxmlformats.org/drawingml/2006/main" xmlns:r="http://schemas.openxmlformats.org/officeDocument/2006/relationships" xmlns:p="http://schemas.openxmlformats.org/presentationml/2006/main">
+  <p:cSld>
+    <p:spTree>
+      <p:nvGrpSpPr>
+        <p:cNvPr id="1" name=""/>
+        <p:cNvGrpSpPr/>
+        <p:nvPr/>
+      </p:nvGrpSpPr>
+      <p:grpSpPr>
+        <a:xfrm>
+          <a:off x="0" y="0"/>
+          <a:ext cx="0" cy="0"/>
+          <a:chOff x="0" y="0"/>
+          <a:chExt cx="0" cy="0"/>
+        </a:xfrm>
+      </p:grpSpPr>
+      <p:sp>
+        <p:nvSpPr>
+          <p:cNvPr id="2" name="标题 1">
+            <a:extLst>
+              <a:ext uri="{FF2B5EF4-FFF2-40B4-BE49-F238E27FC236}">
+                <a16:creationId xmlns:a16="http://schemas.microsoft.com/office/drawing/2014/main" id="{7BB8456E-D8D0-4965-B1B9-48B3ABAB5C23}"/>
+              </a:ext>
+            </a:extLst>
+          </p:cNvPr>
+          <p:cNvSpPr>
+            <a:spLocks noGrp="1"/>
+          </p:cNvSpPr>
+          <p:nvPr>
+            <p:ph type="title"/>
+          </p:nvPr>
+        </p:nvSpPr>
+        <p:spPr/>
+        <p:txBody>
+          <a:bodyPr/>
+          <a:lstStyle/>
+          <a:p>
+            <a:r>
+              <a:rPr lang="zh-CN" altLang="en-US" dirty="0"/>
+              <a:t>运算符与表达式</a:t>
+            </a:r>
+          </a:p>
+        </p:txBody>
+      </p:sp>
+      <p:sp>
+        <p:nvSpPr>
+          <p:cNvPr id="3" name="内容占位符 2">
+            <a:extLst>
+              <a:ext uri="{FF2B5EF4-FFF2-40B4-BE49-F238E27FC236}">
+                <a16:creationId xmlns:a16="http://schemas.microsoft.com/office/drawing/2014/main" id="{FF3B00B9-5D51-48D6-BD43-7EA09FB2967E}"/>
+              </a:ext>
+            </a:extLst>
+          </p:cNvPr>
+          <p:cNvSpPr>
+            <a:spLocks noGrp="1"/>
+          </p:cNvSpPr>
+          <p:nvPr>
+            <p:ph idx="1"/>
+          </p:nvPr>
+        </p:nvSpPr>
+        <p:spPr/>
+        <p:txBody>
+          <a:bodyPr/>
+          <a:lstStyle/>
+          <a:p>
+            <a:r>
+              <a:rPr lang="zh-CN" altLang="en-US" dirty="0"/>
+              <a:t>试试看</a:t>
+            </a:r>
+          </a:p>
+        </p:txBody>
+      </p:sp>
+      <p:sp>
+        <p:nvSpPr>
+          <p:cNvPr id="4" name="矩形 3">
+            <a:extLst>
+              <a:ext uri="{FF2B5EF4-FFF2-40B4-BE49-F238E27FC236}">
+                <a16:creationId xmlns:a16="http://schemas.microsoft.com/office/drawing/2014/main" id="{8BBA1C11-46C9-4BAE-A0D4-CFA07000D5CD}"/>
+              </a:ext>
+            </a:extLst>
+          </p:cNvPr>
+          <p:cNvSpPr/>
+          <p:nvPr/>
+        </p:nvSpPr>
+        <p:spPr>
+          <a:xfrm>
+            <a:off x="647903" y="1270754"/>
+            <a:ext cx="4572000" cy="1477328"/>
+          </a:xfrm>
+          <a:prstGeom prst="rect">
+            <a:avLst/>
+          </a:prstGeom>
+        </p:spPr>
+        <p:txBody>
+          <a:bodyPr>
+            <a:spAutoFit/>
+          </a:bodyPr>
+          <a:lstStyle/>
+          <a:p>
+            <a:r>
+              <a:rPr lang="en-US" altLang="zh-CN" dirty="0"/>
+              <a:t>length = 5</a:t>
+            </a:r>
+          </a:p>
+          <a:p>
+            <a:r>
+              <a:rPr lang="en-US" altLang="zh-CN" dirty="0"/>
+              <a:t>breadth = 2</a:t>
+            </a:r>
+          </a:p>
+          <a:p>
+            <a:r>
+              <a:rPr lang="en-US" altLang="zh-CN" dirty="0"/>
+              <a:t>area = length * breadth</a:t>
+            </a:r>
+          </a:p>
+          <a:p>
+            <a:r>
+              <a:rPr lang="en-US" altLang="zh-CN" dirty="0"/>
+              <a:t>print('Area is', area)</a:t>
+            </a:r>
+          </a:p>
+          <a:p>
+            <a:r>
+              <a:rPr lang="en-US" altLang="zh-CN" dirty="0"/>
+              <a:t>print('Perimeter is', 2 * (length + breadth))</a:t>
+            </a:r>
+            <a:endParaRPr lang="zh-CN" altLang="en-US" dirty="0"/>
+          </a:p>
+        </p:txBody>
+      </p:sp>
+    </p:spTree>
+    <p:extLst>
+      <p:ext uri="{BB962C8B-B14F-4D97-AF65-F5344CB8AC3E}">
+        <p14:creationId xmlns:p14="http://schemas.microsoft.com/office/powerpoint/2010/main" val="32319141"/>
+      </p:ext>
+    </p:extLst>
+  </p:cSld>
+  <p:clrMapOvr>
+    <a:masterClrMapping/>
+  </p:clrMapOvr>
+  <p:transition spd="slow">
+    <p:pull/>
+  </p:transition>
+</p:sld>
+</file>
+
+<file path=ppt/slides/slide29.xml><?xml version="1.0" encoding="utf-8"?>
+<p:sld xmlns:a="http://schemas.openxmlformats.org/drawingml/2006/main" xmlns:r="http://schemas.openxmlformats.org/officeDocument/2006/relationships" xmlns:p="http://schemas.openxmlformats.org/presentationml/2006/main">
+  <p:cSld>
+    <p:spTree>
+      <p:nvGrpSpPr>
+        <p:cNvPr id="1" name=""/>
+        <p:cNvGrpSpPr/>
+        <p:nvPr/>
+      </p:nvGrpSpPr>
+      <p:grpSpPr>
+        <a:xfrm>
+          <a:off x="0" y="0"/>
+          <a:ext cx="0" cy="0"/>
+          <a:chOff x="0" y="0"/>
+          <a:chExt cx="0" cy="0"/>
+        </a:xfrm>
+      </p:grpSpPr>
+      <p:sp>
+        <p:nvSpPr>
+          <p:cNvPr id="4" name="KSO_Shape"/>
+          <p:cNvSpPr/>
+          <p:nvPr/>
+        </p:nvSpPr>
+        <p:spPr bwMode="auto">
+          <a:xfrm>
+            <a:off x="303885" y="2111945"/>
+            <a:ext cx="928015" cy="1097753"/>
+          </a:xfrm>
+          <a:custGeom>
+            <a:avLst/>
+            <a:gdLst>
+              <a:gd name="T0" fmla="*/ 248428 w 2033587"/>
+              <a:gd name="T1" fmla="*/ 944529 h 2276475"/>
+              <a:gd name="T2" fmla="*/ 1175716 w 2033587"/>
+              <a:gd name="T3" fmla="*/ 709393 h 2276475"/>
+              <a:gd name="T4" fmla="*/ 1178374 w 2033587"/>
+              <a:gd name="T5" fmla="*/ 591162 h 2276475"/>
+              <a:gd name="T6" fmla="*/ 1585424 w 2033587"/>
+              <a:gd name="T7" fmla="*/ 232745 h 2276475"/>
+              <a:gd name="T8" fmla="*/ 1623685 w 2033587"/>
+              <a:gd name="T9" fmla="*/ 244701 h 2276475"/>
+              <a:gd name="T10" fmla="*/ 1656631 w 2033587"/>
+              <a:gd name="T11" fmla="*/ 266753 h 2276475"/>
+              <a:gd name="T12" fmla="*/ 1682138 w 2033587"/>
+              <a:gd name="T13" fmla="*/ 297308 h 2276475"/>
+              <a:gd name="T14" fmla="*/ 1697549 w 2033587"/>
+              <a:gd name="T15" fmla="*/ 334505 h 2276475"/>
+              <a:gd name="T16" fmla="*/ 1701800 w 2033587"/>
+              <a:gd name="T17" fmla="*/ 1767638 h 2276475"/>
+              <a:gd name="T18" fmla="*/ 1695689 w 2033587"/>
+              <a:gd name="T19" fmla="*/ 1808289 h 2276475"/>
+              <a:gd name="T20" fmla="*/ 1678419 w 2033587"/>
+              <a:gd name="T21" fmla="*/ 1844423 h 2276475"/>
+              <a:gd name="T22" fmla="*/ 1651849 w 2033587"/>
+              <a:gd name="T23" fmla="*/ 1873649 h 2276475"/>
+              <a:gd name="T24" fmla="*/ 1617839 w 2033587"/>
+              <a:gd name="T25" fmla="*/ 1894372 h 2276475"/>
+              <a:gd name="T26" fmla="*/ 1578251 w 2033587"/>
+              <a:gd name="T27" fmla="*/ 1904469 h 2276475"/>
+              <a:gd name="T28" fmla="*/ 381012 w 2033587"/>
+              <a:gd name="T29" fmla="*/ 1903672 h 2276475"/>
+              <a:gd name="T30" fmla="*/ 342220 w 2033587"/>
+              <a:gd name="T31" fmla="*/ 1891715 h 2276475"/>
+              <a:gd name="T32" fmla="*/ 309539 w 2033587"/>
+              <a:gd name="T33" fmla="*/ 1869397 h 2276475"/>
+              <a:gd name="T34" fmla="*/ 284298 w 2033587"/>
+              <a:gd name="T35" fmla="*/ 1838844 h 2276475"/>
+              <a:gd name="T36" fmla="*/ 268621 w 2033587"/>
+              <a:gd name="T37" fmla="*/ 1801912 h 2276475"/>
+              <a:gd name="T38" fmla="*/ 382075 w 2033587"/>
+              <a:gd name="T39" fmla="*/ 1767638 h 2276475"/>
+              <a:gd name="T40" fmla="*/ 385528 w 2033587"/>
+              <a:gd name="T41" fmla="*/ 1778531 h 2276475"/>
+              <a:gd name="T42" fmla="*/ 398017 w 2033587"/>
+              <a:gd name="T43" fmla="*/ 1786768 h 2276475"/>
+              <a:gd name="T44" fmla="*/ 1570013 w 2033587"/>
+              <a:gd name="T45" fmla="*/ 1786502 h 2276475"/>
+              <a:gd name="T46" fmla="*/ 1581704 w 2033587"/>
+              <a:gd name="T47" fmla="*/ 1776937 h 2276475"/>
+              <a:gd name="T48" fmla="*/ 1583830 w 2033587"/>
+              <a:gd name="T49" fmla="*/ 368513 h 2276475"/>
+              <a:gd name="T50" fmla="*/ 1580376 w 2033587"/>
+              <a:gd name="T51" fmla="*/ 357619 h 2276475"/>
+              <a:gd name="T52" fmla="*/ 1568419 w 2033587"/>
+              <a:gd name="T53" fmla="*/ 349383 h 2276475"/>
+              <a:gd name="T54" fmla="*/ 492697 w 2033587"/>
+              <a:gd name="T55" fmla="*/ 362402 h 2276475"/>
+              <a:gd name="T56" fmla="*/ 484724 w 2033587"/>
+              <a:gd name="T57" fmla="*/ 402787 h 2276475"/>
+              <a:gd name="T58" fmla="*/ 465590 w 2033587"/>
+              <a:gd name="T59" fmla="*/ 437592 h 2276475"/>
+              <a:gd name="T60" fmla="*/ 437421 w 2033587"/>
+              <a:gd name="T61" fmla="*/ 465490 h 2276475"/>
+              <a:gd name="T62" fmla="*/ 402608 w 2033587"/>
+              <a:gd name="T63" fmla="*/ 484619 h 2276475"/>
+              <a:gd name="T64" fmla="*/ 362480 w 2033587"/>
+              <a:gd name="T65" fmla="*/ 492856 h 2276475"/>
+              <a:gd name="T66" fmla="*/ 118789 w 2033587"/>
+              <a:gd name="T67" fmla="*/ 1542067 h 2276475"/>
+              <a:gd name="T68" fmla="*/ 128090 w 2033587"/>
+              <a:gd name="T69" fmla="*/ 1553757 h 2276475"/>
+              <a:gd name="T70" fmla="*/ 1299773 w 2033587"/>
+              <a:gd name="T71" fmla="*/ 1556149 h 2276475"/>
+              <a:gd name="T72" fmla="*/ 1310934 w 2033587"/>
+              <a:gd name="T73" fmla="*/ 1552695 h 2276475"/>
+              <a:gd name="T74" fmla="*/ 1319438 w 2033587"/>
+              <a:gd name="T75" fmla="*/ 1540208 h 2276475"/>
+              <a:gd name="T76" fmla="*/ 1318907 w 2033587"/>
+              <a:gd name="T77" fmla="*/ 131782 h 2276475"/>
+              <a:gd name="T78" fmla="*/ 1309340 w 2033587"/>
+              <a:gd name="T79" fmla="*/ 120357 h 2276475"/>
+              <a:gd name="T80" fmla="*/ 492963 w 2033587"/>
+              <a:gd name="T81" fmla="*/ 117967 h 2276475"/>
+              <a:gd name="T82" fmla="*/ 1327676 w 2033587"/>
+              <a:gd name="T83" fmla="*/ 2922 h 2276475"/>
+              <a:gd name="T84" fmla="*/ 1365413 w 2033587"/>
+              <a:gd name="T85" fmla="*/ 16738 h 2276475"/>
+              <a:gd name="T86" fmla="*/ 1397303 w 2033587"/>
+              <a:gd name="T87" fmla="*/ 40385 h 2276475"/>
+              <a:gd name="T88" fmla="*/ 1420954 w 2033587"/>
+              <a:gd name="T89" fmla="*/ 72268 h 2276475"/>
+              <a:gd name="T90" fmla="*/ 1434773 w 2033587"/>
+              <a:gd name="T91" fmla="*/ 109996 h 2276475"/>
+              <a:gd name="T92" fmla="*/ 1437430 w 2033587"/>
+              <a:gd name="T93" fmla="*/ 1543396 h 2276475"/>
+              <a:gd name="T94" fmla="*/ 1429192 w 2033587"/>
+              <a:gd name="T95" fmla="*/ 1583515 h 2276475"/>
+              <a:gd name="T96" fmla="*/ 1410324 w 2033587"/>
+              <a:gd name="T97" fmla="*/ 1618586 h 2276475"/>
+              <a:gd name="T98" fmla="*/ 1382155 w 2033587"/>
+              <a:gd name="T99" fmla="*/ 1646749 h 2276475"/>
+              <a:gd name="T100" fmla="*/ 1347076 w 2033587"/>
+              <a:gd name="T101" fmla="*/ 1665613 h 2276475"/>
+              <a:gd name="T102" fmla="*/ 1307214 w 2033587"/>
+              <a:gd name="T103" fmla="*/ 1673849 h 2276475"/>
+              <a:gd name="T104" fmla="*/ 109754 w 2033587"/>
+              <a:gd name="T105" fmla="*/ 1671192 h 2276475"/>
+              <a:gd name="T106" fmla="*/ 72017 w 2033587"/>
+              <a:gd name="T107" fmla="*/ 1657377 h 2276475"/>
+              <a:gd name="T108" fmla="*/ 40394 w 2033587"/>
+              <a:gd name="T109" fmla="*/ 1633731 h 2276475"/>
+              <a:gd name="T110" fmla="*/ 16476 w 2033587"/>
+              <a:gd name="T111" fmla="*/ 1601848 h 2276475"/>
+              <a:gd name="T112" fmla="*/ 2657 w 2033587"/>
+              <a:gd name="T113" fmla="*/ 1564120 h 2276475"/>
+              <a:gd name="T114" fmla="*/ 409517 w 2033587"/>
+              <a:gd name="T115" fmla="*/ 0 h 2276475"/>
+              <a:gd name="T116" fmla="*/ 0 60000 65536"/>
+              <a:gd name="T117" fmla="*/ 0 60000 65536"/>
+              <a:gd name="T118" fmla="*/ 0 60000 65536"/>
+              <a:gd name="T119" fmla="*/ 0 60000 65536"/>
+              <a:gd name="T120" fmla="*/ 0 60000 65536"/>
+              <a:gd name="T121" fmla="*/ 0 60000 65536"/>
+              <a:gd name="T122" fmla="*/ 0 60000 65536"/>
+              <a:gd name="T123" fmla="*/ 0 60000 65536"/>
+              <a:gd name="T124" fmla="*/ 0 60000 65536"/>
+              <a:gd name="T125" fmla="*/ 0 60000 65536"/>
+              <a:gd name="T126" fmla="*/ 0 60000 65536"/>
+              <a:gd name="T127" fmla="*/ 0 60000 65536"/>
+              <a:gd name="T128" fmla="*/ 0 60000 65536"/>
+              <a:gd name="T129" fmla="*/ 0 60000 65536"/>
+              <a:gd name="T130" fmla="*/ 0 60000 65536"/>
+              <a:gd name="T131" fmla="*/ 0 60000 65536"/>
+              <a:gd name="T132" fmla="*/ 0 60000 65536"/>
+              <a:gd name="T133" fmla="*/ 0 60000 65536"/>
+              <a:gd name="T134" fmla="*/ 0 60000 65536"/>
+              <a:gd name="T135" fmla="*/ 0 60000 65536"/>
+              <a:gd name="T136" fmla="*/ 0 60000 65536"/>
+              <a:gd name="T137" fmla="*/ 0 60000 65536"/>
+              <a:gd name="T138" fmla="*/ 0 60000 65536"/>
+              <a:gd name="T139" fmla="*/ 0 60000 65536"/>
+              <a:gd name="T140" fmla="*/ 0 60000 65536"/>
+              <a:gd name="T141" fmla="*/ 0 60000 65536"/>
+              <a:gd name="T142" fmla="*/ 0 60000 65536"/>
+              <a:gd name="T143" fmla="*/ 0 60000 65536"/>
+              <a:gd name="T144" fmla="*/ 0 60000 65536"/>
+              <a:gd name="T145" fmla="*/ 0 60000 65536"/>
+              <a:gd name="T146" fmla="*/ 0 60000 65536"/>
+              <a:gd name="T147" fmla="*/ 0 60000 65536"/>
+              <a:gd name="T148" fmla="*/ 0 60000 65536"/>
+              <a:gd name="T149" fmla="*/ 0 60000 65536"/>
+              <a:gd name="T150" fmla="*/ 0 60000 65536"/>
+              <a:gd name="T151" fmla="*/ 0 60000 65536"/>
+              <a:gd name="T152" fmla="*/ 0 60000 65536"/>
+              <a:gd name="T153" fmla="*/ 0 60000 65536"/>
+              <a:gd name="T154" fmla="*/ 0 60000 65536"/>
+              <a:gd name="T155" fmla="*/ 0 60000 65536"/>
+              <a:gd name="T156" fmla="*/ 0 60000 65536"/>
+              <a:gd name="T157" fmla="*/ 0 60000 65536"/>
+              <a:gd name="T158" fmla="*/ 0 60000 65536"/>
+              <a:gd name="T159" fmla="*/ 0 60000 65536"/>
+              <a:gd name="T160" fmla="*/ 0 60000 65536"/>
+              <a:gd name="T161" fmla="*/ 0 60000 65536"/>
+              <a:gd name="T162" fmla="*/ 0 60000 65536"/>
+              <a:gd name="T163" fmla="*/ 0 60000 65536"/>
+              <a:gd name="T164" fmla="*/ 0 60000 65536"/>
+              <a:gd name="T165" fmla="*/ 0 60000 65536"/>
+              <a:gd name="T166" fmla="*/ 0 60000 65536"/>
+              <a:gd name="T167" fmla="*/ 0 60000 65536"/>
+              <a:gd name="T168" fmla="*/ 0 60000 65536"/>
+              <a:gd name="T169" fmla="*/ 0 60000 65536"/>
+              <a:gd name="T170" fmla="*/ 0 60000 65536"/>
+              <a:gd name="T171" fmla="*/ 0 60000 65536"/>
+              <a:gd name="T172" fmla="*/ 0 60000 65536"/>
+              <a:gd name="T173" fmla="*/ 0 60000 65536"/>
+            </a:gdLst>
+            <a:ahLst/>
+            <a:cxnLst>
+              <a:cxn ang="T116">
+                <a:pos x="T0" y="T1"/>
+              </a:cxn>
+              <a:cxn ang="T117">
+                <a:pos x="T2" y="T3"/>
+              </a:cxn>
+              <a:cxn ang="T118">
+                <a:pos x="T4" y="T5"/>
+              </a:cxn>
+              <a:cxn ang="T119">
+                <a:pos x="T6" y="T7"/>
+              </a:cxn>
+              <a:cxn ang="T120">
+                <a:pos x="T8" y="T9"/>
+              </a:cxn>
+              <a:cxn ang="T121">
+                <a:pos x="T10" y="T11"/>
+              </a:cxn>
+              <a:cxn ang="T122">
+                <a:pos x="T12" y="T13"/>
+              </a:cxn>
+              <a:cxn ang="T123">
+                <a:pos x="T14" y="T15"/>
+              </a:cxn>
+              <a:cxn ang="T124">
+                <a:pos x="T16" y="T17"/>
+              </a:cxn>
+              <a:cxn ang="T125">
+                <a:pos x="T18" y="T19"/>
+              </a:cxn>
+              <a:cxn ang="T126">
+                <a:pos x="T20" y="T21"/>
+              </a:cxn>
+              <a:cxn ang="T127">
+                <a:pos x="T22" y="T23"/>
+              </a:cxn>
+              <a:cxn ang="T128">
+                <a:pos x="T24" y="T25"/>
+              </a:cxn>
+              <a:cxn ang="T129">
+                <a:pos x="T26" y="T27"/>
+              </a:cxn>
+              <a:cxn ang="T130">
+                <a:pos x="T28" y="T29"/>
+              </a:cxn>
+              <a:cxn ang="T131">
+                <a:pos x="T30" y="T31"/>
+              </a:cxn>
+              <a:cxn ang="T132">
+                <a:pos x="T32" y="T33"/>
+              </a:cxn>
+              <a:cxn ang="T133">
+                <a:pos x="T34" y="T35"/>
+              </a:cxn>
+              <a:cxn ang="T134">
+                <a:pos x="T36" y="T37"/>
+              </a:cxn>
+              <a:cxn ang="T135">
+                <a:pos x="T38" y="T39"/>
+              </a:cxn>
+              <a:cxn ang="T136">
+                <a:pos x="T40" y="T41"/>
+              </a:cxn>
+              <a:cxn ang="T137">
+                <a:pos x="T42" y="T43"/>
+              </a:cxn>
+              <a:cxn ang="T138">
+                <a:pos x="T44" y="T45"/>
+              </a:cxn>
+              <a:cxn ang="T139">
+                <a:pos x="T46" y="T47"/>
+              </a:cxn>
+              <a:cxn ang="T140">
+                <a:pos x="T48" y="T49"/>
+              </a:cxn>
+              <a:cxn ang="T141">
+                <a:pos x="T50" y="T51"/>
+              </a:cxn>
+              <a:cxn ang="T142">
+                <a:pos x="T52" y="T53"/>
+              </a:cxn>
+              <a:cxn ang="T143">
+                <a:pos x="T54" y="T55"/>
+              </a:cxn>
+              <a:cxn ang="T144">
+                <a:pos x="T56" y="T57"/>
+              </a:cxn>
+              <a:cxn ang="T145">
+                <a:pos x="T58" y="T59"/>
+              </a:cxn>
+              <a:cxn ang="T146">
+                <a:pos x="T60" y="T61"/>
+              </a:cxn>
+              <a:cxn ang="T147">
+                <a:pos x="T62" y="T63"/>
+              </a:cxn>
+              <a:cxn ang="T148">
+                <a:pos x="T64" y="T65"/>
+              </a:cxn>
+              <a:cxn ang="T149">
+                <a:pos x="T66" y="T67"/>
+              </a:cxn>
+              <a:cxn ang="T150">
+                <a:pos x="T68" y="T69"/>
+              </a:cxn>
+              <a:cxn ang="T151">
+                <a:pos x="T70" y="T71"/>
+              </a:cxn>
+              <a:cxn ang="T152">
+                <a:pos x="T72" y="T73"/>
+              </a:cxn>
+              <a:cxn ang="T153">
+                <a:pos x="T74" y="T75"/>
+              </a:cxn>
+              <a:cxn ang="T154">
+                <a:pos x="T76" y="T77"/>
+              </a:cxn>
+              <a:cxn ang="T155">
+                <a:pos x="T78" y="T79"/>
+              </a:cxn>
+              <a:cxn ang="T156">
+                <a:pos x="T80" y="T81"/>
+              </a:cxn>
+              <a:cxn ang="T157">
+                <a:pos x="T82" y="T83"/>
+              </a:cxn>
+              <a:cxn ang="T158">
+                <a:pos x="T84" y="T85"/>
+              </a:cxn>
+              <a:cxn ang="T159">
+                <a:pos x="T86" y="T87"/>
+              </a:cxn>
+              <a:cxn ang="T160">
+                <a:pos x="T88" y="T89"/>
+              </a:cxn>
+              <a:cxn ang="T161">
+                <a:pos x="T90" y="T91"/>
+              </a:cxn>
+              <a:cxn ang="T162">
+                <a:pos x="T92" y="T93"/>
+              </a:cxn>
+              <a:cxn ang="T163">
+                <a:pos x="T94" y="T95"/>
+              </a:cxn>
+              <a:cxn ang="T164">
+                <a:pos x="T96" y="T97"/>
+              </a:cxn>
+              <a:cxn ang="T165">
+                <a:pos x="T98" y="T99"/>
+              </a:cxn>
+              <a:cxn ang="T166">
+                <a:pos x="T100" y="T101"/>
+              </a:cxn>
+              <a:cxn ang="T167">
+                <a:pos x="T102" y="T103"/>
+              </a:cxn>
+              <a:cxn ang="T168">
+                <a:pos x="T104" y="T105"/>
+              </a:cxn>
+              <a:cxn ang="T169">
+                <a:pos x="T106" y="T107"/>
+              </a:cxn>
+              <a:cxn ang="T170">
+                <a:pos x="T108" y="T109"/>
+              </a:cxn>
+              <a:cxn ang="T171">
+                <a:pos x="T110" y="T111"/>
+              </a:cxn>
+              <a:cxn ang="T172">
+                <a:pos x="T112" y="T113"/>
+              </a:cxn>
+              <a:cxn ang="T173">
+                <a:pos x="T114" y="T115"/>
+              </a:cxn>
+            </a:cxnLst>
+            <a:rect l="0" t="0" r="r" b="b"/>
+            <a:pathLst>
+              <a:path w="2033587" h="2276475">
+                <a:moveTo>
+                  <a:pt x="312737" y="1411287"/>
+                </a:moveTo>
+                <a:lnTo>
+                  <a:pt x="1422400" y="1411287"/>
+                </a:lnTo>
+                <a:lnTo>
+                  <a:pt x="1422400" y="1552575"/>
+                </a:lnTo>
+                <a:lnTo>
+                  <a:pt x="312737" y="1552575"/>
+                </a:lnTo>
+                <a:lnTo>
+                  <a:pt x="312737" y="1411287"/>
+                </a:lnTo>
+                <a:close/>
+                <a:moveTo>
+                  <a:pt x="296862" y="1128712"/>
+                </a:moveTo>
+                <a:lnTo>
+                  <a:pt x="1404937" y="1128712"/>
+                </a:lnTo>
+                <a:lnTo>
+                  <a:pt x="1404937" y="1270000"/>
+                </a:lnTo>
+                <a:lnTo>
+                  <a:pt x="296862" y="1270000"/>
+                </a:lnTo>
+                <a:lnTo>
+                  <a:pt x="296862" y="1128712"/>
+                </a:lnTo>
+                <a:close/>
+                <a:moveTo>
+                  <a:pt x="296862" y="847725"/>
+                </a:moveTo>
+                <a:lnTo>
+                  <a:pt x="1404937" y="847725"/>
+                </a:lnTo>
+                <a:lnTo>
+                  <a:pt x="1404937" y="987425"/>
+                </a:lnTo>
+                <a:lnTo>
+                  <a:pt x="296862" y="987425"/>
+                </a:lnTo>
+                <a:lnTo>
+                  <a:pt x="296862" y="847725"/>
+                </a:lnTo>
+                <a:close/>
+                <a:moveTo>
+                  <a:pt x="869950" y="565150"/>
+                </a:moveTo>
+                <a:lnTo>
+                  <a:pt x="1408113" y="565150"/>
+                </a:lnTo>
+                <a:lnTo>
+                  <a:pt x="1408113" y="706438"/>
+                </a:lnTo>
+                <a:lnTo>
+                  <a:pt x="869950" y="706438"/>
+                </a:lnTo>
+                <a:lnTo>
+                  <a:pt x="869950" y="565150"/>
+                </a:lnTo>
+                <a:close/>
+                <a:moveTo>
+                  <a:pt x="1869440" y="276225"/>
+                </a:moveTo>
+                <a:lnTo>
+                  <a:pt x="1877695" y="276543"/>
+                </a:lnTo>
+                <a:lnTo>
+                  <a:pt x="1885950" y="276860"/>
+                </a:lnTo>
+                <a:lnTo>
+                  <a:pt x="1894522" y="278130"/>
+                </a:lnTo>
+                <a:lnTo>
+                  <a:pt x="1902460" y="279400"/>
+                </a:lnTo>
+                <a:lnTo>
+                  <a:pt x="1910080" y="281305"/>
+                </a:lnTo>
+                <a:lnTo>
+                  <a:pt x="1918017" y="283528"/>
+                </a:lnTo>
+                <a:lnTo>
+                  <a:pt x="1925955" y="286068"/>
+                </a:lnTo>
+                <a:lnTo>
+                  <a:pt x="1933257" y="288925"/>
+                </a:lnTo>
+                <a:lnTo>
+                  <a:pt x="1940242" y="292418"/>
+                </a:lnTo>
+                <a:lnTo>
+                  <a:pt x="1947545" y="296228"/>
+                </a:lnTo>
+                <a:lnTo>
+                  <a:pt x="1954530" y="299720"/>
+                </a:lnTo>
+                <a:lnTo>
+                  <a:pt x="1961197" y="304165"/>
+                </a:lnTo>
+                <a:lnTo>
+                  <a:pt x="1967865" y="308928"/>
+                </a:lnTo>
+                <a:lnTo>
+                  <a:pt x="1973897" y="313690"/>
+                </a:lnTo>
+                <a:lnTo>
+                  <a:pt x="1979612" y="318770"/>
+                </a:lnTo>
+                <a:lnTo>
+                  <a:pt x="1985645" y="324168"/>
+                </a:lnTo>
+                <a:lnTo>
+                  <a:pt x="1991042" y="330200"/>
+                </a:lnTo>
+                <a:lnTo>
+                  <a:pt x="1996122" y="335915"/>
+                </a:lnTo>
+                <a:lnTo>
+                  <a:pt x="2000885" y="342265"/>
+                </a:lnTo>
+                <a:lnTo>
+                  <a:pt x="2005647" y="348615"/>
+                </a:lnTo>
+                <a:lnTo>
+                  <a:pt x="2010092" y="355283"/>
+                </a:lnTo>
+                <a:lnTo>
+                  <a:pt x="2013585" y="362268"/>
+                </a:lnTo>
+                <a:lnTo>
+                  <a:pt x="2017395" y="369570"/>
+                </a:lnTo>
+                <a:lnTo>
+                  <a:pt x="2020570" y="376873"/>
+                </a:lnTo>
+                <a:lnTo>
+                  <a:pt x="2023745" y="384175"/>
+                </a:lnTo>
+                <a:lnTo>
+                  <a:pt x="2026285" y="391795"/>
+                </a:lnTo>
+                <a:lnTo>
+                  <a:pt x="2028507" y="399733"/>
+                </a:lnTo>
+                <a:lnTo>
+                  <a:pt x="2030412" y="407670"/>
+                </a:lnTo>
+                <a:lnTo>
+                  <a:pt x="2032000" y="415608"/>
+                </a:lnTo>
+                <a:lnTo>
+                  <a:pt x="2032952" y="423863"/>
+                </a:lnTo>
+                <a:lnTo>
+                  <a:pt x="2033270" y="432118"/>
+                </a:lnTo>
+                <a:lnTo>
+                  <a:pt x="2033587" y="440373"/>
+                </a:lnTo>
+                <a:lnTo>
+                  <a:pt x="2033587" y="2112328"/>
+                </a:lnTo>
+                <a:lnTo>
+                  <a:pt x="2033270" y="2120583"/>
+                </a:lnTo>
+                <a:lnTo>
+                  <a:pt x="2032952" y="2128838"/>
+                </a:lnTo>
+                <a:lnTo>
+                  <a:pt x="2032000" y="2137410"/>
+                </a:lnTo>
+                <a:lnTo>
+                  <a:pt x="2030412" y="2145348"/>
+                </a:lnTo>
+                <a:lnTo>
+                  <a:pt x="2028507" y="2153285"/>
+                </a:lnTo>
+                <a:lnTo>
+                  <a:pt x="2026285" y="2160905"/>
+                </a:lnTo>
+                <a:lnTo>
+                  <a:pt x="2023745" y="2168525"/>
+                </a:lnTo>
+                <a:lnTo>
+                  <a:pt x="2020570" y="2175828"/>
+                </a:lnTo>
+                <a:lnTo>
+                  <a:pt x="2017395" y="2183130"/>
+                </a:lnTo>
+                <a:lnTo>
+                  <a:pt x="2013585" y="2190433"/>
+                </a:lnTo>
+                <a:lnTo>
+                  <a:pt x="2010092" y="2197418"/>
+                </a:lnTo>
+                <a:lnTo>
+                  <a:pt x="2005647" y="2204085"/>
+                </a:lnTo>
+                <a:lnTo>
+                  <a:pt x="2000885" y="2210435"/>
+                </a:lnTo>
+                <a:lnTo>
+                  <a:pt x="1996122" y="2216785"/>
+                </a:lnTo>
+                <a:lnTo>
+                  <a:pt x="1991042" y="2222500"/>
+                </a:lnTo>
+                <a:lnTo>
+                  <a:pt x="1985645" y="2228533"/>
+                </a:lnTo>
+                <a:lnTo>
+                  <a:pt x="1979612" y="2233930"/>
+                </a:lnTo>
+                <a:lnTo>
+                  <a:pt x="1973897" y="2239010"/>
+                </a:lnTo>
+                <a:lnTo>
+                  <a:pt x="1967865" y="2243773"/>
+                </a:lnTo>
+                <a:lnTo>
+                  <a:pt x="1961197" y="2248535"/>
+                </a:lnTo>
+                <a:lnTo>
+                  <a:pt x="1954530" y="2252980"/>
+                </a:lnTo>
+                <a:lnTo>
+                  <a:pt x="1947545" y="2256790"/>
+                </a:lnTo>
+                <a:lnTo>
+                  <a:pt x="1940242" y="2260600"/>
+                </a:lnTo>
+                <a:lnTo>
+                  <a:pt x="1933257" y="2263775"/>
+                </a:lnTo>
+                <a:lnTo>
+                  <a:pt x="1925955" y="2266633"/>
+                </a:lnTo>
+                <a:lnTo>
+                  <a:pt x="1918017" y="2269173"/>
+                </a:lnTo>
+                <a:lnTo>
+                  <a:pt x="1910080" y="2271395"/>
+                </a:lnTo>
+                <a:lnTo>
+                  <a:pt x="1902460" y="2273300"/>
+                </a:lnTo>
+                <a:lnTo>
+                  <a:pt x="1894522" y="2274888"/>
+                </a:lnTo>
+                <a:lnTo>
+                  <a:pt x="1885950" y="2275840"/>
+                </a:lnTo>
+                <a:lnTo>
+                  <a:pt x="1877695" y="2276475"/>
+                </a:lnTo>
+                <a:lnTo>
+                  <a:pt x="1869440" y="2276475"/>
+                </a:lnTo>
+                <a:lnTo>
+                  <a:pt x="480377" y="2276475"/>
+                </a:lnTo>
+                <a:lnTo>
+                  <a:pt x="471805" y="2276475"/>
+                </a:lnTo>
+                <a:lnTo>
+                  <a:pt x="463550" y="2275840"/>
+                </a:lnTo>
+                <a:lnTo>
+                  <a:pt x="455295" y="2274888"/>
+                </a:lnTo>
+                <a:lnTo>
+                  <a:pt x="447040" y="2273300"/>
+                </a:lnTo>
+                <a:lnTo>
+                  <a:pt x="439102" y="2271395"/>
+                </a:lnTo>
+                <a:lnTo>
+                  <a:pt x="431482" y="2269173"/>
+                </a:lnTo>
+                <a:lnTo>
+                  <a:pt x="423862" y="2266633"/>
+                </a:lnTo>
+                <a:lnTo>
+                  <a:pt x="416242" y="2263775"/>
+                </a:lnTo>
+                <a:lnTo>
+                  <a:pt x="408940" y="2260600"/>
+                </a:lnTo>
+                <a:lnTo>
+                  <a:pt x="401955" y="2256790"/>
+                </a:lnTo>
+                <a:lnTo>
+                  <a:pt x="394970" y="2252980"/>
+                </a:lnTo>
+                <a:lnTo>
+                  <a:pt x="388620" y="2248535"/>
+                </a:lnTo>
+                <a:lnTo>
+                  <a:pt x="381952" y="2243773"/>
+                </a:lnTo>
+                <a:lnTo>
+                  <a:pt x="375602" y="2239010"/>
+                </a:lnTo>
+                <a:lnTo>
+                  <a:pt x="369887" y="2233930"/>
+                </a:lnTo>
+                <a:lnTo>
+                  <a:pt x="364172" y="2228533"/>
+                </a:lnTo>
+                <a:lnTo>
+                  <a:pt x="358457" y="2222500"/>
+                </a:lnTo>
+                <a:lnTo>
+                  <a:pt x="353377" y="2216785"/>
+                </a:lnTo>
+                <a:lnTo>
+                  <a:pt x="348297" y="2210435"/>
+                </a:lnTo>
+                <a:lnTo>
+                  <a:pt x="343852" y="2204085"/>
+                </a:lnTo>
+                <a:lnTo>
+                  <a:pt x="339725" y="2197418"/>
+                </a:lnTo>
+                <a:lnTo>
+                  <a:pt x="335597" y="2190433"/>
+                </a:lnTo>
+                <a:lnTo>
+                  <a:pt x="332105" y="2183130"/>
+                </a:lnTo>
+                <a:lnTo>
+                  <a:pt x="328612" y="2175828"/>
+                </a:lnTo>
+                <a:lnTo>
+                  <a:pt x="325755" y="2168525"/>
+                </a:lnTo>
+                <a:lnTo>
+                  <a:pt x="323215" y="2160905"/>
+                </a:lnTo>
+                <a:lnTo>
+                  <a:pt x="320992" y="2153285"/>
+                </a:lnTo>
+                <a:lnTo>
+                  <a:pt x="319087" y="2145348"/>
+                </a:lnTo>
+                <a:lnTo>
+                  <a:pt x="317817" y="2137410"/>
+                </a:lnTo>
+                <a:lnTo>
+                  <a:pt x="316547" y="2128838"/>
+                </a:lnTo>
+                <a:lnTo>
+                  <a:pt x="315912" y="2120583"/>
+                </a:lnTo>
+                <a:lnTo>
+                  <a:pt x="315912" y="2112328"/>
+                </a:lnTo>
+                <a:lnTo>
+                  <a:pt x="456565" y="2112328"/>
+                </a:lnTo>
+                <a:lnTo>
+                  <a:pt x="456882" y="2114868"/>
+                </a:lnTo>
+                <a:lnTo>
+                  <a:pt x="457200" y="2116773"/>
+                </a:lnTo>
+                <a:lnTo>
+                  <a:pt x="457835" y="2118995"/>
+                </a:lnTo>
+                <a:lnTo>
+                  <a:pt x="458470" y="2121218"/>
+                </a:lnTo>
+                <a:lnTo>
+                  <a:pt x="459422" y="2123440"/>
+                </a:lnTo>
+                <a:lnTo>
+                  <a:pt x="460692" y="2125345"/>
+                </a:lnTo>
+                <a:lnTo>
+                  <a:pt x="463550" y="2128838"/>
+                </a:lnTo>
+                <a:lnTo>
+                  <a:pt x="467042" y="2132013"/>
+                </a:lnTo>
+                <a:lnTo>
+                  <a:pt x="468947" y="2132965"/>
+                </a:lnTo>
+                <a:lnTo>
+                  <a:pt x="471170" y="2133918"/>
+                </a:lnTo>
+                <a:lnTo>
+                  <a:pt x="473392" y="2134870"/>
+                </a:lnTo>
+                <a:lnTo>
+                  <a:pt x="475615" y="2135188"/>
+                </a:lnTo>
+                <a:lnTo>
+                  <a:pt x="477837" y="2135505"/>
+                </a:lnTo>
+                <a:lnTo>
+                  <a:pt x="480377" y="2135823"/>
+                </a:lnTo>
+                <a:lnTo>
+                  <a:pt x="1869440" y="2135823"/>
+                </a:lnTo>
+                <a:lnTo>
+                  <a:pt x="1871980" y="2135505"/>
+                </a:lnTo>
+                <a:lnTo>
+                  <a:pt x="1874202" y="2135188"/>
+                </a:lnTo>
+                <a:lnTo>
+                  <a:pt x="1876107" y="2134870"/>
+                </a:lnTo>
+                <a:lnTo>
+                  <a:pt x="1878330" y="2133918"/>
+                </a:lnTo>
+                <a:lnTo>
+                  <a:pt x="1880552" y="2132965"/>
+                </a:lnTo>
+                <a:lnTo>
+                  <a:pt x="1882457" y="2132013"/>
+                </a:lnTo>
+                <a:lnTo>
+                  <a:pt x="1885950" y="2128838"/>
+                </a:lnTo>
+                <a:lnTo>
+                  <a:pt x="1888490" y="2125345"/>
+                </a:lnTo>
+                <a:lnTo>
+                  <a:pt x="1890077" y="2123440"/>
+                </a:lnTo>
+                <a:lnTo>
+                  <a:pt x="1890712" y="2121218"/>
+                </a:lnTo>
+                <a:lnTo>
+                  <a:pt x="1891982" y="2118995"/>
+                </a:lnTo>
+                <a:lnTo>
+                  <a:pt x="1892300" y="2116773"/>
+                </a:lnTo>
+                <a:lnTo>
+                  <a:pt x="1892617" y="2114868"/>
+                </a:lnTo>
+                <a:lnTo>
+                  <a:pt x="1892617" y="2112328"/>
+                </a:lnTo>
+                <a:lnTo>
+                  <a:pt x="1892617" y="440373"/>
+                </a:lnTo>
+                <a:lnTo>
+                  <a:pt x="1892617" y="438468"/>
+                </a:lnTo>
+                <a:lnTo>
+                  <a:pt x="1892300" y="435928"/>
+                </a:lnTo>
+                <a:lnTo>
+                  <a:pt x="1891982" y="433705"/>
+                </a:lnTo>
+                <a:lnTo>
+                  <a:pt x="1890712" y="431483"/>
+                </a:lnTo>
+                <a:lnTo>
+                  <a:pt x="1890077" y="429578"/>
+                </a:lnTo>
+                <a:lnTo>
+                  <a:pt x="1888490" y="427355"/>
+                </a:lnTo>
+                <a:lnTo>
+                  <a:pt x="1885950" y="424180"/>
+                </a:lnTo>
+                <a:lnTo>
+                  <a:pt x="1882457" y="421323"/>
+                </a:lnTo>
+                <a:lnTo>
+                  <a:pt x="1880552" y="420053"/>
+                </a:lnTo>
+                <a:lnTo>
+                  <a:pt x="1878330" y="419100"/>
+                </a:lnTo>
+                <a:lnTo>
+                  <a:pt x="1876107" y="418148"/>
+                </a:lnTo>
+                <a:lnTo>
+                  <a:pt x="1874202" y="417513"/>
+                </a:lnTo>
+                <a:lnTo>
+                  <a:pt x="1871980" y="417195"/>
+                </a:lnTo>
+                <a:lnTo>
+                  <a:pt x="1869440" y="417195"/>
+                </a:lnTo>
+                <a:lnTo>
+                  <a:pt x="1869440" y="276225"/>
+                </a:lnTo>
+                <a:close/>
+                <a:moveTo>
+                  <a:pt x="589072" y="140970"/>
+                </a:moveTo>
+                <a:lnTo>
+                  <a:pt x="589072" y="424815"/>
+                </a:lnTo>
+                <a:lnTo>
+                  <a:pt x="588754" y="433070"/>
+                </a:lnTo>
+                <a:lnTo>
+                  <a:pt x="588436" y="441643"/>
+                </a:lnTo>
+                <a:lnTo>
+                  <a:pt x="587166" y="449580"/>
+                </a:lnTo>
+                <a:lnTo>
+                  <a:pt x="585896" y="458153"/>
+                </a:lnTo>
+                <a:lnTo>
+                  <a:pt x="583991" y="465773"/>
+                </a:lnTo>
+                <a:lnTo>
+                  <a:pt x="581768" y="473710"/>
+                </a:lnTo>
+                <a:lnTo>
+                  <a:pt x="579227" y="481330"/>
+                </a:lnTo>
+                <a:lnTo>
+                  <a:pt x="576052" y="488633"/>
+                </a:lnTo>
+                <a:lnTo>
+                  <a:pt x="572876" y="495935"/>
+                </a:lnTo>
+                <a:lnTo>
+                  <a:pt x="569065" y="503238"/>
+                </a:lnTo>
+                <a:lnTo>
+                  <a:pt x="565572" y="509905"/>
+                </a:lnTo>
+                <a:lnTo>
+                  <a:pt x="561126" y="516573"/>
+                </a:lnTo>
+                <a:lnTo>
+                  <a:pt x="556363" y="522923"/>
+                </a:lnTo>
+                <a:lnTo>
+                  <a:pt x="551600" y="528955"/>
+                </a:lnTo>
+                <a:lnTo>
+                  <a:pt x="546519" y="535305"/>
+                </a:lnTo>
+                <a:lnTo>
+                  <a:pt x="541120" y="541020"/>
+                </a:lnTo>
+                <a:lnTo>
+                  <a:pt x="535087" y="546100"/>
+                </a:lnTo>
+                <a:lnTo>
+                  <a:pt x="529371" y="551815"/>
+                </a:lnTo>
+                <a:lnTo>
+                  <a:pt x="522702" y="556260"/>
+                </a:lnTo>
+                <a:lnTo>
+                  <a:pt x="516668" y="561023"/>
+                </a:lnTo>
+                <a:lnTo>
+                  <a:pt x="509682" y="565150"/>
+                </a:lnTo>
+                <a:lnTo>
+                  <a:pt x="503013" y="569278"/>
+                </a:lnTo>
+                <a:lnTo>
+                  <a:pt x="495709" y="572770"/>
+                </a:lnTo>
+                <a:lnTo>
+                  <a:pt x="488406" y="575945"/>
+                </a:lnTo>
+                <a:lnTo>
+                  <a:pt x="481102" y="579120"/>
+                </a:lnTo>
+                <a:lnTo>
+                  <a:pt x="473480" y="581978"/>
+                </a:lnTo>
+                <a:lnTo>
+                  <a:pt x="465541" y="584200"/>
+                </a:lnTo>
+                <a:lnTo>
+                  <a:pt x="457602" y="585788"/>
+                </a:lnTo>
+                <a:lnTo>
+                  <a:pt x="449663" y="587375"/>
+                </a:lnTo>
+                <a:lnTo>
+                  <a:pt x="441407" y="588328"/>
+                </a:lnTo>
+                <a:lnTo>
+                  <a:pt x="433150" y="588963"/>
+                </a:lnTo>
+                <a:lnTo>
+                  <a:pt x="424576" y="589280"/>
+                </a:lnTo>
+                <a:lnTo>
+                  <a:pt x="140678" y="589280"/>
+                </a:lnTo>
+                <a:lnTo>
+                  <a:pt x="140678" y="1836103"/>
+                </a:lnTo>
+                <a:lnTo>
+                  <a:pt x="140678" y="1838643"/>
+                </a:lnTo>
+                <a:lnTo>
+                  <a:pt x="140996" y="1840548"/>
+                </a:lnTo>
+                <a:lnTo>
+                  <a:pt x="141948" y="1842770"/>
+                </a:lnTo>
+                <a:lnTo>
+                  <a:pt x="142584" y="1844993"/>
+                </a:lnTo>
+                <a:lnTo>
+                  <a:pt x="143536" y="1847215"/>
+                </a:lnTo>
+                <a:lnTo>
+                  <a:pt x="144807" y="1849120"/>
+                </a:lnTo>
+                <a:lnTo>
+                  <a:pt x="147665" y="1852613"/>
+                </a:lnTo>
+                <a:lnTo>
+                  <a:pt x="151475" y="1855470"/>
+                </a:lnTo>
+                <a:lnTo>
+                  <a:pt x="153063" y="1856740"/>
+                </a:lnTo>
+                <a:lnTo>
+                  <a:pt x="155286" y="1857693"/>
+                </a:lnTo>
+                <a:lnTo>
+                  <a:pt x="157191" y="1858645"/>
+                </a:lnTo>
+                <a:lnTo>
+                  <a:pt x="159732" y="1858963"/>
+                </a:lnTo>
+                <a:lnTo>
+                  <a:pt x="161955" y="1859280"/>
+                </a:lnTo>
+                <a:lnTo>
+                  <a:pt x="164495" y="1859598"/>
+                </a:lnTo>
+                <a:lnTo>
+                  <a:pt x="1553180" y="1859598"/>
+                </a:lnTo>
+                <a:lnTo>
+                  <a:pt x="1556038" y="1859280"/>
+                </a:lnTo>
+                <a:lnTo>
+                  <a:pt x="1557943" y="1858963"/>
+                </a:lnTo>
+                <a:lnTo>
+                  <a:pt x="1560484" y="1858645"/>
+                </a:lnTo>
+                <a:lnTo>
+                  <a:pt x="1562389" y="1857693"/>
+                </a:lnTo>
+                <a:lnTo>
+                  <a:pt x="1564612" y="1856740"/>
+                </a:lnTo>
+                <a:lnTo>
+                  <a:pt x="1566517" y="1855470"/>
+                </a:lnTo>
+                <a:lnTo>
+                  <a:pt x="1570010" y="1852613"/>
+                </a:lnTo>
+                <a:lnTo>
+                  <a:pt x="1572868" y="1849120"/>
+                </a:lnTo>
+                <a:lnTo>
+                  <a:pt x="1574139" y="1847215"/>
+                </a:lnTo>
+                <a:lnTo>
+                  <a:pt x="1575091" y="1844993"/>
+                </a:lnTo>
+                <a:lnTo>
+                  <a:pt x="1576044" y="1842770"/>
+                </a:lnTo>
+                <a:lnTo>
+                  <a:pt x="1576679" y="1840548"/>
+                </a:lnTo>
+                <a:lnTo>
+                  <a:pt x="1576997" y="1838643"/>
+                </a:lnTo>
+                <a:lnTo>
+                  <a:pt x="1576997" y="1836103"/>
+                </a:lnTo>
+                <a:lnTo>
+                  <a:pt x="1576997" y="164782"/>
+                </a:lnTo>
+                <a:lnTo>
+                  <a:pt x="1576997" y="161925"/>
+                </a:lnTo>
+                <a:lnTo>
+                  <a:pt x="1576679" y="160020"/>
+                </a:lnTo>
+                <a:lnTo>
+                  <a:pt x="1576044" y="157480"/>
+                </a:lnTo>
+                <a:lnTo>
+                  <a:pt x="1575091" y="155257"/>
+                </a:lnTo>
+                <a:lnTo>
+                  <a:pt x="1574139" y="153352"/>
+                </a:lnTo>
+                <a:lnTo>
+                  <a:pt x="1572868" y="151447"/>
+                </a:lnTo>
+                <a:lnTo>
+                  <a:pt x="1570010" y="147955"/>
+                </a:lnTo>
+                <a:lnTo>
+                  <a:pt x="1566517" y="145097"/>
+                </a:lnTo>
+                <a:lnTo>
+                  <a:pt x="1564612" y="143827"/>
+                </a:lnTo>
+                <a:lnTo>
+                  <a:pt x="1562389" y="142875"/>
+                </a:lnTo>
+                <a:lnTo>
+                  <a:pt x="1560484" y="141922"/>
+                </a:lnTo>
+                <a:lnTo>
+                  <a:pt x="1557943" y="141287"/>
+                </a:lnTo>
+                <a:lnTo>
+                  <a:pt x="1556038" y="140970"/>
+                </a:lnTo>
+                <a:lnTo>
+                  <a:pt x="1553180" y="140970"/>
+                </a:lnTo>
+                <a:lnTo>
+                  <a:pt x="589072" y="140970"/>
+                </a:lnTo>
+                <a:close/>
+                <a:moveTo>
+                  <a:pt x="489358" y="0"/>
+                </a:moveTo>
+                <a:lnTo>
+                  <a:pt x="1553180" y="0"/>
+                </a:lnTo>
+                <a:lnTo>
+                  <a:pt x="1562071" y="317"/>
+                </a:lnTo>
+                <a:lnTo>
+                  <a:pt x="1570010" y="952"/>
+                </a:lnTo>
+                <a:lnTo>
+                  <a:pt x="1578584" y="2222"/>
+                </a:lnTo>
+                <a:lnTo>
+                  <a:pt x="1586523" y="3492"/>
+                </a:lnTo>
+                <a:lnTo>
+                  <a:pt x="1594462" y="5397"/>
+                </a:lnTo>
+                <a:lnTo>
+                  <a:pt x="1602084" y="7620"/>
+                </a:lnTo>
+                <a:lnTo>
+                  <a:pt x="1609705" y="10160"/>
+                </a:lnTo>
+                <a:lnTo>
+                  <a:pt x="1617644" y="13017"/>
+                </a:lnTo>
+                <a:lnTo>
+                  <a:pt x="1624630" y="16192"/>
+                </a:lnTo>
+                <a:lnTo>
+                  <a:pt x="1631617" y="20002"/>
+                </a:lnTo>
+                <a:lnTo>
+                  <a:pt x="1638603" y="23812"/>
+                </a:lnTo>
+                <a:lnTo>
+                  <a:pt x="1645589" y="28257"/>
+                </a:lnTo>
+                <a:lnTo>
+                  <a:pt x="1651623" y="32702"/>
+                </a:lnTo>
+                <a:lnTo>
+                  <a:pt x="1657974" y="37782"/>
+                </a:lnTo>
+                <a:lnTo>
+                  <a:pt x="1664008" y="42862"/>
+                </a:lnTo>
+                <a:lnTo>
+                  <a:pt x="1669724" y="48260"/>
+                </a:lnTo>
+                <a:lnTo>
+                  <a:pt x="1675122" y="53975"/>
+                </a:lnTo>
+                <a:lnTo>
+                  <a:pt x="1680203" y="60007"/>
+                </a:lnTo>
+                <a:lnTo>
+                  <a:pt x="1685284" y="66357"/>
+                </a:lnTo>
+                <a:lnTo>
+                  <a:pt x="1689730" y="72390"/>
+                </a:lnTo>
+                <a:lnTo>
+                  <a:pt x="1694176" y="79375"/>
+                </a:lnTo>
+                <a:lnTo>
+                  <a:pt x="1697987" y="86360"/>
+                </a:lnTo>
+                <a:lnTo>
+                  <a:pt x="1701797" y="93345"/>
+                </a:lnTo>
+                <a:lnTo>
+                  <a:pt x="1704973" y="100647"/>
+                </a:lnTo>
+                <a:lnTo>
+                  <a:pt x="1707831" y="108267"/>
+                </a:lnTo>
+                <a:lnTo>
+                  <a:pt x="1710371" y="115570"/>
+                </a:lnTo>
+                <a:lnTo>
+                  <a:pt x="1712594" y="123507"/>
+                </a:lnTo>
+                <a:lnTo>
+                  <a:pt x="1714500" y="131445"/>
+                </a:lnTo>
+                <a:lnTo>
+                  <a:pt x="1715770" y="139382"/>
+                </a:lnTo>
+                <a:lnTo>
+                  <a:pt x="1717040" y="147637"/>
+                </a:lnTo>
+                <a:lnTo>
+                  <a:pt x="1717675" y="155892"/>
+                </a:lnTo>
+                <a:lnTo>
+                  <a:pt x="1717675" y="164782"/>
+                </a:lnTo>
+                <a:lnTo>
+                  <a:pt x="1717675" y="1836103"/>
+                </a:lnTo>
+                <a:lnTo>
+                  <a:pt x="1717675" y="1844358"/>
+                </a:lnTo>
+                <a:lnTo>
+                  <a:pt x="1717040" y="1852613"/>
+                </a:lnTo>
+                <a:lnTo>
+                  <a:pt x="1715770" y="1861185"/>
+                </a:lnTo>
+                <a:lnTo>
+                  <a:pt x="1714500" y="1869123"/>
+                </a:lnTo>
+                <a:lnTo>
+                  <a:pt x="1712594" y="1877060"/>
+                </a:lnTo>
+                <a:lnTo>
+                  <a:pt x="1710371" y="1884680"/>
+                </a:lnTo>
+                <a:lnTo>
+                  <a:pt x="1707831" y="1892300"/>
+                </a:lnTo>
+                <a:lnTo>
+                  <a:pt x="1704973" y="1900238"/>
+                </a:lnTo>
+                <a:lnTo>
+                  <a:pt x="1701797" y="1907223"/>
+                </a:lnTo>
+                <a:lnTo>
+                  <a:pt x="1697987" y="1914208"/>
+                </a:lnTo>
+                <a:lnTo>
+                  <a:pt x="1694176" y="1921193"/>
+                </a:lnTo>
+                <a:lnTo>
+                  <a:pt x="1689730" y="1927860"/>
+                </a:lnTo>
+                <a:lnTo>
+                  <a:pt x="1685284" y="1934210"/>
+                </a:lnTo>
+                <a:lnTo>
+                  <a:pt x="1680203" y="1940560"/>
+                </a:lnTo>
+                <a:lnTo>
+                  <a:pt x="1675122" y="1946275"/>
+                </a:lnTo>
+                <a:lnTo>
+                  <a:pt x="1669724" y="1952308"/>
+                </a:lnTo>
+                <a:lnTo>
+                  <a:pt x="1664008" y="1957705"/>
+                </a:lnTo>
+                <a:lnTo>
+                  <a:pt x="1657974" y="1962785"/>
+                </a:lnTo>
+                <a:lnTo>
+                  <a:pt x="1651623" y="1967865"/>
+                </a:lnTo>
+                <a:lnTo>
+                  <a:pt x="1645589" y="1972310"/>
+                </a:lnTo>
+                <a:lnTo>
+                  <a:pt x="1638603" y="1976755"/>
+                </a:lnTo>
+                <a:lnTo>
+                  <a:pt x="1631617" y="1980565"/>
+                </a:lnTo>
+                <a:lnTo>
+                  <a:pt x="1624630" y="1984375"/>
+                </a:lnTo>
+                <a:lnTo>
+                  <a:pt x="1617644" y="1987550"/>
+                </a:lnTo>
+                <a:lnTo>
+                  <a:pt x="1609705" y="1990408"/>
+                </a:lnTo>
+                <a:lnTo>
+                  <a:pt x="1602084" y="1992948"/>
+                </a:lnTo>
+                <a:lnTo>
+                  <a:pt x="1594462" y="1995170"/>
+                </a:lnTo>
+                <a:lnTo>
+                  <a:pt x="1586523" y="1997075"/>
+                </a:lnTo>
+                <a:lnTo>
+                  <a:pt x="1578584" y="1998345"/>
+                </a:lnTo>
+                <a:lnTo>
+                  <a:pt x="1570010" y="1999615"/>
+                </a:lnTo>
+                <a:lnTo>
+                  <a:pt x="1562071" y="2000250"/>
+                </a:lnTo>
+                <a:lnTo>
+                  <a:pt x="1553180" y="2000250"/>
+                </a:lnTo>
+                <a:lnTo>
+                  <a:pt x="164495" y="2000250"/>
+                </a:lnTo>
+                <a:lnTo>
+                  <a:pt x="155604" y="2000250"/>
+                </a:lnTo>
+                <a:lnTo>
+                  <a:pt x="147665" y="1999615"/>
+                </a:lnTo>
+                <a:lnTo>
+                  <a:pt x="139408" y="1998345"/>
+                </a:lnTo>
+                <a:lnTo>
+                  <a:pt x="131152" y="1997075"/>
+                </a:lnTo>
+                <a:lnTo>
+                  <a:pt x="123213" y="1995170"/>
+                </a:lnTo>
+                <a:lnTo>
+                  <a:pt x="115591" y="1992948"/>
+                </a:lnTo>
+                <a:lnTo>
+                  <a:pt x="107970" y="1990408"/>
+                </a:lnTo>
+                <a:lnTo>
+                  <a:pt x="100348" y="1987550"/>
+                </a:lnTo>
+                <a:lnTo>
+                  <a:pt x="93044" y="1984375"/>
+                </a:lnTo>
+                <a:lnTo>
+                  <a:pt x="86058" y="1980565"/>
+                </a:lnTo>
+                <a:lnTo>
+                  <a:pt x="79072" y="1976755"/>
+                </a:lnTo>
+                <a:lnTo>
+                  <a:pt x="72721" y="1972310"/>
+                </a:lnTo>
+                <a:lnTo>
+                  <a:pt x="66052" y="1967865"/>
+                </a:lnTo>
+                <a:lnTo>
+                  <a:pt x="59701" y="1962785"/>
+                </a:lnTo>
+                <a:lnTo>
+                  <a:pt x="53667" y="1957705"/>
+                </a:lnTo>
+                <a:lnTo>
+                  <a:pt x="48269" y="1952308"/>
+                </a:lnTo>
+                <a:lnTo>
+                  <a:pt x="42553" y="1946275"/>
+                </a:lnTo>
+                <a:lnTo>
+                  <a:pt x="37472" y="1940560"/>
+                </a:lnTo>
+                <a:lnTo>
+                  <a:pt x="32391" y="1934210"/>
+                </a:lnTo>
+                <a:lnTo>
+                  <a:pt x="27945" y="1927860"/>
+                </a:lnTo>
+                <a:lnTo>
+                  <a:pt x="23817" y="1921193"/>
+                </a:lnTo>
+                <a:lnTo>
+                  <a:pt x="19688" y="1914208"/>
+                </a:lnTo>
+                <a:lnTo>
+                  <a:pt x="16195" y="1907223"/>
+                </a:lnTo>
+                <a:lnTo>
+                  <a:pt x="12702" y="1900238"/>
+                </a:lnTo>
+                <a:lnTo>
+                  <a:pt x="9844" y="1892300"/>
+                </a:lnTo>
+                <a:lnTo>
+                  <a:pt x="7304" y="1884680"/>
+                </a:lnTo>
+                <a:lnTo>
+                  <a:pt x="5081" y="1877060"/>
+                </a:lnTo>
+                <a:lnTo>
+                  <a:pt x="3175" y="1869123"/>
+                </a:lnTo>
+                <a:lnTo>
+                  <a:pt x="1905" y="1861185"/>
+                </a:lnTo>
+                <a:lnTo>
+                  <a:pt x="635" y="1852613"/>
+                </a:lnTo>
+                <a:lnTo>
+                  <a:pt x="0" y="1844358"/>
+                </a:lnTo>
+                <a:lnTo>
+                  <a:pt x="0" y="1836103"/>
+                </a:lnTo>
+                <a:lnTo>
+                  <a:pt x="0" y="489585"/>
+                </a:lnTo>
+                <a:lnTo>
+                  <a:pt x="489358" y="0"/>
+                </a:lnTo>
+                <a:close/>
+              </a:path>
+            </a:pathLst>
+          </a:custGeom>
+          <a:solidFill>
+            <a:srgbClr val="8FAADC"/>
+          </a:solidFill>
+          <a:ln>
+            <a:noFill/>
+          </a:ln>
+          <a:effectLst/>
+        </p:spPr>
+        <p:style>
+          <a:lnRef idx="2">
+            <a:schemeClr val="accent1">
+              <a:shade val="50000"/>
+            </a:schemeClr>
+          </a:lnRef>
+          <a:fillRef idx="1">
+            <a:schemeClr val="accent1"/>
+          </a:fillRef>
+          <a:effectRef idx="0">
+            <a:schemeClr val="accent1"/>
+          </a:effectRef>
+          <a:fontRef idx="minor">
+            <a:schemeClr val="lt1"/>
+          </a:fontRef>
+        </p:style>
+        <p:txBody>
+          <a:bodyPr anchor="ctr"/>
+          <a:lstStyle/>
+          <a:p>
+            <a:pPr algn="ctr">
+              <a:defRPr/>
+            </a:pPr>
+            <a:endParaRPr lang="zh-CN" altLang="en-US">
+              <a:solidFill>
+                <a:schemeClr val="tx2"/>
+              </a:solidFill>
+            </a:endParaRPr>
+          </a:p>
+        </p:txBody>
+      </p:sp>
+      <p:sp>
+        <p:nvSpPr>
+          <p:cNvPr id="7" name="文本框 1"/>
+          <p:cNvSpPr>
+            <a:spLocks noChangeArrowheads="1"/>
+          </p:cNvSpPr>
+          <p:nvPr/>
+        </p:nvSpPr>
+        <p:spPr bwMode="auto">
+          <a:xfrm>
+            <a:off x="3353234" y="2780418"/>
+            <a:ext cx="1223412" cy="461665"/>
+          </a:xfrm>
+          <a:prstGeom prst="rect">
+            <a:avLst/>
+          </a:prstGeom>
+          <a:noFill/>
+          <a:ln>
+            <a:noFill/>
+          </a:ln>
+        </p:spPr>
+        <p:txBody>
+          <a:bodyPr wrap="none">
+            <a:spAutoFit/>
+          </a:bodyPr>
+          <a:lstStyle/>
+          <a:p>
+            <a:pPr algn="ctr">
+              <a:defRPr/>
+            </a:pPr>
+            <a:r>
+              <a:rPr lang="zh-CN" altLang="en-US" sz="2400" b="1" spc="300" dirty="0">
+                <a:solidFill>
+                  <a:srgbClr val="8FAADC"/>
+                </a:solidFill>
+                <a:latin typeface="微软雅黑" panose="020B0503020204020204" pitchFamily="34" charset="-122"/>
+                <a:ea typeface="微软雅黑" panose="020B0503020204020204" pitchFamily="34" charset="-122"/>
+                <a:sym typeface="微软雅黑" panose="020B0503020204020204" pitchFamily="34" charset="-122"/>
+              </a:rPr>
+              <a:t>控制流</a:t>
+            </a:r>
+          </a:p>
+        </p:txBody>
+      </p:sp>
+      <p:sp>
+        <p:nvSpPr>
+          <p:cNvPr id="8" name="文本框 17"/>
+          <p:cNvSpPr txBox="1">
+            <a:spLocks noChangeArrowheads="1"/>
+          </p:cNvSpPr>
+          <p:nvPr/>
+        </p:nvSpPr>
+        <p:spPr bwMode="auto">
+          <a:xfrm>
+            <a:off x="3594320" y="1986976"/>
+            <a:ext cx="742511" cy="584775"/>
+          </a:xfrm>
+          <a:prstGeom prst="rect">
+            <a:avLst/>
+          </a:prstGeom>
+          <a:noFill/>
+          <a:ln>
+            <a:noFill/>
+          </a:ln>
+        </p:spPr>
+        <p:txBody>
+          <a:bodyPr wrap="none">
+            <a:spAutoFit/>
+          </a:bodyPr>
+          <a:lstStyle/>
+          <a:p>
+            <a:pPr algn="ctr">
+              <a:defRPr/>
+            </a:pPr>
+            <a:r>
+              <a:rPr lang="en-US" altLang="zh-CN" sz="3200" spc="300" dirty="0">
+                <a:solidFill>
+                  <a:srgbClr val="8FAADC"/>
+                </a:solidFill>
+                <a:latin typeface="微软雅黑" panose="020B0503020204020204" pitchFamily="34" charset="-122"/>
+                <a:ea typeface="微软雅黑" panose="020B0503020204020204" pitchFamily="34" charset="-122"/>
+              </a:rPr>
+              <a:t>04</a:t>
+            </a:r>
+            <a:endParaRPr lang="zh-CN" altLang="en-US" sz="3200" spc="300" dirty="0">
+              <a:solidFill>
+                <a:srgbClr val="8FAADC"/>
+              </a:solidFill>
+              <a:latin typeface="微软雅黑" panose="020B0503020204020204" pitchFamily="34" charset="-122"/>
+              <a:ea typeface="微软雅黑" panose="020B0503020204020204" pitchFamily="34" charset="-122"/>
+            </a:endParaRPr>
+          </a:p>
+        </p:txBody>
+      </p:sp>
+      <p:cxnSp>
+        <p:nvCxnSpPr>
+          <p:cNvPr id="9" name="直接连接符 8"/>
+          <p:cNvCxnSpPr/>
+          <p:nvPr/>
+        </p:nvCxnSpPr>
+        <p:spPr>
+          <a:xfrm flipH="1">
+            <a:off x="1549401" y="2660821"/>
+            <a:ext cx="4832351" cy="0"/>
+          </a:xfrm>
+          <a:prstGeom prst="line">
+            <a:avLst/>
+          </a:prstGeom>
+        </p:spPr>
+        <p:style>
+          <a:lnRef idx="2">
+            <a:schemeClr val="accent1"/>
+          </a:lnRef>
+          <a:fillRef idx="0">
+            <a:schemeClr val="accent1"/>
+          </a:fillRef>
+          <a:effectRef idx="1">
+            <a:schemeClr val="accent1"/>
+          </a:effectRef>
+          <a:fontRef idx="minor">
+            <a:schemeClr val="tx1"/>
+          </a:fontRef>
+        </p:style>
+      </p:cxnSp>
+      <p:pic>
+        <p:nvPicPr>
+          <p:cNvPr id="11" name="图片 10"/>
+          <p:cNvPicPr>
+            <a:picLocks noChangeAspect="1"/>
+          </p:cNvPicPr>
+          <p:nvPr/>
+        </p:nvPicPr>
+        <p:blipFill>
+          <a:blip r:embed="rId3"/>
+          <a:stretch>
+            <a:fillRect/>
+          </a:stretch>
+        </p:blipFill>
+        <p:spPr>
+          <a:xfrm>
+            <a:off x="7357372" y="69850"/>
+            <a:ext cx="1545328" cy="1494586"/>
+          </a:xfrm>
+          <a:prstGeom prst="rect">
+            <a:avLst/>
+          </a:prstGeom>
+          <a:ln>
+            <a:noFill/>
+          </a:ln>
+          <a:effectLst>
+            <a:softEdge rad="112500"/>
+          </a:effectLst>
+        </p:spPr>
+      </p:pic>
+    </p:spTree>
+    <p:extLst>
+      <p:ext uri="{BB962C8B-B14F-4D97-AF65-F5344CB8AC3E}">
+        <p14:creationId xmlns:p14="http://schemas.microsoft.com/office/powerpoint/2010/main" val="2112446950"/>
+      </p:ext>
+    </p:extLst>
+  </p:cSld>
+  <p:clrMapOvr>
+    <a:masterClrMapping/>
+  </p:clrMapOvr>
+  <p:transition spd="slow">
+    <p:pull/>
+  </p:transition>
+  <p:timing>
+    <p:tnLst>
+      <p:par>
+        <p:cTn id="1" dur="indefinite" restart="never" nodeType="tmRoot">
+          <p:childTnLst>
+            <p:seq concurrent="1" nextAc="seek">
+              <p:cTn id="2" dur="indefinite" nodeType="mainSeq">
+                <p:childTnLst>
+                  <p:par>
+                    <p:cTn id="3" fill="hold">
+                      <p:stCondLst>
+                        <p:cond delay="indefinite"/>
+                        <p:cond evt="onBegin" delay="0">
+                          <p:tn val="2"/>
+                        </p:cond>
+                      </p:stCondLst>
+                      <p:childTnLst>
+                        <p:par>
+                          <p:cTn id="4" fill="hold">
+                            <p:stCondLst>
+                              <p:cond delay="0"/>
+                            </p:stCondLst>
+                            <p:childTnLst>
+                              <p:par>
+                                <p:cTn id="5" presetID="53" presetClass="entr" presetSubtype="16" fill="hold" nodeType="afterEffect">
+                                  <p:stCondLst>
+                                    <p:cond delay="0"/>
+                                  </p:stCondLst>
+                                  <p:childTnLst>
+                                    <p:set>
+                                      <p:cBhvr>
+                                        <p:cTn id="6" dur="1" fill="hold">
+                                          <p:stCondLst>
+                                            <p:cond delay="0"/>
+                                          </p:stCondLst>
+                                        </p:cTn>
+                                        <p:tgtEl>
+                                          <p:spTgt spid="4"/>
+                                        </p:tgtEl>
+                                        <p:attrNameLst>
+                                          <p:attrName>style.visibility</p:attrName>
+                                        </p:attrNameLst>
+                                      </p:cBhvr>
+                                      <p:to>
+                                        <p:strVal val="visible"/>
+                                      </p:to>
+                                    </p:set>
+                                    <p:anim calcmode="lin" valueType="num">
+                                      <p:cBhvr>
+                                        <p:cTn id="7" dur="750" fill="hold"/>
+                                        <p:tgtEl>
+                                          <p:spTgt spid="4"/>
+                                        </p:tgtEl>
+                                        <p:attrNameLst>
+                                          <p:attrName>ppt_w</p:attrName>
+                                        </p:attrNameLst>
+                                      </p:cBhvr>
+                                      <p:tavLst>
+                                        <p:tav tm="0">
+                                          <p:val>
+                                            <p:fltVal val="0"/>
+                                          </p:val>
+                                        </p:tav>
+                                        <p:tav tm="100000">
+                                          <p:val>
+                                            <p:strVal val="#ppt_w"/>
+                                          </p:val>
+                                        </p:tav>
+                                      </p:tavLst>
+                                    </p:anim>
+                                    <p:anim calcmode="lin" valueType="num">
+                                      <p:cBhvr>
+                                        <p:cTn id="8" dur="750" fill="hold"/>
+                                        <p:tgtEl>
+                                          <p:spTgt spid="4"/>
+                                        </p:tgtEl>
+                                        <p:attrNameLst>
+                                          <p:attrName>ppt_h</p:attrName>
+                                        </p:attrNameLst>
+                                      </p:cBhvr>
+                                      <p:tavLst>
+                                        <p:tav tm="0">
+                                          <p:val>
+                                            <p:fltVal val="0"/>
+                                          </p:val>
+                                        </p:tav>
+                                        <p:tav tm="100000">
+                                          <p:val>
+                                            <p:strVal val="#ppt_h"/>
+                                          </p:val>
+                                        </p:tav>
+                                      </p:tavLst>
+                                    </p:anim>
+                                    <p:animEffect transition="in" filter="fade">
+                                      <p:cBhvr>
+                                        <p:cTn id="9" dur="750"/>
+                                        <p:tgtEl>
+                                          <p:spTgt spid="4"/>
+                                        </p:tgtEl>
+                                      </p:cBhvr>
+                                    </p:animEffect>
+                                  </p:childTnLst>
+                                </p:cTn>
+                              </p:par>
+                            </p:childTnLst>
+                          </p:cTn>
+                        </p:par>
+                        <p:par>
+                          <p:cTn id="10" fill="hold">
+                            <p:stCondLst>
+                              <p:cond delay="1000"/>
+                            </p:stCondLst>
+                            <p:childTnLst>
+                              <p:par>
+                                <p:cTn id="11" presetID="42" presetClass="entr" presetSubtype="0" fill="hold" grpId="0" nodeType="afterEffect">
+                                  <p:stCondLst>
+                                    <p:cond delay="0"/>
+                                  </p:stCondLst>
+                                  <p:childTnLst>
+                                    <p:set>
+                                      <p:cBhvr>
+                                        <p:cTn id="12" dur="1" fill="hold">
+                                          <p:stCondLst>
+                                            <p:cond delay="0"/>
+                                          </p:stCondLst>
+                                        </p:cTn>
+                                        <p:tgtEl>
+                                          <p:spTgt spid="8"/>
+                                        </p:tgtEl>
+                                        <p:attrNameLst>
+                                          <p:attrName>style.visibility</p:attrName>
+                                        </p:attrNameLst>
+                                      </p:cBhvr>
+                                      <p:to>
+                                        <p:strVal val="visible"/>
+                                      </p:to>
+                                    </p:set>
+                                    <p:animEffect transition="in" filter="fade">
+                                      <p:cBhvr>
+                                        <p:cTn id="13" dur="1000"/>
+                                        <p:tgtEl>
+                                          <p:spTgt spid="8"/>
+                                        </p:tgtEl>
+                                      </p:cBhvr>
+                                    </p:animEffect>
+                                    <p:anim calcmode="lin" valueType="num">
+                                      <p:cBhvr>
+                                        <p:cTn id="14" dur="1000" fill="hold"/>
+                                        <p:tgtEl>
+                                          <p:spTgt spid="8"/>
+                                        </p:tgtEl>
+                                        <p:attrNameLst>
+                                          <p:attrName>ppt_x</p:attrName>
+                                        </p:attrNameLst>
+                                      </p:cBhvr>
+                                      <p:tavLst>
+                                        <p:tav tm="0">
+                                          <p:val>
+                                            <p:strVal val="#ppt_x"/>
+                                          </p:val>
+                                        </p:tav>
+                                        <p:tav tm="100000">
+                                          <p:val>
+                                            <p:strVal val="#ppt_x"/>
+                                          </p:val>
+                                        </p:tav>
+                                      </p:tavLst>
+                                    </p:anim>
+                                    <p:anim calcmode="lin" valueType="num">
+                                      <p:cBhvr>
+                                        <p:cTn id="15" dur="1000" fill="hold"/>
+                                        <p:tgtEl>
+                                          <p:spTgt spid="8"/>
+                                        </p:tgtEl>
+                                        <p:attrNameLst>
+                                          <p:attrName>ppt_y</p:attrName>
+                                        </p:attrNameLst>
+                                      </p:cBhvr>
+                                      <p:tavLst>
+                                        <p:tav tm="0">
+                                          <p:val>
+                                            <p:strVal val="#ppt_y+.1"/>
+                                          </p:val>
+                                        </p:tav>
+                                        <p:tav tm="100000">
+                                          <p:val>
+                                            <p:strVal val="#ppt_y"/>
+                                          </p:val>
+                                        </p:tav>
+                                      </p:tavLst>
+                                    </p:anim>
+                                  </p:childTnLst>
+                                </p:cTn>
+                              </p:par>
+                            </p:childTnLst>
+                          </p:cTn>
+                        </p:par>
+                        <p:par>
+                          <p:cTn id="16" fill="hold">
+                            <p:stCondLst>
+                              <p:cond delay="2000"/>
+                            </p:stCondLst>
+                            <p:childTnLst>
+                              <p:par>
+                                <p:cTn id="17" presetID="16" presetClass="entr" presetSubtype="37" fill="hold" nodeType="afterEffect">
+                                  <p:stCondLst>
+                                    <p:cond delay="0"/>
+                                  </p:stCondLst>
+                                  <p:childTnLst>
+                                    <p:set>
+                                      <p:cBhvr>
+                                        <p:cTn id="18" dur="1" fill="hold">
+                                          <p:stCondLst>
+                                            <p:cond delay="0"/>
+                                          </p:stCondLst>
+                                        </p:cTn>
+                                        <p:tgtEl>
+                                          <p:spTgt spid="9"/>
+                                        </p:tgtEl>
+                                        <p:attrNameLst>
+                                          <p:attrName>style.visibility</p:attrName>
+                                        </p:attrNameLst>
+                                      </p:cBhvr>
+                                      <p:to>
+                                        <p:strVal val="visible"/>
+                                      </p:to>
+                                    </p:set>
+                                    <p:animEffect transition="in" filter="barn(outVertical)">
+                                      <p:cBhvr>
+                                        <p:cTn id="19" dur="500"/>
+                                        <p:tgtEl>
+                                          <p:spTgt spid="9"/>
+                                        </p:tgtEl>
+                                      </p:cBhvr>
+                                    </p:animEffect>
+                                  </p:childTnLst>
+                                </p:cTn>
+                              </p:par>
+                            </p:childTnLst>
+                          </p:cTn>
+                        </p:par>
+                        <p:par>
+                          <p:cTn id="20" fill="hold">
+                            <p:stCondLst>
+                              <p:cond delay="2500"/>
+                            </p:stCondLst>
+                            <p:childTnLst>
+                              <p:par>
+                                <p:cTn id="21" presetID="55" presetClass="entr" presetSubtype="0" fill="hold" grpId="0" nodeType="afterEffect">
+                                  <p:stCondLst>
+                                    <p:cond delay="0"/>
+                                  </p:stCondLst>
+                                  <p:childTnLst>
+                                    <p:set>
+                                      <p:cBhvr>
+                                        <p:cTn id="22" dur="1" fill="hold">
+                                          <p:stCondLst>
+                                            <p:cond delay="0"/>
+                                          </p:stCondLst>
+                                        </p:cTn>
+                                        <p:tgtEl>
+                                          <p:spTgt spid="7"/>
+                                        </p:tgtEl>
+                                        <p:attrNameLst>
+                                          <p:attrName>style.visibility</p:attrName>
+                                        </p:attrNameLst>
+                                      </p:cBhvr>
+                                      <p:to>
+                                        <p:strVal val="visible"/>
+                                      </p:to>
+                                    </p:set>
+                                    <p:anim calcmode="lin" valueType="num">
+                                      <p:cBhvr>
+                                        <p:cTn id="23" dur="1000" fill="hold"/>
+                                        <p:tgtEl>
+                                          <p:spTgt spid="7"/>
+                                        </p:tgtEl>
+                                        <p:attrNameLst>
+                                          <p:attrName>ppt_w</p:attrName>
+                                        </p:attrNameLst>
+                                      </p:cBhvr>
+                                      <p:tavLst>
+                                        <p:tav tm="0">
+                                          <p:val>
+                                            <p:strVal val="#ppt_w*0.70"/>
+                                          </p:val>
+                                        </p:tav>
+                                        <p:tav tm="100000">
+                                          <p:val>
+                                            <p:strVal val="#ppt_w"/>
+                                          </p:val>
+                                        </p:tav>
+                                      </p:tavLst>
+                                    </p:anim>
+                                    <p:anim calcmode="lin" valueType="num">
+                                      <p:cBhvr>
+                                        <p:cTn id="24" dur="1000" fill="hold"/>
+                                        <p:tgtEl>
+                                          <p:spTgt spid="7"/>
+                                        </p:tgtEl>
+                                        <p:attrNameLst>
+                                          <p:attrName>ppt_h</p:attrName>
+                                        </p:attrNameLst>
+                                      </p:cBhvr>
+                                      <p:tavLst>
+                                        <p:tav tm="0">
+                                          <p:val>
+                                            <p:strVal val="#ppt_h"/>
+                                          </p:val>
+                                        </p:tav>
+                                        <p:tav tm="100000">
+                                          <p:val>
+                                            <p:strVal val="#ppt_h"/>
+                                          </p:val>
+                                        </p:tav>
+                                      </p:tavLst>
+                                    </p:anim>
+                                    <p:animEffect transition="in" filter="fade">
+                                      <p:cBhvr>
+                                        <p:cTn id="25" dur="1000"/>
+                                        <p:tgtEl>
+                                          <p:spTgt spid="7"/>
+                                        </p:tgtEl>
+                                      </p:cBhvr>
+                                    </p:animEffect>
+                                  </p:childTnLst>
+                                </p:cTn>
+                              </p:par>
+                            </p:childTnLst>
+                          </p:cTn>
+                        </p:par>
+                      </p:childTnLst>
+                    </p:cTn>
+                  </p:par>
+                </p:childTnLst>
+              </p:cTn>
+              <p:prevCondLst>
+                <p:cond evt="onPrev" delay="0">
+                  <p:tgtEl>
+                    <p:sldTgt/>
+                  </p:tgtEl>
+                </p:cond>
+              </p:prevCondLst>
+              <p:nextCondLst>
+                <p:cond evt="onNext" delay="0">
+                  <p:tgtEl>
+                    <p:sldTgt/>
+                  </p:tgtEl>
+                </p:cond>
+              </p:nextCondLst>
+            </p:seq>
+          </p:childTnLst>
+        </p:cTn>
+      </p:par>
+    </p:tnLst>
+    <p:bldLst>
+      <p:bldP spid="7" grpId="0"/>
+      <p:bldP spid="8" grpId="0"/>
+    </p:bldLst>
+  </p:timing>
 </p:sld>
 </file>
 
@@ -15470,6 +20162,2019 @@
 </p:sld>
 </file>
 
+<file path=ppt/slides/slide30.xml><?xml version="1.0" encoding="utf-8"?>
+<p:sld xmlns:a="http://schemas.openxmlformats.org/drawingml/2006/main" xmlns:r="http://schemas.openxmlformats.org/officeDocument/2006/relationships" xmlns:p="http://schemas.openxmlformats.org/presentationml/2006/main">
+  <p:cSld>
+    <p:spTree>
+      <p:nvGrpSpPr>
+        <p:cNvPr id="1" name=""/>
+        <p:cNvGrpSpPr/>
+        <p:nvPr/>
+      </p:nvGrpSpPr>
+      <p:grpSpPr>
+        <a:xfrm>
+          <a:off x="0" y="0"/>
+          <a:ext cx="0" cy="0"/>
+          <a:chOff x="0" y="0"/>
+          <a:chExt cx="0" cy="0"/>
+        </a:xfrm>
+      </p:grpSpPr>
+      <p:sp>
+        <p:nvSpPr>
+          <p:cNvPr id="2" name="标题 1">
+            <a:extLst>
+              <a:ext uri="{FF2B5EF4-FFF2-40B4-BE49-F238E27FC236}">
+                <a16:creationId xmlns:a16="http://schemas.microsoft.com/office/drawing/2014/main" id="{F81F8A21-442E-4751-B6D3-A6949F06BAAB}"/>
+              </a:ext>
+            </a:extLst>
+          </p:cNvPr>
+          <p:cNvSpPr>
+            <a:spLocks noGrp="1"/>
+          </p:cNvSpPr>
+          <p:nvPr>
+            <p:ph type="title"/>
+          </p:nvPr>
+        </p:nvSpPr>
+        <p:spPr/>
+        <p:txBody>
+          <a:bodyPr/>
+          <a:lstStyle/>
+          <a:p>
+            <a:r>
+              <a:rPr lang="zh-CN" altLang="en-US" dirty="0">
+                <a:solidFill>
+                  <a:srgbClr val="000000"/>
+                </a:solidFill>
+              </a:rPr>
+              <a:t>控制流</a:t>
+            </a:r>
+            <a:endParaRPr lang="zh-CN" altLang="en-US" dirty="0"/>
+          </a:p>
+        </p:txBody>
+      </p:sp>
+      <p:sp>
+        <p:nvSpPr>
+          <p:cNvPr id="3" name="内容占位符 2">
+            <a:extLst>
+              <a:ext uri="{FF2B5EF4-FFF2-40B4-BE49-F238E27FC236}">
+                <a16:creationId xmlns:a16="http://schemas.microsoft.com/office/drawing/2014/main" id="{4DE356BC-75F6-49D2-8886-154DAAA1F78C}"/>
+              </a:ext>
+            </a:extLst>
+          </p:cNvPr>
+          <p:cNvSpPr>
+            <a:spLocks noGrp="1"/>
+          </p:cNvSpPr>
+          <p:nvPr>
+            <p:ph idx="1"/>
+          </p:nvPr>
+        </p:nvSpPr>
+        <p:spPr/>
+        <p:txBody>
+          <a:bodyPr/>
+          <a:lstStyle/>
+          <a:p>
+            <a:pPr marL="342900" indent="-342900">
+              <a:buFont typeface="Wingdings" panose="05000000000000000000" pitchFamily="2" charset="2"/>
+              <a:buChar char="l"/>
+            </a:pPr>
+            <a:r>
+              <a:rPr lang="en-US" altLang="zh-CN" dirty="0"/>
+              <a:t>if</a:t>
+            </a:r>
+            <a:r>
+              <a:rPr lang="zh-CN" altLang="en-US" dirty="0"/>
+              <a:t>语句</a:t>
+            </a:r>
+            <a:endParaRPr lang="en-US" altLang="zh-CN" dirty="0"/>
+          </a:p>
+          <a:p>
+            <a:r>
+              <a:rPr lang="en-US" altLang="zh-CN" dirty="0"/>
+              <a:t>if</a:t>
+            </a:r>
+            <a:r>
+              <a:rPr lang="zh-CN" altLang="en-US" dirty="0"/>
+              <a:t>语句用来检验一个条件， 如果 条件为真，我们运行一块语句（称为 </a:t>
+            </a:r>
+            <a:r>
+              <a:rPr lang="en-US" altLang="zh-CN" dirty="0"/>
+              <a:t>if-</a:t>
+            </a:r>
+            <a:r>
+              <a:rPr lang="zh-CN" altLang="en-US" dirty="0"/>
+              <a:t>块 ）， 否则 我们处理另外一块语句（称为 </a:t>
+            </a:r>
+            <a:r>
+              <a:rPr lang="en-US" altLang="zh-CN" dirty="0"/>
+              <a:t>else-</a:t>
+            </a:r>
+            <a:r>
+              <a:rPr lang="zh-CN" altLang="en-US" dirty="0"/>
+              <a:t>块 ）。 </a:t>
+            </a:r>
+            <a:r>
+              <a:rPr lang="en-US" altLang="zh-CN" dirty="0"/>
+              <a:t>else </a:t>
+            </a:r>
+            <a:r>
+              <a:rPr lang="zh-CN" altLang="en-US" dirty="0"/>
+              <a:t>从句是可选的。</a:t>
+            </a:r>
+            <a:endParaRPr lang="en-US" altLang="zh-CN" dirty="0"/>
+          </a:p>
+          <a:p>
+            <a:endParaRPr lang="en-US" altLang="zh-CN" dirty="0"/>
+          </a:p>
+          <a:p>
+            <a:pPr marL="708651" lvl="1" indent="-342900">
+              <a:buFont typeface="Wingdings" panose="05000000000000000000" pitchFamily="2" charset="2"/>
+              <a:buChar char="p"/>
+            </a:pPr>
+            <a:r>
+              <a:rPr lang="zh-CN" altLang="en-US" dirty="0"/>
+              <a:t>关键词：</a:t>
+            </a:r>
+            <a:r>
+              <a:rPr lang="en-US" altLang="zh-CN" dirty="0"/>
+              <a:t>if</a:t>
+            </a:r>
+            <a:r>
+              <a:rPr lang="zh-CN" altLang="en-US" dirty="0"/>
+              <a:t>、</a:t>
+            </a:r>
+            <a:r>
+              <a:rPr lang="en-US" altLang="zh-CN" dirty="0"/>
+              <a:t>else</a:t>
+            </a:r>
+            <a:r>
+              <a:rPr lang="zh-CN" altLang="en-US" dirty="0"/>
+              <a:t>和</a:t>
+            </a:r>
+            <a:r>
+              <a:rPr lang="en-US" altLang="zh-CN" dirty="0" err="1"/>
+              <a:t>elif</a:t>
+            </a:r>
+            <a:endParaRPr lang="en-US" altLang="zh-CN" dirty="0"/>
+          </a:p>
+          <a:p>
+            <a:pPr marL="708651" lvl="1" indent="-342900">
+              <a:buFont typeface="Wingdings" panose="05000000000000000000" pitchFamily="2" charset="2"/>
+              <a:buChar char="p"/>
+            </a:pPr>
+            <a:r>
+              <a:rPr lang="en-US" altLang="zh-CN" dirty="0"/>
+              <a:t>Bool</a:t>
+            </a:r>
+            <a:r>
+              <a:rPr lang="zh-CN" altLang="en-US" dirty="0"/>
+              <a:t>型变量</a:t>
+            </a:r>
+            <a:r>
+              <a:rPr lang="en-US" altLang="zh-CN" dirty="0"/>
+              <a:t>:True</a:t>
+            </a:r>
+            <a:r>
+              <a:rPr lang="zh-CN" altLang="en-US" dirty="0"/>
+              <a:t>和</a:t>
+            </a:r>
+            <a:r>
+              <a:rPr lang="en-US" altLang="zh-CN" dirty="0"/>
+              <a:t>False</a:t>
+            </a:r>
+            <a:r>
+              <a:rPr lang="zh-CN" altLang="en-US" dirty="0"/>
+              <a:t>。</a:t>
+            </a:r>
+            <a:r>
+              <a:rPr lang="en-US" altLang="zh-CN" dirty="0"/>
+              <a:t>(</a:t>
+            </a:r>
+            <a:r>
+              <a:rPr lang="zh-CN" altLang="en-US" dirty="0"/>
+              <a:t>注意大小写</a:t>
+            </a:r>
+            <a:r>
+              <a:rPr lang="en-US" altLang="zh-CN" dirty="0"/>
+              <a:t>)</a:t>
+            </a:r>
+          </a:p>
+          <a:p>
+            <a:pPr marL="708651" lvl="1" indent="-342900">
+              <a:buFont typeface="Wingdings" panose="05000000000000000000" pitchFamily="2" charset="2"/>
+              <a:buChar char="p"/>
+            </a:pPr>
+            <a:r>
+              <a:rPr lang="zh-CN" altLang="en-US" dirty="0"/>
+              <a:t>在</a:t>
+            </a:r>
+            <a:r>
+              <a:rPr lang="en-US" altLang="zh-CN" dirty="0"/>
+              <a:t>Python</a:t>
+            </a:r>
+            <a:r>
+              <a:rPr lang="zh-CN" altLang="en-US" dirty="0"/>
+              <a:t>中没有</a:t>
+            </a:r>
+            <a:r>
+              <a:rPr lang="en-US" altLang="zh-CN" dirty="0"/>
+              <a:t>switch</a:t>
+            </a:r>
+            <a:r>
+              <a:rPr lang="zh-CN" altLang="en-US" dirty="0"/>
+              <a:t>语句。你可以使用</a:t>
+            </a:r>
+            <a:r>
+              <a:rPr lang="en-US" altLang="zh-CN" dirty="0"/>
+              <a:t>if..</a:t>
+            </a:r>
+            <a:r>
+              <a:rPr lang="en-US" altLang="zh-CN" dirty="0" err="1"/>
+              <a:t>elif</a:t>
+            </a:r>
+            <a:r>
+              <a:rPr lang="en-US" altLang="zh-CN" dirty="0"/>
+              <a:t>..else</a:t>
+            </a:r>
+            <a:r>
+              <a:rPr lang="zh-CN" altLang="en-US" dirty="0"/>
+              <a:t>语句来完成同样的工作</a:t>
+            </a:r>
+          </a:p>
+          <a:p>
+            <a:endParaRPr lang="zh-CN" altLang="en-US" dirty="0"/>
+          </a:p>
+        </p:txBody>
+      </p:sp>
+    </p:spTree>
+    <p:extLst>
+      <p:ext uri="{BB962C8B-B14F-4D97-AF65-F5344CB8AC3E}">
+        <p14:creationId xmlns:p14="http://schemas.microsoft.com/office/powerpoint/2010/main" val="3684607039"/>
+      </p:ext>
+    </p:extLst>
+  </p:cSld>
+  <p:clrMapOvr>
+    <a:masterClrMapping/>
+  </p:clrMapOvr>
+  <p:transition spd="slow">
+    <p:pull/>
+  </p:transition>
+</p:sld>
+</file>
+
+<file path=ppt/slides/slide31.xml><?xml version="1.0" encoding="utf-8"?>
+<p:sld xmlns:a="http://schemas.openxmlformats.org/drawingml/2006/main" xmlns:r="http://schemas.openxmlformats.org/officeDocument/2006/relationships" xmlns:p="http://schemas.openxmlformats.org/presentationml/2006/main">
+  <p:cSld>
+    <p:spTree>
+      <p:nvGrpSpPr>
+        <p:cNvPr id="1" name=""/>
+        <p:cNvGrpSpPr/>
+        <p:nvPr/>
+      </p:nvGrpSpPr>
+      <p:grpSpPr>
+        <a:xfrm>
+          <a:off x="0" y="0"/>
+          <a:ext cx="0" cy="0"/>
+          <a:chOff x="0" y="0"/>
+          <a:chExt cx="0" cy="0"/>
+        </a:xfrm>
+      </p:grpSpPr>
+      <p:sp>
+        <p:nvSpPr>
+          <p:cNvPr id="2" name="标题 1">
+            <a:extLst>
+              <a:ext uri="{FF2B5EF4-FFF2-40B4-BE49-F238E27FC236}">
+                <a16:creationId xmlns:a16="http://schemas.microsoft.com/office/drawing/2014/main" id="{D7E593FB-C9EB-40E1-A981-F968EB32341C}"/>
+              </a:ext>
+            </a:extLst>
+          </p:cNvPr>
+          <p:cNvSpPr>
+            <a:spLocks noGrp="1"/>
+          </p:cNvSpPr>
+          <p:nvPr>
+            <p:ph type="title"/>
+          </p:nvPr>
+        </p:nvSpPr>
+        <p:spPr/>
+        <p:txBody>
+          <a:bodyPr/>
+          <a:lstStyle/>
+          <a:p>
+            <a:r>
+              <a:rPr lang="zh-CN" altLang="en-US" dirty="0">
+                <a:solidFill>
+                  <a:srgbClr val="000000"/>
+                </a:solidFill>
+              </a:rPr>
+              <a:t>控制流</a:t>
+            </a:r>
+            <a:endParaRPr lang="zh-CN" altLang="en-US" dirty="0"/>
+          </a:p>
+        </p:txBody>
+      </p:sp>
+      <p:sp>
+        <p:nvSpPr>
+          <p:cNvPr id="3" name="内容占位符 2">
+            <a:extLst>
+              <a:ext uri="{FF2B5EF4-FFF2-40B4-BE49-F238E27FC236}">
+                <a16:creationId xmlns:a16="http://schemas.microsoft.com/office/drawing/2014/main" id="{A45B1DD4-96E1-4B59-A1D5-E9BE0C58DB59}"/>
+              </a:ext>
+            </a:extLst>
+          </p:cNvPr>
+          <p:cNvSpPr>
+            <a:spLocks noGrp="1"/>
+          </p:cNvSpPr>
+          <p:nvPr>
+            <p:ph idx="1"/>
+          </p:nvPr>
+        </p:nvSpPr>
+        <p:spPr/>
+        <p:txBody>
+          <a:bodyPr/>
+          <a:lstStyle/>
+          <a:p>
+            <a:r>
+              <a:rPr lang="zh-CN" altLang="en-US" dirty="0"/>
+              <a:t>试试看</a:t>
+            </a:r>
+            <a:endParaRPr lang="en-US" altLang="zh-CN" dirty="0"/>
+          </a:p>
+          <a:p>
+            <a:endParaRPr lang="zh-CN" altLang="en-US" dirty="0"/>
+          </a:p>
+        </p:txBody>
+      </p:sp>
+      <p:sp>
+        <p:nvSpPr>
+          <p:cNvPr id="4" name="矩形 3">
+            <a:extLst>
+              <a:ext uri="{FF2B5EF4-FFF2-40B4-BE49-F238E27FC236}">
+                <a16:creationId xmlns:a16="http://schemas.microsoft.com/office/drawing/2014/main" id="{D3921702-EAC2-493F-B030-080CDF8C8036}"/>
+              </a:ext>
+            </a:extLst>
+          </p:cNvPr>
+          <p:cNvSpPr/>
+          <p:nvPr/>
+        </p:nvSpPr>
+        <p:spPr>
+          <a:xfrm>
+            <a:off x="921733" y="1062766"/>
+            <a:ext cx="7019365" cy="3970318"/>
+          </a:xfrm>
+          <a:prstGeom prst="rect">
+            <a:avLst/>
+          </a:prstGeom>
+        </p:spPr>
+        <p:txBody>
+          <a:bodyPr wrap="square">
+            <a:spAutoFit/>
+          </a:bodyPr>
+          <a:lstStyle/>
+          <a:p>
+            <a:r>
+              <a:rPr lang="en-US" altLang="zh-CN" dirty="0"/>
+              <a:t>number = 23</a:t>
+            </a:r>
+          </a:p>
+          <a:p>
+            <a:r>
+              <a:rPr lang="en-US" altLang="zh-CN" dirty="0"/>
+              <a:t>guess = int(</a:t>
+            </a:r>
+            <a:r>
+              <a:rPr lang="en-US" altLang="zh-CN" dirty="0" err="1"/>
+              <a:t>raw_input</a:t>
+            </a:r>
+            <a:r>
+              <a:rPr lang="en-US" altLang="zh-CN" dirty="0"/>
+              <a:t>('Enter an integer : '))</a:t>
+            </a:r>
+          </a:p>
+          <a:p>
+            <a:r>
+              <a:rPr lang="en-US" altLang="zh-CN" dirty="0"/>
+              <a:t>if guess == number:</a:t>
+            </a:r>
+          </a:p>
+          <a:p>
+            <a:r>
+              <a:rPr lang="en-US" altLang="zh-CN" dirty="0"/>
+              <a:t>    print('Congratulations, you guessed it.') # New block starts here</a:t>
+            </a:r>
+          </a:p>
+          <a:p>
+            <a:r>
+              <a:rPr lang="en-US" altLang="zh-CN" dirty="0"/>
+              <a:t>    print("(but you do not win any prizes!)") # New block ends here</a:t>
+            </a:r>
+          </a:p>
+          <a:p>
+            <a:r>
+              <a:rPr lang="en-US" altLang="zh-CN" dirty="0" err="1"/>
+              <a:t>elif</a:t>
+            </a:r>
+            <a:r>
+              <a:rPr lang="en-US" altLang="zh-CN" dirty="0"/>
+              <a:t> guess &lt; number:</a:t>
+            </a:r>
+          </a:p>
+          <a:p>
+            <a:r>
+              <a:rPr lang="en-US" altLang="zh-CN" dirty="0"/>
+              <a:t>    print('No, it is a little higher than that' ) # Another block</a:t>
+            </a:r>
+          </a:p>
+          <a:p>
+            <a:r>
+              <a:rPr lang="en-US" altLang="zh-CN" dirty="0"/>
+              <a:t># You can do whatever you want in a block ...</a:t>
+            </a:r>
+          </a:p>
+          <a:p>
+            <a:r>
+              <a:rPr lang="en-US" altLang="zh-CN" dirty="0"/>
+              <a:t>else:</a:t>
+            </a:r>
+          </a:p>
+          <a:p>
+            <a:r>
+              <a:rPr lang="en-US" altLang="zh-CN" dirty="0"/>
+              <a:t>    print('No, it is a little lower than that')</a:t>
+            </a:r>
+          </a:p>
+          <a:p>
+            <a:r>
+              <a:rPr lang="en-US" altLang="zh-CN" dirty="0"/>
+              <a:t>    # you must have guess &gt; number to reach here</a:t>
+            </a:r>
+          </a:p>
+          <a:p>
+            <a:r>
+              <a:rPr lang="en-US" altLang="zh-CN" dirty="0"/>
+              <a:t>    print('Done')</a:t>
+            </a:r>
+          </a:p>
+          <a:p>
+            <a:r>
+              <a:rPr lang="en-US" altLang="zh-CN" dirty="0"/>
+              <a:t># This last statement is always executed, after the if statement is executed</a:t>
+            </a:r>
+            <a:endParaRPr lang="zh-CN" altLang="en-US" dirty="0"/>
+          </a:p>
+        </p:txBody>
+      </p:sp>
+    </p:spTree>
+    <p:extLst>
+      <p:ext uri="{BB962C8B-B14F-4D97-AF65-F5344CB8AC3E}">
+        <p14:creationId xmlns:p14="http://schemas.microsoft.com/office/powerpoint/2010/main" val="782720832"/>
+      </p:ext>
+    </p:extLst>
+  </p:cSld>
+  <p:clrMapOvr>
+    <a:masterClrMapping/>
+  </p:clrMapOvr>
+  <p:transition spd="slow">
+    <p:pull/>
+  </p:transition>
+</p:sld>
+</file>
+
+<file path=ppt/slides/slide32.xml><?xml version="1.0" encoding="utf-8"?>
+<p:sld xmlns:a="http://schemas.openxmlformats.org/drawingml/2006/main" xmlns:r="http://schemas.openxmlformats.org/officeDocument/2006/relationships" xmlns:p="http://schemas.openxmlformats.org/presentationml/2006/main">
+  <p:cSld>
+    <p:spTree>
+      <p:nvGrpSpPr>
+        <p:cNvPr id="1" name=""/>
+        <p:cNvGrpSpPr/>
+        <p:nvPr/>
+      </p:nvGrpSpPr>
+      <p:grpSpPr>
+        <a:xfrm>
+          <a:off x="0" y="0"/>
+          <a:ext cx="0" cy="0"/>
+          <a:chOff x="0" y="0"/>
+          <a:chExt cx="0" cy="0"/>
+        </a:xfrm>
+      </p:grpSpPr>
+      <p:sp>
+        <p:nvSpPr>
+          <p:cNvPr id="2" name="标题 1">
+            <a:extLst>
+              <a:ext uri="{FF2B5EF4-FFF2-40B4-BE49-F238E27FC236}">
+                <a16:creationId xmlns:a16="http://schemas.microsoft.com/office/drawing/2014/main" id="{3E790C69-E8FA-441A-A020-A5317C23A780}"/>
+              </a:ext>
+            </a:extLst>
+          </p:cNvPr>
+          <p:cNvSpPr>
+            <a:spLocks noGrp="1"/>
+          </p:cNvSpPr>
+          <p:nvPr>
+            <p:ph type="title"/>
+          </p:nvPr>
+        </p:nvSpPr>
+        <p:spPr/>
+        <p:txBody>
+          <a:bodyPr/>
+          <a:lstStyle/>
+          <a:p>
+            <a:r>
+              <a:rPr lang="zh-CN" altLang="en-US" dirty="0">
+                <a:solidFill>
+                  <a:srgbClr val="000000"/>
+                </a:solidFill>
+              </a:rPr>
+              <a:t>控制流</a:t>
+            </a:r>
+            <a:endParaRPr lang="zh-CN" altLang="en-US" dirty="0"/>
+          </a:p>
+        </p:txBody>
+      </p:sp>
+      <p:sp>
+        <p:nvSpPr>
+          <p:cNvPr id="3" name="内容占位符 2">
+            <a:extLst>
+              <a:ext uri="{FF2B5EF4-FFF2-40B4-BE49-F238E27FC236}">
+                <a16:creationId xmlns:a16="http://schemas.microsoft.com/office/drawing/2014/main" id="{5FA81CA6-504B-461E-B6F0-811F9B99C1F9}"/>
+              </a:ext>
+            </a:extLst>
+          </p:cNvPr>
+          <p:cNvSpPr>
+            <a:spLocks noGrp="1"/>
+          </p:cNvSpPr>
+          <p:nvPr>
+            <p:ph idx="1"/>
+          </p:nvPr>
+        </p:nvSpPr>
+        <p:spPr/>
+        <p:txBody>
+          <a:bodyPr/>
+          <a:lstStyle/>
+          <a:p>
+            <a:pPr marL="342900" indent="-342900">
+              <a:buFont typeface="Wingdings" panose="05000000000000000000" pitchFamily="2" charset="2"/>
+              <a:buChar char="l"/>
+            </a:pPr>
+            <a:r>
+              <a:rPr lang="en-US" altLang="zh-CN" dirty="0"/>
+              <a:t>while</a:t>
+            </a:r>
+            <a:r>
+              <a:rPr lang="zh-CN" altLang="en-US" dirty="0"/>
+              <a:t>语句</a:t>
+            </a:r>
+            <a:endParaRPr lang="en-US" altLang="zh-CN" dirty="0"/>
+          </a:p>
+          <a:p>
+            <a:r>
+              <a:rPr lang="zh-CN" altLang="en-US" dirty="0"/>
+              <a:t> 只要在一个条件为真的情况下，</a:t>
+            </a:r>
+            <a:r>
+              <a:rPr lang="en-US" altLang="zh-CN" dirty="0"/>
+              <a:t>while</a:t>
+            </a:r>
+            <a:r>
+              <a:rPr lang="zh-CN" altLang="en-US" dirty="0"/>
+              <a:t>语句允许你重复执行一块语句。</a:t>
+            </a:r>
+            <a:r>
+              <a:rPr lang="en-US" altLang="zh-CN" dirty="0"/>
+              <a:t>while</a:t>
+            </a:r>
+            <a:r>
+              <a:rPr lang="zh-CN" altLang="en-US" dirty="0"/>
+              <a:t>语句是所谓 循环 语句的一个例子。</a:t>
+            </a:r>
+            <a:r>
+              <a:rPr lang="en-US" altLang="zh-CN" dirty="0"/>
+              <a:t>while</a:t>
+            </a:r>
+            <a:r>
+              <a:rPr lang="zh-CN" altLang="en-US" dirty="0"/>
+              <a:t>语句有一个可选的</a:t>
+            </a:r>
+            <a:r>
+              <a:rPr lang="en-US" altLang="zh-CN" dirty="0"/>
+              <a:t>else</a:t>
+            </a:r>
+            <a:r>
+              <a:rPr lang="zh-CN" altLang="en-US" dirty="0"/>
+              <a:t>从句。</a:t>
+            </a:r>
+            <a:endParaRPr lang="en-US" altLang="zh-CN" dirty="0"/>
+          </a:p>
+          <a:p>
+            <a:endParaRPr lang="en-US" altLang="zh-CN" dirty="0"/>
+          </a:p>
+          <a:p>
+            <a:pPr marL="708651" lvl="1" indent="-342900">
+              <a:buFont typeface="Wingdings" panose="05000000000000000000" pitchFamily="2" charset="2"/>
+              <a:buChar char="p"/>
+            </a:pPr>
+            <a:r>
+              <a:rPr lang="zh-CN" altLang="en-US" dirty="0"/>
+              <a:t>关键词：</a:t>
+            </a:r>
+            <a:r>
+              <a:rPr lang="en-US" altLang="zh-CN" dirty="0"/>
+              <a:t>while</a:t>
+            </a:r>
+            <a:r>
+              <a:rPr lang="zh-CN" altLang="en-US" dirty="0"/>
+              <a:t>、</a:t>
+            </a:r>
+            <a:r>
+              <a:rPr lang="en-US" altLang="zh-CN" dirty="0"/>
+              <a:t>else</a:t>
+            </a:r>
+            <a:r>
+              <a:rPr lang="zh-CN" altLang="en-US" dirty="0"/>
+              <a:t>。</a:t>
+            </a:r>
+            <a:endParaRPr lang="en-US" altLang="zh-CN" dirty="0"/>
+          </a:p>
+          <a:p>
+            <a:pPr marL="708651" lvl="1" indent="-342900">
+              <a:buFont typeface="Wingdings" panose="05000000000000000000" pitchFamily="2" charset="2"/>
+              <a:buChar char="p"/>
+            </a:pPr>
+            <a:r>
+              <a:rPr lang="en-US" altLang="zh-CN" dirty="0"/>
+              <a:t>True</a:t>
+            </a:r>
+            <a:r>
+              <a:rPr lang="zh-CN" altLang="en-US" dirty="0"/>
+              <a:t>和</a:t>
+            </a:r>
+            <a:r>
+              <a:rPr lang="en-US" altLang="zh-CN" dirty="0"/>
+              <a:t>False</a:t>
+            </a:r>
+            <a:r>
+              <a:rPr lang="zh-CN" altLang="en-US" dirty="0"/>
+              <a:t>可以等效地理解为值</a:t>
+            </a:r>
+            <a:r>
+              <a:rPr lang="en-US" altLang="zh-CN" dirty="0"/>
+              <a:t>1</a:t>
+            </a:r>
+            <a:r>
+              <a:rPr lang="zh-CN" altLang="en-US" dirty="0"/>
+              <a:t>和</a:t>
+            </a:r>
+            <a:r>
+              <a:rPr lang="en-US" altLang="zh-CN" dirty="0"/>
+              <a:t>0</a:t>
+            </a:r>
+            <a:r>
+              <a:rPr lang="zh-CN" altLang="en-US" dirty="0"/>
+              <a:t>。</a:t>
+            </a:r>
+            <a:endParaRPr lang="en-US" altLang="zh-CN" dirty="0"/>
+          </a:p>
+          <a:p>
+            <a:pPr marL="708651" lvl="1" indent="-342900">
+              <a:buFont typeface="Wingdings" panose="05000000000000000000" pitchFamily="2" charset="2"/>
+              <a:buChar char="p"/>
+            </a:pPr>
+            <a:r>
+              <a:rPr lang="zh-CN" altLang="en-US" dirty="0"/>
+              <a:t>需要注意的是</a:t>
+            </a:r>
+            <a:r>
+              <a:rPr lang="en-US" altLang="zh-CN" dirty="0"/>
+              <a:t>else</a:t>
+            </a:r>
+            <a:r>
+              <a:rPr lang="zh-CN" altLang="en-US" dirty="0"/>
+              <a:t>在</a:t>
+            </a:r>
+            <a:r>
+              <a:rPr lang="en-US" altLang="zh-CN" dirty="0"/>
+              <a:t>while</a:t>
+            </a:r>
+            <a:r>
+              <a:rPr lang="zh-CN" altLang="en-US" dirty="0"/>
+              <a:t>后面退出循环时会执行一次，除非遇到了</a:t>
+            </a:r>
+            <a:r>
+              <a:rPr lang="en-US" altLang="zh-CN" dirty="0"/>
+              <a:t>break</a:t>
+            </a:r>
+            <a:r>
+              <a:rPr lang="zh-CN" altLang="en-US" dirty="0"/>
+              <a:t>语句。</a:t>
+            </a:r>
+          </a:p>
+          <a:p>
+            <a:endParaRPr lang="zh-CN" altLang="en-US" dirty="0"/>
+          </a:p>
+        </p:txBody>
+      </p:sp>
+    </p:spTree>
+    <p:extLst>
+      <p:ext uri="{BB962C8B-B14F-4D97-AF65-F5344CB8AC3E}">
+        <p14:creationId xmlns:p14="http://schemas.microsoft.com/office/powerpoint/2010/main" val="3643908596"/>
+      </p:ext>
+    </p:extLst>
+  </p:cSld>
+  <p:clrMapOvr>
+    <a:masterClrMapping/>
+  </p:clrMapOvr>
+  <p:transition spd="slow">
+    <p:pull/>
+  </p:transition>
+</p:sld>
+</file>
+
+<file path=ppt/slides/slide33.xml><?xml version="1.0" encoding="utf-8"?>
+<p:sld xmlns:a="http://schemas.openxmlformats.org/drawingml/2006/main" xmlns:r="http://schemas.openxmlformats.org/officeDocument/2006/relationships" xmlns:p="http://schemas.openxmlformats.org/presentationml/2006/main">
+  <p:cSld>
+    <p:spTree>
+      <p:nvGrpSpPr>
+        <p:cNvPr id="1" name=""/>
+        <p:cNvGrpSpPr/>
+        <p:nvPr/>
+      </p:nvGrpSpPr>
+      <p:grpSpPr>
+        <a:xfrm>
+          <a:off x="0" y="0"/>
+          <a:ext cx="0" cy="0"/>
+          <a:chOff x="0" y="0"/>
+          <a:chExt cx="0" cy="0"/>
+        </a:xfrm>
+      </p:grpSpPr>
+      <p:sp>
+        <p:nvSpPr>
+          <p:cNvPr id="2" name="标题 1">
+            <a:extLst>
+              <a:ext uri="{FF2B5EF4-FFF2-40B4-BE49-F238E27FC236}">
+                <a16:creationId xmlns:a16="http://schemas.microsoft.com/office/drawing/2014/main" id="{C42CD245-D2B5-4E4F-A3BB-3F0DC4951972}"/>
+              </a:ext>
+            </a:extLst>
+          </p:cNvPr>
+          <p:cNvSpPr>
+            <a:spLocks noGrp="1"/>
+          </p:cNvSpPr>
+          <p:nvPr>
+            <p:ph type="title"/>
+          </p:nvPr>
+        </p:nvSpPr>
+        <p:spPr/>
+        <p:txBody>
+          <a:bodyPr/>
+          <a:lstStyle/>
+          <a:p>
+            <a:r>
+              <a:rPr lang="zh-CN" altLang="en-US" dirty="0">
+                <a:solidFill>
+                  <a:srgbClr val="000000"/>
+                </a:solidFill>
+              </a:rPr>
+              <a:t>控制流</a:t>
+            </a:r>
+            <a:endParaRPr lang="zh-CN" altLang="en-US" dirty="0"/>
+          </a:p>
+        </p:txBody>
+      </p:sp>
+      <p:sp>
+        <p:nvSpPr>
+          <p:cNvPr id="4" name="矩形 3">
+            <a:extLst>
+              <a:ext uri="{FF2B5EF4-FFF2-40B4-BE49-F238E27FC236}">
+                <a16:creationId xmlns:a16="http://schemas.microsoft.com/office/drawing/2014/main" id="{A8A9E4DD-4E9C-45DD-B649-55B3F484454C}"/>
+              </a:ext>
+            </a:extLst>
+          </p:cNvPr>
+          <p:cNvSpPr/>
+          <p:nvPr/>
+        </p:nvSpPr>
+        <p:spPr>
+          <a:xfrm>
+            <a:off x="828827" y="647879"/>
+            <a:ext cx="6789542" cy="4431983"/>
+          </a:xfrm>
+          <a:prstGeom prst="rect">
+            <a:avLst/>
+          </a:prstGeom>
+        </p:spPr>
+        <p:txBody>
+          <a:bodyPr wrap="square">
+            <a:spAutoFit/>
+          </a:bodyPr>
+          <a:lstStyle/>
+          <a:p>
+            <a:r>
+              <a:rPr lang="en-US" altLang="zh-CN" sz="1600" dirty="0"/>
+              <a:t># Filename: while.py</a:t>
+            </a:r>
+          </a:p>
+          <a:p>
+            <a:r>
+              <a:rPr lang="en-US" altLang="zh-CN" sz="1600" dirty="0"/>
+              <a:t>number = 23</a:t>
+            </a:r>
+          </a:p>
+          <a:p>
+            <a:r>
+              <a:rPr lang="en-US" altLang="zh-CN" sz="1600" dirty="0"/>
+              <a:t>running = True</a:t>
+            </a:r>
+          </a:p>
+          <a:p>
+            <a:r>
+              <a:rPr lang="en-US" altLang="zh-CN" sz="1600" dirty="0"/>
+              <a:t>while running:</a:t>
+            </a:r>
+          </a:p>
+          <a:p>
+            <a:r>
+              <a:rPr lang="en-US" altLang="zh-CN" sz="1600" dirty="0"/>
+              <a:t>    guess = int(</a:t>
+            </a:r>
+            <a:r>
+              <a:rPr lang="en-US" altLang="zh-CN" sz="1600" dirty="0" err="1"/>
+              <a:t>raw_input</a:t>
+            </a:r>
+            <a:r>
+              <a:rPr lang="en-US" altLang="zh-CN" sz="1600" dirty="0"/>
+              <a:t>('Enter an integer : '))</a:t>
+            </a:r>
+          </a:p>
+          <a:p>
+            <a:r>
+              <a:rPr lang="en-US" altLang="zh-CN" sz="1600" dirty="0"/>
+              <a:t>    if guess == number:</a:t>
+            </a:r>
+          </a:p>
+          <a:p>
+            <a:r>
+              <a:rPr lang="en-US" altLang="zh-CN" sz="1600" dirty="0"/>
+              <a:t>        print 'Congratulations, you guessed it.'</a:t>
+            </a:r>
+          </a:p>
+          <a:p>
+            <a:r>
+              <a:rPr lang="en-US" altLang="zh-CN" sz="1600" dirty="0"/>
+              <a:t>        running = False # this causes the while loop to stop</a:t>
+            </a:r>
+          </a:p>
+          <a:p>
+            <a:r>
+              <a:rPr lang="en-US" altLang="zh-CN" sz="1600" dirty="0"/>
+              <a:t>    </a:t>
+            </a:r>
+            <a:r>
+              <a:rPr lang="en-US" altLang="zh-CN" sz="1600" dirty="0" err="1"/>
+              <a:t>elif</a:t>
+            </a:r>
+            <a:r>
+              <a:rPr lang="en-US" altLang="zh-CN" sz="1600" dirty="0"/>
+              <a:t> guess &lt; number:</a:t>
+            </a:r>
+          </a:p>
+          <a:p>
+            <a:r>
+              <a:rPr lang="en-US" altLang="zh-CN" sz="1600" dirty="0"/>
+              <a:t>        print 'No, it is a little higher than that'</a:t>
+            </a:r>
+          </a:p>
+          <a:p>
+            <a:r>
+              <a:rPr lang="en-US" altLang="zh-CN" sz="1600" dirty="0"/>
+              <a:t>    else:</a:t>
+            </a:r>
+          </a:p>
+          <a:p>
+            <a:r>
+              <a:rPr lang="en-US" altLang="zh-CN" sz="1600" dirty="0"/>
+              <a:t>        print 'No, it is a little lower than that'</a:t>
+            </a:r>
+          </a:p>
+          <a:p>
+            <a:r>
+              <a:rPr lang="en-US" altLang="zh-CN" sz="1600" dirty="0"/>
+              <a:t>else:</a:t>
+            </a:r>
+          </a:p>
+          <a:p>
+            <a:r>
+              <a:rPr lang="en-US" altLang="zh-CN" sz="1600" dirty="0"/>
+              <a:t>    print 'The while loop is over.'</a:t>
+            </a:r>
+          </a:p>
+          <a:p>
+            <a:r>
+              <a:rPr lang="en-US" altLang="zh-CN" sz="1600" dirty="0"/>
+              <a:t>    # Do anything else you want to do here</a:t>
+            </a:r>
+          </a:p>
+          <a:p>
+            <a:endParaRPr lang="en-US" altLang="zh-CN" sz="1600" dirty="0"/>
+          </a:p>
+          <a:p>
+            <a:r>
+              <a:rPr lang="en-US" altLang="zh-CN" sz="1600" dirty="0"/>
+              <a:t>print 'Done'</a:t>
+            </a:r>
+            <a:endParaRPr lang="zh-CN" altLang="en-US" sz="1600" dirty="0"/>
+          </a:p>
+        </p:txBody>
+      </p:sp>
+    </p:spTree>
+    <p:extLst>
+      <p:ext uri="{BB962C8B-B14F-4D97-AF65-F5344CB8AC3E}">
+        <p14:creationId xmlns:p14="http://schemas.microsoft.com/office/powerpoint/2010/main" val="1489268075"/>
+      </p:ext>
+    </p:extLst>
+  </p:cSld>
+  <p:clrMapOvr>
+    <a:masterClrMapping/>
+  </p:clrMapOvr>
+  <p:transition spd="slow">
+    <p:pull/>
+  </p:transition>
+</p:sld>
+</file>
+
+<file path=ppt/slides/slide34.xml><?xml version="1.0" encoding="utf-8"?>
+<p:sld xmlns:a="http://schemas.openxmlformats.org/drawingml/2006/main" xmlns:r="http://schemas.openxmlformats.org/officeDocument/2006/relationships" xmlns:p="http://schemas.openxmlformats.org/presentationml/2006/main">
+  <p:cSld>
+    <p:spTree>
+      <p:nvGrpSpPr>
+        <p:cNvPr id="1" name=""/>
+        <p:cNvGrpSpPr/>
+        <p:nvPr/>
+      </p:nvGrpSpPr>
+      <p:grpSpPr>
+        <a:xfrm>
+          <a:off x="0" y="0"/>
+          <a:ext cx="0" cy="0"/>
+          <a:chOff x="0" y="0"/>
+          <a:chExt cx="0" cy="0"/>
+        </a:xfrm>
+      </p:grpSpPr>
+      <p:sp>
+        <p:nvSpPr>
+          <p:cNvPr id="2" name="标题 1">
+            <a:extLst>
+              <a:ext uri="{FF2B5EF4-FFF2-40B4-BE49-F238E27FC236}">
+                <a16:creationId xmlns:a16="http://schemas.microsoft.com/office/drawing/2014/main" id="{3455FFF4-11CA-47CB-829B-154218642EBC}"/>
+              </a:ext>
+            </a:extLst>
+          </p:cNvPr>
+          <p:cNvSpPr>
+            <a:spLocks noGrp="1"/>
+          </p:cNvSpPr>
+          <p:nvPr>
+            <p:ph type="title"/>
+          </p:nvPr>
+        </p:nvSpPr>
+        <p:spPr/>
+        <p:txBody>
+          <a:bodyPr/>
+          <a:lstStyle/>
+          <a:p>
+            <a:r>
+              <a:rPr lang="zh-CN" altLang="en-US" dirty="0">
+                <a:solidFill>
+                  <a:srgbClr val="000000"/>
+                </a:solidFill>
+              </a:rPr>
+              <a:t>控制流</a:t>
+            </a:r>
+            <a:endParaRPr lang="zh-CN" altLang="en-US" dirty="0"/>
+          </a:p>
+        </p:txBody>
+      </p:sp>
+      <p:sp>
+        <p:nvSpPr>
+          <p:cNvPr id="3" name="内容占位符 2">
+            <a:extLst>
+              <a:ext uri="{FF2B5EF4-FFF2-40B4-BE49-F238E27FC236}">
+                <a16:creationId xmlns:a16="http://schemas.microsoft.com/office/drawing/2014/main" id="{CFB6633C-0C9D-4252-BBD4-957F570A1523}"/>
+              </a:ext>
+            </a:extLst>
+          </p:cNvPr>
+          <p:cNvSpPr>
+            <a:spLocks noGrp="1"/>
+          </p:cNvSpPr>
+          <p:nvPr>
+            <p:ph idx="1"/>
+          </p:nvPr>
+        </p:nvSpPr>
+        <p:spPr/>
+        <p:txBody>
+          <a:bodyPr/>
+          <a:lstStyle/>
+          <a:p>
+            <a:pPr marL="342900" indent="-342900">
+              <a:buFont typeface="Wingdings" panose="05000000000000000000" pitchFamily="2" charset="2"/>
+              <a:buChar char="l"/>
+            </a:pPr>
+            <a:r>
+              <a:rPr lang="en-US" altLang="zh-CN" dirty="0"/>
+              <a:t>for</a:t>
+            </a:r>
+            <a:r>
+              <a:rPr lang="zh-CN" altLang="en-US" dirty="0"/>
+              <a:t>语句</a:t>
+            </a:r>
+            <a:endParaRPr lang="en-US" altLang="zh-CN" dirty="0"/>
+          </a:p>
+          <a:p>
+            <a:pPr marL="342900" indent="-342900">
+              <a:buFont typeface="Wingdings" panose="05000000000000000000" pitchFamily="2" charset="2"/>
+              <a:buChar char="l"/>
+            </a:pPr>
+            <a:r>
+              <a:rPr lang="en-US" altLang="zh-CN" dirty="0" err="1"/>
+              <a:t>for..in</a:t>
+            </a:r>
+            <a:r>
+              <a:rPr lang="zh-CN" altLang="en-US" dirty="0"/>
+              <a:t>是另外一个循环语句，它在一序列的对象上 递归 即逐一使用队列中的每个项目。</a:t>
+            </a:r>
+            <a:endParaRPr lang="en-US" altLang="zh-CN" dirty="0"/>
+          </a:p>
+          <a:p>
+            <a:endParaRPr lang="zh-CN" altLang="en-US" dirty="0"/>
+          </a:p>
+        </p:txBody>
+      </p:sp>
+      <p:sp>
+        <p:nvSpPr>
+          <p:cNvPr id="4" name="矩形 3">
+            <a:extLst>
+              <a:ext uri="{FF2B5EF4-FFF2-40B4-BE49-F238E27FC236}">
+                <a16:creationId xmlns:a16="http://schemas.microsoft.com/office/drawing/2014/main" id="{267C0600-AF3C-4996-9A3D-4DA87C2635CD}"/>
+              </a:ext>
+            </a:extLst>
+          </p:cNvPr>
+          <p:cNvSpPr/>
+          <p:nvPr/>
+        </p:nvSpPr>
+        <p:spPr>
+          <a:xfrm>
+            <a:off x="887506" y="2630130"/>
+            <a:ext cx="4572000" cy="1477328"/>
+          </a:xfrm>
+          <a:prstGeom prst="rect">
+            <a:avLst/>
+          </a:prstGeom>
+        </p:spPr>
+        <p:txBody>
+          <a:bodyPr>
+            <a:spAutoFit/>
+          </a:bodyPr>
+          <a:lstStyle/>
+          <a:p>
+            <a:r>
+              <a:rPr lang="en-US" altLang="zh-CN" dirty="0"/>
+              <a:t># Filename: for.py</a:t>
+            </a:r>
+          </a:p>
+          <a:p>
+            <a:r>
+              <a:rPr lang="en-US" altLang="zh-CN" dirty="0"/>
+              <a:t>for i in range(1, 5):</a:t>
+            </a:r>
+          </a:p>
+          <a:p>
+            <a:r>
+              <a:rPr lang="en-US" altLang="zh-CN" dirty="0"/>
+              <a:t>    print(i)</a:t>
+            </a:r>
+          </a:p>
+          <a:p>
+            <a:r>
+              <a:rPr lang="en-US" altLang="zh-CN" dirty="0"/>
+              <a:t>else:</a:t>
+            </a:r>
+          </a:p>
+          <a:p>
+            <a:r>
+              <a:rPr lang="en-US" altLang="zh-CN" dirty="0"/>
+              <a:t>    print('The for loop is over')</a:t>
+            </a:r>
+            <a:endParaRPr lang="zh-CN" altLang="en-US" dirty="0"/>
+          </a:p>
+        </p:txBody>
+      </p:sp>
+    </p:spTree>
+    <p:extLst>
+      <p:ext uri="{BB962C8B-B14F-4D97-AF65-F5344CB8AC3E}">
+        <p14:creationId xmlns:p14="http://schemas.microsoft.com/office/powerpoint/2010/main" val="2968922536"/>
+      </p:ext>
+    </p:extLst>
+  </p:cSld>
+  <p:clrMapOvr>
+    <a:masterClrMapping/>
+  </p:clrMapOvr>
+  <p:transition spd="slow">
+    <p:pull/>
+  </p:transition>
+</p:sld>
+</file>
+
+<file path=ppt/slides/slide35.xml><?xml version="1.0" encoding="utf-8"?>
+<p:sld xmlns:a="http://schemas.openxmlformats.org/drawingml/2006/main" xmlns:r="http://schemas.openxmlformats.org/officeDocument/2006/relationships" xmlns:p="http://schemas.openxmlformats.org/presentationml/2006/main">
+  <p:cSld>
+    <p:spTree>
+      <p:nvGrpSpPr>
+        <p:cNvPr id="1" name=""/>
+        <p:cNvGrpSpPr/>
+        <p:nvPr/>
+      </p:nvGrpSpPr>
+      <p:grpSpPr>
+        <a:xfrm>
+          <a:off x="0" y="0"/>
+          <a:ext cx="0" cy="0"/>
+          <a:chOff x="0" y="0"/>
+          <a:chExt cx="0" cy="0"/>
+        </a:xfrm>
+      </p:grpSpPr>
+      <p:sp>
+        <p:nvSpPr>
+          <p:cNvPr id="2" name="标题 1">
+            <a:extLst>
+              <a:ext uri="{FF2B5EF4-FFF2-40B4-BE49-F238E27FC236}">
+                <a16:creationId xmlns:a16="http://schemas.microsoft.com/office/drawing/2014/main" id="{DC7A0FD0-628C-411B-B057-D17C9EF27E00}"/>
+              </a:ext>
+            </a:extLst>
+          </p:cNvPr>
+          <p:cNvSpPr>
+            <a:spLocks noGrp="1"/>
+          </p:cNvSpPr>
+          <p:nvPr>
+            <p:ph type="title"/>
+          </p:nvPr>
+        </p:nvSpPr>
+        <p:spPr/>
+        <p:txBody>
+          <a:bodyPr/>
+          <a:lstStyle/>
+          <a:p>
+            <a:r>
+              <a:rPr lang="zh-CN" altLang="en-US" dirty="0">
+                <a:solidFill>
+                  <a:srgbClr val="000000"/>
+                </a:solidFill>
+              </a:rPr>
+              <a:t>控制流</a:t>
+            </a:r>
+            <a:endParaRPr lang="zh-CN" altLang="en-US" dirty="0"/>
+          </a:p>
+        </p:txBody>
+      </p:sp>
+      <p:sp>
+        <p:nvSpPr>
+          <p:cNvPr id="3" name="内容占位符 2">
+            <a:extLst>
+              <a:ext uri="{FF2B5EF4-FFF2-40B4-BE49-F238E27FC236}">
+                <a16:creationId xmlns:a16="http://schemas.microsoft.com/office/drawing/2014/main" id="{0D11021B-D788-4F19-964B-88D8907D2616}"/>
+              </a:ext>
+            </a:extLst>
+          </p:cNvPr>
+          <p:cNvSpPr>
+            <a:spLocks noGrp="1"/>
+          </p:cNvSpPr>
+          <p:nvPr>
+            <p:ph idx="1"/>
+          </p:nvPr>
+        </p:nvSpPr>
+        <p:spPr/>
+        <p:txBody>
+          <a:bodyPr/>
+          <a:lstStyle/>
+          <a:p>
+            <a:pPr marL="342900" indent="-342900">
+              <a:buFont typeface="Wingdings" panose="05000000000000000000" pitchFamily="2" charset="2"/>
+              <a:buChar char="l"/>
+            </a:pPr>
+            <a:r>
+              <a:rPr lang="en-US" altLang="zh-CN" dirty="0"/>
+              <a:t>Python</a:t>
+            </a:r>
+            <a:r>
+              <a:rPr lang="zh-CN" altLang="en-US" dirty="0"/>
+              <a:t>的</a:t>
+            </a:r>
+            <a:r>
+              <a:rPr lang="en-US" altLang="zh-CN" dirty="0"/>
+              <a:t>for</a:t>
+            </a:r>
+            <a:r>
+              <a:rPr lang="zh-CN" altLang="en-US" dirty="0"/>
+              <a:t>循环从根本上不同于</a:t>
+            </a:r>
+            <a:r>
+              <a:rPr lang="en-US" altLang="zh-CN" dirty="0"/>
+              <a:t>C/C++</a:t>
+            </a:r>
+            <a:r>
+              <a:rPr lang="zh-CN" altLang="en-US" dirty="0"/>
+              <a:t>的</a:t>
+            </a:r>
+            <a:r>
+              <a:rPr lang="en-US" altLang="zh-CN" dirty="0"/>
+              <a:t>for</a:t>
+            </a:r>
+            <a:r>
+              <a:rPr lang="zh-CN" altLang="en-US" dirty="0"/>
+              <a:t>循环。</a:t>
+            </a:r>
+            <a:r>
+              <a:rPr lang="en-US" altLang="zh-CN" dirty="0"/>
+              <a:t>C#</a:t>
+            </a:r>
+            <a:r>
+              <a:rPr lang="zh-CN" altLang="en-US" dirty="0"/>
+              <a:t>程序员会注意到</a:t>
+            </a:r>
+            <a:r>
+              <a:rPr lang="en-US" altLang="zh-CN" dirty="0"/>
+              <a:t>Python</a:t>
+            </a:r>
+            <a:r>
+              <a:rPr lang="zh-CN" altLang="en-US" dirty="0"/>
+              <a:t>的</a:t>
+            </a:r>
+            <a:r>
+              <a:rPr lang="en-US" altLang="zh-CN" dirty="0"/>
+              <a:t>for</a:t>
+            </a:r>
+            <a:r>
+              <a:rPr lang="zh-CN" altLang="en-US" dirty="0"/>
+              <a:t>循环与</a:t>
+            </a:r>
+            <a:r>
+              <a:rPr lang="en-US" altLang="zh-CN" dirty="0"/>
+              <a:t>C#</a:t>
+            </a:r>
+            <a:r>
+              <a:rPr lang="zh-CN" altLang="en-US" dirty="0"/>
+              <a:t>中的</a:t>
+            </a:r>
+            <a:r>
+              <a:rPr lang="en-US" altLang="zh-CN" dirty="0"/>
+              <a:t>foreach</a:t>
+            </a:r>
+            <a:r>
+              <a:rPr lang="zh-CN" altLang="en-US" dirty="0"/>
+              <a:t>循环十分类似。</a:t>
+            </a:r>
+            <a:r>
+              <a:rPr lang="en-US" altLang="zh-CN" dirty="0"/>
+              <a:t>Java</a:t>
+            </a:r>
+            <a:r>
+              <a:rPr lang="zh-CN" altLang="en-US" dirty="0"/>
+              <a:t>程序员会注意到它与</a:t>
+            </a:r>
+            <a:r>
+              <a:rPr lang="en-US" altLang="zh-CN" dirty="0"/>
+              <a:t>Java 1.5</a:t>
+            </a:r>
+            <a:r>
+              <a:rPr lang="zh-CN" altLang="en-US" dirty="0"/>
+              <a:t>中的</a:t>
+            </a:r>
+            <a:r>
+              <a:rPr lang="en-US" altLang="zh-CN" dirty="0"/>
+              <a:t>for (int i : </a:t>
+            </a:r>
+            <a:r>
+              <a:rPr lang="en-US" altLang="zh-CN" dirty="0" err="1"/>
+              <a:t>IntArray</a:t>
+            </a:r>
+            <a:r>
+              <a:rPr lang="en-US" altLang="zh-CN" dirty="0"/>
+              <a:t>)</a:t>
+            </a:r>
+            <a:r>
+              <a:rPr lang="zh-CN" altLang="en-US" dirty="0"/>
+              <a:t>相似。</a:t>
+            </a:r>
+            <a:endParaRPr lang="en-US" altLang="zh-CN" dirty="0"/>
+          </a:p>
+          <a:p>
+            <a:pPr marL="342900" indent="-342900">
+              <a:buFont typeface="Wingdings" panose="05000000000000000000" pitchFamily="2" charset="2"/>
+              <a:buChar char="l"/>
+            </a:pPr>
+            <a:endParaRPr lang="zh-CN" altLang="en-US" dirty="0"/>
+          </a:p>
+          <a:p>
+            <a:pPr marL="342900" indent="-342900">
+              <a:buFont typeface="Wingdings" panose="05000000000000000000" pitchFamily="2" charset="2"/>
+              <a:buChar char="l"/>
+            </a:pPr>
+            <a:r>
+              <a:rPr lang="zh-CN" altLang="en-US" dirty="0"/>
+              <a:t>在</a:t>
+            </a:r>
+            <a:r>
+              <a:rPr lang="en-US" altLang="zh-CN" dirty="0"/>
+              <a:t>C/C++</a:t>
+            </a:r>
+            <a:r>
+              <a:rPr lang="zh-CN" altLang="en-US" dirty="0"/>
+              <a:t>中，如果你想要写</a:t>
+            </a:r>
+            <a:r>
+              <a:rPr lang="en-US" altLang="zh-CN" dirty="0"/>
+              <a:t>for (int i = 0; i &lt; 5; i++)</a:t>
+            </a:r>
+            <a:r>
+              <a:rPr lang="zh-CN" altLang="en-US" dirty="0"/>
+              <a:t>，那么用</a:t>
+            </a:r>
+            <a:r>
+              <a:rPr lang="en-US" altLang="zh-CN" dirty="0"/>
+              <a:t>Python</a:t>
+            </a:r>
+            <a:r>
+              <a:rPr lang="zh-CN" altLang="en-US" dirty="0"/>
+              <a:t>，你写成</a:t>
+            </a:r>
+            <a:r>
+              <a:rPr lang="en-US" altLang="zh-CN" dirty="0"/>
+              <a:t>for i in range(0,5)</a:t>
+            </a:r>
+            <a:r>
+              <a:rPr lang="zh-CN" altLang="en-US" dirty="0"/>
+              <a:t>。你会注意到，</a:t>
+            </a:r>
+            <a:r>
+              <a:rPr lang="en-US" altLang="zh-CN" dirty="0"/>
+              <a:t>Python</a:t>
+            </a:r>
+            <a:r>
+              <a:rPr lang="zh-CN" altLang="en-US" dirty="0"/>
+              <a:t>的</a:t>
+            </a:r>
+            <a:r>
+              <a:rPr lang="en-US" altLang="zh-CN" dirty="0"/>
+              <a:t>for</a:t>
+            </a:r>
+            <a:r>
+              <a:rPr lang="zh-CN" altLang="en-US" dirty="0"/>
+              <a:t>循环更加简单、明白、不易出错。</a:t>
+            </a:r>
+          </a:p>
+          <a:p>
+            <a:endParaRPr lang="zh-CN" altLang="en-US" dirty="0"/>
+          </a:p>
+        </p:txBody>
+      </p:sp>
+    </p:spTree>
+    <p:extLst>
+      <p:ext uri="{BB962C8B-B14F-4D97-AF65-F5344CB8AC3E}">
+        <p14:creationId xmlns:p14="http://schemas.microsoft.com/office/powerpoint/2010/main" val="3877983162"/>
+      </p:ext>
+    </p:extLst>
+  </p:cSld>
+  <p:clrMapOvr>
+    <a:masterClrMapping/>
+  </p:clrMapOvr>
+  <p:transition spd="slow">
+    <p:pull/>
+  </p:transition>
+</p:sld>
+</file>
+
+<file path=ppt/slides/slide36.xml><?xml version="1.0" encoding="utf-8"?>
+<p:sld xmlns:a="http://schemas.openxmlformats.org/drawingml/2006/main" xmlns:r="http://schemas.openxmlformats.org/officeDocument/2006/relationships" xmlns:p="http://schemas.openxmlformats.org/presentationml/2006/main">
+  <p:cSld>
+    <p:spTree>
+      <p:nvGrpSpPr>
+        <p:cNvPr id="1" name=""/>
+        <p:cNvGrpSpPr/>
+        <p:nvPr/>
+      </p:nvGrpSpPr>
+      <p:grpSpPr>
+        <a:xfrm>
+          <a:off x="0" y="0"/>
+          <a:ext cx="0" cy="0"/>
+          <a:chOff x="0" y="0"/>
+          <a:chExt cx="0" cy="0"/>
+        </a:xfrm>
+      </p:grpSpPr>
+      <p:sp>
+        <p:nvSpPr>
+          <p:cNvPr id="2" name="标题 1">
+            <a:extLst>
+              <a:ext uri="{FF2B5EF4-FFF2-40B4-BE49-F238E27FC236}">
+                <a16:creationId xmlns:a16="http://schemas.microsoft.com/office/drawing/2014/main" id="{F66F9BD6-4C62-410F-9F58-462DCE127202}"/>
+              </a:ext>
+            </a:extLst>
+          </p:cNvPr>
+          <p:cNvSpPr>
+            <a:spLocks noGrp="1"/>
+          </p:cNvSpPr>
+          <p:nvPr>
+            <p:ph type="title"/>
+          </p:nvPr>
+        </p:nvSpPr>
+        <p:spPr/>
+        <p:txBody>
+          <a:bodyPr/>
+          <a:lstStyle/>
+          <a:p>
+            <a:r>
+              <a:rPr lang="zh-CN" altLang="en-US" dirty="0">
+                <a:solidFill>
+                  <a:srgbClr val="000000"/>
+                </a:solidFill>
+              </a:rPr>
+              <a:t>控制流</a:t>
+            </a:r>
+            <a:endParaRPr lang="zh-CN" altLang="en-US" dirty="0"/>
+          </a:p>
+        </p:txBody>
+      </p:sp>
+      <p:sp>
+        <p:nvSpPr>
+          <p:cNvPr id="3" name="内容占位符 2">
+            <a:extLst>
+              <a:ext uri="{FF2B5EF4-FFF2-40B4-BE49-F238E27FC236}">
+                <a16:creationId xmlns:a16="http://schemas.microsoft.com/office/drawing/2014/main" id="{AB61E873-E592-4130-852A-41388F8BAB1C}"/>
+              </a:ext>
+            </a:extLst>
+          </p:cNvPr>
+          <p:cNvSpPr>
+            <a:spLocks noGrp="1"/>
+          </p:cNvSpPr>
+          <p:nvPr>
+            <p:ph idx="1"/>
+          </p:nvPr>
+        </p:nvSpPr>
+        <p:spPr/>
+        <p:txBody>
+          <a:bodyPr/>
+          <a:lstStyle/>
+          <a:p>
+            <a:pPr marL="342900" indent="-342900">
+              <a:buFont typeface="Wingdings" panose="05000000000000000000" pitchFamily="2" charset="2"/>
+              <a:buChar char="l"/>
+            </a:pPr>
+            <a:r>
+              <a:rPr lang="en-US" altLang="zh-CN" dirty="0"/>
+              <a:t>break</a:t>
+            </a:r>
+            <a:r>
+              <a:rPr lang="zh-CN" altLang="en-US" dirty="0"/>
+              <a:t>语句</a:t>
+            </a:r>
+            <a:endParaRPr lang="en-US" altLang="zh-CN" dirty="0"/>
+          </a:p>
+          <a:p>
+            <a:r>
+              <a:rPr lang="en-US" altLang="zh-CN" dirty="0"/>
+              <a:t>break</a:t>
+            </a:r>
+            <a:r>
+              <a:rPr lang="zh-CN" altLang="en-US" dirty="0"/>
+              <a:t>语句是用来 终止 循环语句的，即哪怕循环条件没有称为</a:t>
+            </a:r>
+            <a:r>
+              <a:rPr lang="en-US" altLang="zh-CN" dirty="0"/>
+              <a:t>False</a:t>
+            </a:r>
+            <a:r>
+              <a:rPr lang="zh-CN" altLang="en-US" dirty="0"/>
+              <a:t>或序列还没有被完全递归，也停止执行循环语句。</a:t>
+            </a:r>
+            <a:endParaRPr lang="en-US" altLang="zh-CN" dirty="0"/>
+          </a:p>
+          <a:p>
+            <a:r>
+              <a:rPr lang="zh-CN" altLang="en-US" dirty="0"/>
+              <a:t>一个重要的注释是，如果你从</a:t>
+            </a:r>
+            <a:r>
+              <a:rPr lang="en-US" altLang="zh-CN" dirty="0"/>
+              <a:t>for</a:t>
+            </a:r>
+            <a:r>
+              <a:rPr lang="zh-CN" altLang="en-US" dirty="0"/>
+              <a:t>或</a:t>
+            </a:r>
+            <a:r>
+              <a:rPr lang="en-US" altLang="zh-CN" dirty="0"/>
+              <a:t>while</a:t>
+            </a:r>
+            <a:r>
+              <a:rPr lang="zh-CN" altLang="en-US" dirty="0"/>
+              <a:t>循环中 终止 ，任何对应的循环</a:t>
+            </a:r>
+            <a:r>
+              <a:rPr lang="en-US" altLang="zh-CN" dirty="0"/>
+              <a:t>else</a:t>
+            </a:r>
+            <a:r>
+              <a:rPr lang="zh-CN" altLang="en-US" dirty="0"/>
+              <a:t>块将不执行。</a:t>
+            </a:r>
+            <a:endParaRPr lang="en-US" altLang="zh-CN" dirty="0"/>
+          </a:p>
+          <a:p>
+            <a:endParaRPr lang="zh-CN" altLang="en-US" dirty="0"/>
+          </a:p>
+        </p:txBody>
+      </p:sp>
+    </p:spTree>
+    <p:extLst>
+      <p:ext uri="{BB962C8B-B14F-4D97-AF65-F5344CB8AC3E}">
+        <p14:creationId xmlns:p14="http://schemas.microsoft.com/office/powerpoint/2010/main" val="2306156835"/>
+      </p:ext>
+    </p:extLst>
+  </p:cSld>
+  <p:clrMapOvr>
+    <a:masterClrMapping/>
+  </p:clrMapOvr>
+  <p:transition spd="slow">
+    <p:pull/>
+  </p:transition>
+</p:sld>
+</file>
+
+<file path=ppt/slides/slide37.xml><?xml version="1.0" encoding="utf-8"?>
+<p:sld xmlns:a="http://schemas.openxmlformats.org/drawingml/2006/main" xmlns:r="http://schemas.openxmlformats.org/officeDocument/2006/relationships" xmlns:p="http://schemas.openxmlformats.org/presentationml/2006/main">
+  <p:cSld>
+    <p:spTree>
+      <p:nvGrpSpPr>
+        <p:cNvPr id="1" name=""/>
+        <p:cNvGrpSpPr/>
+        <p:nvPr/>
+      </p:nvGrpSpPr>
+      <p:grpSpPr>
+        <a:xfrm>
+          <a:off x="0" y="0"/>
+          <a:ext cx="0" cy="0"/>
+          <a:chOff x="0" y="0"/>
+          <a:chExt cx="0" cy="0"/>
+        </a:xfrm>
+      </p:grpSpPr>
+      <p:sp>
+        <p:nvSpPr>
+          <p:cNvPr id="2" name="标题 1">
+            <a:extLst>
+              <a:ext uri="{FF2B5EF4-FFF2-40B4-BE49-F238E27FC236}">
+                <a16:creationId xmlns:a16="http://schemas.microsoft.com/office/drawing/2014/main" id="{4B1AC9D5-F842-44F7-9376-9888AFD97C64}"/>
+              </a:ext>
+            </a:extLst>
+          </p:cNvPr>
+          <p:cNvSpPr>
+            <a:spLocks noGrp="1"/>
+          </p:cNvSpPr>
+          <p:nvPr>
+            <p:ph type="title"/>
+          </p:nvPr>
+        </p:nvSpPr>
+        <p:spPr/>
+        <p:txBody>
+          <a:bodyPr/>
+          <a:lstStyle/>
+          <a:p>
+            <a:r>
+              <a:rPr lang="zh-CN" altLang="en-US" dirty="0">
+                <a:solidFill>
+                  <a:srgbClr val="000000"/>
+                </a:solidFill>
+              </a:rPr>
+              <a:t>控制流</a:t>
+            </a:r>
+            <a:endParaRPr lang="zh-CN" altLang="en-US" dirty="0"/>
+          </a:p>
+        </p:txBody>
+      </p:sp>
+      <p:sp>
+        <p:nvSpPr>
+          <p:cNvPr id="4" name="矩形 3">
+            <a:extLst>
+              <a:ext uri="{FF2B5EF4-FFF2-40B4-BE49-F238E27FC236}">
+                <a16:creationId xmlns:a16="http://schemas.microsoft.com/office/drawing/2014/main" id="{13D9E45A-5E03-4D5C-9306-0FA48B53135D}"/>
+              </a:ext>
+            </a:extLst>
+          </p:cNvPr>
+          <p:cNvSpPr/>
+          <p:nvPr/>
+        </p:nvSpPr>
+        <p:spPr>
+          <a:xfrm>
+            <a:off x="486539" y="895960"/>
+            <a:ext cx="4572000" cy="2031325"/>
+          </a:xfrm>
+          <a:prstGeom prst="rect">
+            <a:avLst/>
+          </a:prstGeom>
+        </p:spPr>
+        <p:txBody>
+          <a:bodyPr>
+            <a:spAutoFit/>
+          </a:bodyPr>
+          <a:lstStyle/>
+          <a:p>
+            <a:r>
+              <a:rPr lang="en-US" altLang="zh-CN" dirty="0"/>
+              <a:t># Filename: break.py</a:t>
+            </a:r>
+          </a:p>
+          <a:p>
+            <a:r>
+              <a:rPr lang="en-US" altLang="zh-CN" dirty="0"/>
+              <a:t>while True:</a:t>
+            </a:r>
+          </a:p>
+          <a:p>
+            <a:r>
+              <a:rPr lang="en-US" altLang="zh-CN" dirty="0"/>
+              <a:t>    s = </a:t>
+            </a:r>
+            <a:r>
+              <a:rPr lang="en-US" altLang="zh-CN" dirty="0" err="1"/>
+              <a:t>raw_input</a:t>
+            </a:r>
+            <a:r>
+              <a:rPr lang="en-US" altLang="zh-CN" dirty="0"/>
+              <a:t>('Enter something : ')</a:t>
+            </a:r>
+          </a:p>
+          <a:p>
+            <a:r>
+              <a:rPr lang="en-US" altLang="zh-CN" dirty="0"/>
+              <a:t>    if s == 'quit':</a:t>
+            </a:r>
+          </a:p>
+          <a:p>
+            <a:r>
+              <a:rPr lang="en-US" altLang="zh-CN" dirty="0"/>
+              <a:t>        break</a:t>
+            </a:r>
+          </a:p>
+          <a:p>
+            <a:r>
+              <a:rPr lang="en-US" altLang="zh-CN" dirty="0"/>
+              <a:t>    print('Length of the string is', </a:t>
+            </a:r>
+            <a:r>
+              <a:rPr lang="en-US" altLang="zh-CN" dirty="0" err="1"/>
+              <a:t>len</a:t>
+            </a:r>
+            <a:r>
+              <a:rPr lang="en-US" altLang="zh-CN" dirty="0"/>
+              <a:t>(s))</a:t>
+            </a:r>
+          </a:p>
+          <a:p>
+            <a:r>
+              <a:rPr lang="en-US" altLang="zh-CN" dirty="0"/>
+              <a:t>print('Done')</a:t>
+            </a:r>
+            <a:endParaRPr lang="zh-CN" altLang="en-US" dirty="0"/>
+          </a:p>
+        </p:txBody>
+      </p:sp>
+    </p:spTree>
+    <p:extLst>
+      <p:ext uri="{BB962C8B-B14F-4D97-AF65-F5344CB8AC3E}">
+        <p14:creationId xmlns:p14="http://schemas.microsoft.com/office/powerpoint/2010/main" val="1817801790"/>
+      </p:ext>
+    </p:extLst>
+  </p:cSld>
+  <p:clrMapOvr>
+    <a:masterClrMapping/>
+  </p:clrMapOvr>
+  <p:transition spd="slow">
+    <p:pull/>
+  </p:transition>
+</p:sld>
+</file>
+
+<file path=ppt/slides/slide38.xml><?xml version="1.0" encoding="utf-8"?>
+<p:sld xmlns:a="http://schemas.openxmlformats.org/drawingml/2006/main" xmlns:r="http://schemas.openxmlformats.org/officeDocument/2006/relationships" xmlns:p="http://schemas.openxmlformats.org/presentationml/2006/main">
+  <p:cSld>
+    <p:spTree>
+      <p:nvGrpSpPr>
+        <p:cNvPr id="1" name=""/>
+        <p:cNvGrpSpPr/>
+        <p:nvPr/>
+      </p:nvGrpSpPr>
+      <p:grpSpPr>
+        <a:xfrm>
+          <a:off x="0" y="0"/>
+          <a:ext cx="0" cy="0"/>
+          <a:chOff x="0" y="0"/>
+          <a:chExt cx="0" cy="0"/>
+        </a:xfrm>
+      </p:grpSpPr>
+      <p:sp>
+        <p:nvSpPr>
+          <p:cNvPr id="2" name="标题 1">
+            <a:extLst>
+              <a:ext uri="{FF2B5EF4-FFF2-40B4-BE49-F238E27FC236}">
+                <a16:creationId xmlns:a16="http://schemas.microsoft.com/office/drawing/2014/main" id="{51904579-FE26-4B7F-B3E8-DB93B2546514}"/>
+              </a:ext>
+            </a:extLst>
+          </p:cNvPr>
+          <p:cNvSpPr>
+            <a:spLocks noGrp="1"/>
+          </p:cNvSpPr>
+          <p:nvPr>
+            <p:ph type="title"/>
+          </p:nvPr>
+        </p:nvSpPr>
+        <p:spPr/>
+        <p:txBody>
+          <a:bodyPr/>
+          <a:lstStyle/>
+          <a:p>
+            <a:r>
+              <a:rPr lang="zh-CN" altLang="en-US" dirty="0">
+                <a:solidFill>
+                  <a:srgbClr val="000000"/>
+                </a:solidFill>
+              </a:rPr>
+              <a:t>控制流</a:t>
+            </a:r>
+            <a:endParaRPr lang="zh-CN" altLang="en-US" dirty="0"/>
+          </a:p>
+        </p:txBody>
+      </p:sp>
+      <p:sp>
+        <p:nvSpPr>
+          <p:cNvPr id="3" name="内容占位符 2">
+            <a:extLst>
+              <a:ext uri="{FF2B5EF4-FFF2-40B4-BE49-F238E27FC236}">
+                <a16:creationId xmlns:a16="http://schemas.microsoft.com/office/drawing/2014/main" id="{08AA77D4-46BE-493D-9C4C-AD48FC21C6CB}"/>
+              </a:ext>
+            </a:extLst>
+          </p:cNvPr>
+          <p:cNvSpPr>
+            <a:spLocks noGrp="1"/>
+          </p:cNvSpPr>
+          <p:nvPr>
+            <p:ph idx="1"/>
+          </p:nvPr>
+        </p:nvSpPr>
+        <p:spPr/>
+        <p:txBody>
+          <a:bodyPr/>
+          <a:lstStyle/>
+          <a:p>
+            <a:pPr marL="342900" indent="-342900">
+              <a:buFont typeface="Wingdings" panose="05000000000000000000" pitchFamily="2" charset="2"/>
+              <a:buChar char="l"/>
+            </a:pPr>
+            <a:r>
+              <a:rPr lang="en-US" altLang="zh-CN" dirty="0"/>
+              <a:t>Continue</a:t>
+            </a:r>
+            <a:r>
+              <a:rPr lang="zh-CN" altLang="en-US" dirty="0"/>
+              <a:t>语句</a:t>
+            </a:r>
+            <a:endParaRPr lang="en-US" altLang="zh-CN" dirty="0"/>
+          </a:p>
+          <a:p>
+            <a:r>
+              <a:rPr lang="en-US" altLang="zh-CN" dirty="0"/>
+              <a:t>continue</a:t>
+            </a:r>
+            <a:r>
+              <a:rPr lang="zh-CN" altLang="en-US" dirty="0"/>
+              <a:t>语句被用来告诉</a:t>
+            </a:r>
+            <a:r>
+              <a:rPr lang="en-US" altLang="zh-CN" dirty="0"/>
+              <a:t>Python</a:t>
+            </a:r>
+            <a:r>
+              <a:rPr lang="zh-CN" altLang="en-US" dirty="0"/>
+              <a:t>跳过当前循环块中的剩余语句，然后 继续 进行下一轮循环。</a:t>
+            </a:r>
+            <a:endParaRPr lang="en-US" altLang="zh-CN" dirty="0"/>
+          </a:p>
+          <a:p>
+            <a:endParaRPr lang="en-US" altLang="zh-CN" dirty="0"/>
+          </a:p>
+          <a:p>
+            <a:pPr marL="342900" indent="-342900">
+              <a:buFont typeface="Wingdings" panose="05000000000000000000" pitchFamily="2" charset="2"/>
+              <a:buChar char="l"/>
+            </a:pPr>
+            <a:r>
+              <a:rPr lang="en-US" altLang="zh-CN" dirty="0"/>
+              <a:t>continue</a:t>
+            </a:r>
+            <a:r>
+              <a:rPr lang="zh-CN" altLang="en-US" dirty="0"/>
+              <a:t>语句对于</a:t>
+            </a:r>
+            <a:r>
+              <a:rPr lang="en-US" altLang="zh-CN" dirty="0"/>
+              <a:t>for</a:t>
+            </a:r>
+            <a:r>
+              <a:rPr lang="zh-CN" altLang="en-US" dirty="0"/>
+              <a:t>循环，</a:t>
+            </a:r>
+            <a:r>
+              <a:rPr lang="en-US" altLang="zh-CN" dirty="0"/>
+              <a:t>while</a:t>
+            </a:r>
+            <a:r>
+              <a:rPr lang="zh-CN" altLang="en-US" dirty="0"/>
+              <a:t>循坏都有效。</a:t>
+            </a:r>
+          </a:p>
+          <a:p>
+            <a:endParaRPr lang="zh-CN" altLang="en-US" dirty="0"/>
+          </a:p>
+        </p:txBody>
+      </p:sp>
+    </p:spTree>
+    <p:extLst>
+      <p:ext uri="{BB962C8B-B14F-4D97-AF65-F5344CB8AC3E}">
+        <p14:creationId xmlns:p14="http://schemas.microsoft.com/office/powerpoint/2010/main" val="2140292027"/>
+      </p:ext>
+    </p:extLst>
+  </p:cSld>
+  <p:clrMapOvr>
+    <a:masterClrMapping/>
+  </p:clrMapOvr>
+  <p:transition spd="slow">
+    <p:pull/>
+  </p:transition>
+</p:sld>
+</file>
+
+<file path=ppt/slides/slide39.xml><?xml version="1.0" encoding="utf-8"?>
+<p:sld xmlns:a="http://schemas.openxmlformats.org/drawingml/2006/main" xmlns:r="http://schemas.openxmlformats.org/officeDocument/2006/relationships" xmlns:p="http://schemas.openxmlformats.org/presentationml/2006/main">
+  <p:cSld>
+    <p:spTree>
+      <p:nvGrpSpPr>
+        <p:cNvPr id="1" name=""/>
+        <p:cNvGrpSpPr/>
+        <p:nvPr/>
+      </p:nvGrpSpPr>
+      <p:grpSpPr>
+        <a:xfrm>
+          <a:off x="0" y="0"/>
+          <a:ext cx="0" cy="0"/>
+          <a:chOff x="0" y="0"/>
+          <a:chExt cx="0" cy="0"/>
+        </a:xfrm>
+      </p:grpSpPr>
+      <p:sp>
+        <p:nvSpPr>
+          <p:cNvPr id="2" name="标题 1">
+            <a:extLst>
+              <a:ext uri="{FF2B5EF4-FFF2-40B4-BE49-F238E27FC236}">
+                <a16:creationId xmlns:a16="http://schemas.microsoft.com/office/drawing/2014/main" id="{6E085C02-DAE6-4996-8B25-867CB7561605}"/>
+              </a:ext>
+            </a:extLst>
+          </p:cNvPr>
+          <p:cNvSpPr>
+            <a:spLocks noGrp="1"/>
+          </p:cNvSpPr>
+          <p:nvPr>
+            <p:ph type="title"/>
+          </p:nvPr>
+        </p:nvSpPr>
+        <p:spPr/>
+        <p:txBody>
+          <a:bodyPr/>
+          <a:lstStyle/>
+          <a:p>
+            <a:r>
+              <a:rPr lang="zh-CN" altLang="en-US" dirty="0">
+                <a:solidFill>
+                  <a:srgbClr val="000000"/>
+                </a:solidFill>
+              </a:rPr>
+              <a:t>控制流</a:t>
+            </a:r>
+            <a:endParaRPr lang="zh-CN" altLang="en-US" dirty="0"/>
+          </a:p>
+        </p:txBody>
+      </p:sp>
+      <p:sp>
+        <p:nvSpPr>
+          <p:cNvPr id="4" name="矩形 3">
+            <a:extLst>
+              <a:ext uri="{FF2B5EF4-FFF2-40B4-BE49-F238E27FC236}">
+                <a16:creationId xmlns:a16="http://schemas.microsoft.com/office/drawing/2014/main" id="{3E6BEF15-B805-46EC-9F85-CAA25E77C51A}"/>
+              </a:ext>
+            </a:extLst>
+          </p:cNvPr>
+          <p:cNvSpPr/>
+          <p:nvPr/>
+        </p:nvSpPr>
+        <p:spPr>
+          <a:xfrm>
+            <a:off x="775040" y="951470"/>
+            <a:ext cx="4572000" cy="2585323"/>
+          </a:xfrm>
+          <a:prstGeom prst="rect">
+            <a:avLst/>
+          </a:prstGeom>
+        </p:spPr>
+        <p:txBody>
+          <a:bodyPr>
+            <a:spAutoFit/>
+          </a:bodyPr>
+          <a:lstStyle/>
+          <a:p>
+            <a:r>
+              <a:rPr lang="en-US" altLang="zh-CN" dirty="0"/>
+              <a:t># Filename: continue.py</a:t>
+            </a:r>
+          </a:p>
+          <a:p>
+            <a:r>
+              <a:rPr lang="en-US" altLang="zh-CN" dirty="0"/>
+              <a:t>while True:</a:t>
+            </a:r>
+          </a:p>
+          <a:p>
+            <a:r>
+              <a:rPr lang="en-US" altLang="zh-CN" dirty="0"/>
+              <a:t>    s = </a:t>
+            </a:r>
+            <a:r>
+              <a:rPr lang="en-US" altLang="zh-CN" dirty="0" err="1"/>
+              <a:t>raw_input</a:t>
+            </a:r>
+            <a:r>
+              <a:rPr lang="en-US" altLang="zh-CN" dirty="0"/>
+              <a:t>('Enter something : ')</a:t>
+            </a:r>
+          </a:p>
+          <a:p>
+            <a:r>
+              <a:rPr lang="en-US" altLang="zh-CN" dirty="0"/>
+              <a:t>    if s == 'quit':</a:t>
+            </a:r>
+          </a:p>
+          <a:p>
+            <a:r>
+              <a:rPr lang="en-US" altLang="zh-CN" dirty="0"/>
+              <a:t>        break</a:t>
+            </a:r>
+          </a:p>
+          <a:p>
+            <a:r>
+              <a:rPr lang="en-US" altLang="zh-CN" dirty="0"/>
+              <a:t>    if </a:t>
+            </a:r>
+            <a:r>
+              <a:rPr lang="en-US" altLang="zh-CN" dirty="0" err="1"/>
+              <a:t>len</a:t>
+            </a:r>
+            <a:r>
+              <a:rPr lang="en-US" altLang="zh-CN" dirty="0"/>
+              <a:t>(s) &lt; 3:</a:t>
+            </a:r>
+          </a:p>
+          <a:p>
+            <a:r>
+              <a:rPr lang="en-US" altLang="zh-CN" dirty="0"/>
+              <a:t>        continue</a:t>
+            </a:r>
+          </a:p>
+          <a:p>
+            <a:r>
+              <a:rPr lang="en-US" altLang="zh-CN" dirty="0"/>
+              <a:t>    print('Input is of sufficient length')</a:t>
+            </a:r>
+          </a:p>
+          <a:p>
+            <a:r>
+              <a:rPr lang="en-US" altLang="zh-CN" dirty="0"/>
+              <a:t>    # Do other kinds of processing here...</a:t>
+            </a:r>
+            <a:endParaRPr lang="zh-CN" altLang="en-US" dirty="0"/>
+          </a:p>
+        </p:txBody>
+      </p:sp>
+    </p:spTree>
+    <p:extLst>
+      <p:ext uri="{BB962C8B-B14F-4D97-AF65-F5344CB8AC3E}">
+        <p14:creationId xmlns:p14="http://schemas.microsoft.com/office/powerpoint/2010/main" val="2642991672"/>
+      </p:ext>
+    </p:extLst>
+  </p:cSld>
+  <p:clrMapOvr>
+    <a:masterClrMapping/>
+  </p:clrMapOvr>
+  <p:transition spd="slow">
+    <p:pull/>
+  </p:transition>
+</p:sld>
+</file>
+
 <file path=ppt/slides/slide4.xml><?xml version="1.0" encoding="utf-8"?>
 <p:sld xmlns:a="http://schemas.openxmlformats.org/drawingml/2006/main" xmlns:r="http://schemas.openxmlformats.org/officeDocument/2006/relationships" xmlns:p="http://schemas.openxmlformats.org/presentationml/2006/main">
   <p:cSld>
@@ -15614,6 +22319,142 @@
         <p14:creationId xmlns:p14="http://schemas.microsoft.com/office/powerpoint/2010/main" val="3911734008"/>
       </p:ext>
     </p:extLst>
+  </p:cSld>
+  <p:clrMapOvr>
+    <a:masterClrMapping/>
+  </p:clrMapOvr>
+  <p:transition spd="slow">
+    <p:pull/>
+  </p:transition>
+</p:sld>
+</file>
+
+<file path=ppt/slides/slide40.xml><?xml version="1.0" encoding="utf-8"?>
+<p:sld xmlns:a="http://schemas.openxmlformats.org/drawingml/2006/main" xmlns:r="http://schemas.openxmlformats.org/officeDocument/2006/relationships" xmlns:p="http://schemas.openxmlformats.org/presentationml/2006/main">
+  <p:cSld>
+    <p:spTree>
+      <p:nvGrpSpPr>
+        <p:cNvPr id="1" name=""/>
+        <p:cNvGrpSpPr/>
+        <p:nvPr/>
+      </p:nvGrpSpPr>
+      <p:grpSpPr>
+        <a:xfrm>
+          <a:off x="0" y="0"/>
+          <a:ext cx="0" cy="0"/>
+          <a:chOff x="0" y="0"/>
+          <a:chExt cx="0" cy="0"/>
+        </a:xfrm>
+      </p:grpSpPr>
+      <p:sp>
+        <p:nvSpPr>
+          <p:cNvPr id="11" name="文本框 10"/>
+          <p:cNvSpPr txBox="1"/>
+          <p:nvPr/>
+        </p:nvSpPr>
+        <p:spPr>
+          <a:xfrm>
+            <a:off x="1457960" y="1991996"/>
+            <a:ext cx="6059805" cy="1661993"/>
+          </a:xfrm>
+          <a:prstGeom prst="rect">
+            <a:avLst/>
+          </a:prstGeom>
+          <a:noFill/>
+        </p:spPr>
+        <p:txBody>
+          <a:bodyPr wrap="square" lIns="0" tIns="0" rIns="0" bIns="0" rtlCol="0">
+            <a:spAutoFit/>
+            <a:scene3d>
+              <a:camera prst="orthographicFront"/>
+              <a:lightRig rig="threePt" dir="t"/>
+            </a:scene3d>
+            <a:sp3d extrusionH="57150">
+              <a:bevelT w="0" h="0"/>
+            </a:sp3d>
+          </a:bodyPr>
+          <a:lstStyle>
+            <a:defPPr>
+              <a:defRPr lang="zh-CN"/>
+            </a:defPPr>
+            <a:lvl1pPr marR="0" lvl="0" indent="0" algn="ctr" fontAlgn="auto">
+              <a:lnSpc>
+                <a:spcPct val="100000"/>
+              </a:lnSpc>
+              <a:spcBef>
+                <a:spcPts val="0"/>
+              </a:spcBef>
+              <a:spcAft>
+                <a:spcPts val="0"/>
+              </a:spcAft>
+              <a:buClrTx/>
+              <a:buSzTx/>
+              <a:buFontTx/>
+              <a:buNone/>
+              <a:defRPr kumimoji="0" sz="7200" b="0" i="0" u="none" strike="noStrike" cap="none" spc="0" normalizeH="0" baseline="0">
+                <a:ln>
+                  <a:noFill/>
+                </a:ln>
+                <a:gradFill>
+                  <a:gsLst>
+                    <a:gs pos="0">
+                      <a:prstClr val="white"/>
+                    </a:gs>
+                    <a:gs pos="55000">
+                      <a:srgbClr val="FCE291"/>
+                    </a:gs>
+                  </a:gsLst>
+                  <a:lin ang="5400000" scaled="1"/>
+                </a:gradFill>
+                <a:effectLst>
+                  <a:outerShdw blurRad="317500" sx="103000" sy="103000" algn="ctr" rotWithShape="0">
+                    <a:srgbClr val="FCE291">
+                      <a:alpha val="60000"/>
+                    </a:srgbClr>
+                  </a:outerShdw>
+                </a:effectLst>
+                <a:uLnTx/>
+                <a:uFillTx/>
+                <a:latin typeface="方正清刻本悦宋简体"/>
+                <a:ea typeface="方正清刻本悦宋简体"/>
+                <a:cs typeface="+mj-cs"/>
+              </a:defRPr>
+            </a:lvl1pPr>
+          </a:lstStyle>
+          <a:p>
+            <a:r>
+              <a:rPr lang="zh-CN" altLang="en-US" sz="5400" dirty="0">
+                <a:solidFill>
+                  <a:schemeClr val="bg1"/>
+                </a:solidFill>
+                <a:latin typeface="+mj-ea"/>
+                <a:ea typeface="+mj-ea"/>
+              </a:rPr>
+              <a:t>谢谢聆听</a:t>
+            </a:r>
+            <a:endParaRPr lang="en-US" altLang="zh-CN" sz="5400" dirty="0">
+              <a:solidFill>
+                <a:schemeClr val="bg1"/>
+              </a:solidFill>
+              <a:latin typeface="+mj-ea"/>
+              <a:ea typeface="+mj-ea"/>
+            </a:endParaRPr>
+          </a:p>
+          <a:p>
+            <a:r>
+              <a:rPr lang="zh-CN" altLang="en-US" sz="5400" dirty="0">
+                <a:solidFill>
+                  <a:schemeClr val="bg1"/>
+                </a:solidFill>
+                <a:latin typeface="+mj-ea"/>
+                <a:ea typeface="+mj-ea"/>
+              </a:rPr>
+              <a:t>欢迎提问</a:t>
+            </a:r>
+          </a:p>
+        </p:txBody>
+      </p:sp>
+    </p:spTree>
   </p:cSld>
   <p:clrMapOvr>
     <a:masterClrMapping/>
